--- a/slides.pptx
+++ b/slides.pptx
@@ -5,10 +5,10 @@
     <p:sldMasterId id="2147483672" r:id="rId1"/>
   </p:sldMasterIdLst>
   <p:notesMasterIdLst>
-    <p:notesMasterId r:id="rId60"/>
+    <p:notesMasterId r:id="rId57"/>
   </p:notesMasterIdLst>
   <p:handoutMasterIdLst>
-    <p:handoutMasterId r:id="rId61"/>
+    <p:handoutMasterId r:id="rId58"/>
   </p:handoutMasterIdLst>
   <p:sldIdLst>
     <p:sldId id="256" r:id="rId2"/>
@@ -25,22 +25,22 @@
     <p:sldId id="361" r:id="rId13"/>
     <p:sldId id="323" r:id="rId14"/>
     <p:sldId id="336" r:id="rId15"/>
-    <p:sldId id="337" r:id="rId16"/>
-    <p:sldId id="339" r:id="rId17"/>
-    <p:sldId id="340" r:id="rId18"/>
-    <p:sldId id="331" r:id="rId19"/>
-    <p:sldId id="341" r:id="rId20"/>
+    <p:sldId id="339" r:id="rId16"/>
+    <p:sldId id="340" r:id="rId17"/>
+    <p:sldId id="375" r:id="rId18"/>
+    <p:sldId id="337" r:id="rId19"/>
+    <p:sldId id="331" r:id="rId20"/>
     <p:sldId id="342" r:id="rId21"/>
     <p:sldId id="333" r:id="rId22"/>
     <p:sldId id="343" r:id="rId23"/>
     <p:sldId id="344" r:id="rId24"/>
     <p:sldId id="345" r:id="rId25"/>
-    <p:sldId id="346" r:id="rId26"/>
-    <p:sldId id="332" r:id="rId27"/>
-    <p:sldId id="347" r:id="rId28"/>
-    <p:sldId id="348" r:id="rId29"/>
-    <p:sldId id="350" r:id="rId30"/>
-    <p:sldId id="349" r:id="rId31"/>
+    <p:sldId id="376" r:id="rId26"/>
+    <p:sldId id="377" r:id="rId27"/>
+    <p:sldId id="332" r:id="rId28"/>
+    <p:sldId id="347" r:id="rId29"/>
+    <p:sldId id="348" r:id="rId30"/>
+    <p:sldId id="350" r:id="rId31"/>
     <p:sldId id="351" r:id="rId32"/>
     <p:sldId id="329" r:id="rId33"/>
     <p:sldId id="352" r:id="rId34"/>
@@ -53,22 +53,19 @@
     <p:sldId id="327" r:id="rId41"/>
     <p:sldId id="353" r:id="rId42"/>
     <p:sldId id="354" r:id="rId43"/>
-    <p:sldId id="326" r:id="rId44"/>
-    <p:sldId id="355" r:id="rId45"/>
-    <p:sldId id="369" r:id="rId46"/>
-    <p:sldId id="324" r:id="rId47"/>
-    <p:sldId id="364" r:id="rId48"/>
-    <p:sldId id="362" r:id="rId49"/>
-    <p:sldId id="363" r:id="rId50"/>
-    <p:sldId id="365" r:id="rId51"/>
-    <p:sldId id="366" r:id="rId52"/>
-    <p:sldId id="328" r:id="rId53"/>
-    <p:sldId id="330" r:id="rId54"/>
-    <p:sldId id="367" r:id="rId55"/>
-    <p:sldId id="368" r:id="rId56"/>
-    <p:sldId id="284" r:id="rId57"/>
-    <p:sldId id="289" r:id="rId58"/>
-    <p:sldId id="320" r:id="rId59"/>
+    <p:sldId id="324" r:id="rId44"/>
+    <p:sldId id="364" r:id="rId45"/>
+    <p:sldId id="362" r:id="rId46"/>
+    <p:sldId id="363" r:id="rId47"/>
+    <p:sldId id="365" r:id="rId48"/>
+    <p:sldId id="366" r:id="rId49"/>
+    <p:sldId id="328" r:id="rId50"/>
+    <p:sldId id="330" r:id="rId51"/>
+    <p:sldId id="367" r:id="rId52"/>
+    <p:sldId id="368" r:id="rId53"/>
+    <p:sldId id="284" r:id="rId54"/>
+    <p:sldId id="289" r:id="rId55"/>
+    <p:sldId id="320" r:id="rId56"/>
   </p:sldIdLst>
   <p:sldSz cx="12192000" cy="6858000"/>
   <p:notesSz cx="6858000" cy="9144000"/>
@@ -194,26 +191,26 @@
           <p14:sldIdLst>
             <p14:sldId id="323"/>
             <p14:sldId id="336"/>
-            <p14:sldId id="337"/>
             <p14:sldId id="339"/>
             <p14:sldId id="340"/>
+            <p14:sldId id="375"/>
           </p14:sldIdLst>
         </p14:section>
         <p14:section name="Inputs &amp; Outputs" id="{21A26BA5-9C88-4151-9C5F-B5DAC9051CC4}">
           <p14:sldIdLst>
+            <p14:sldId id="337"/>
             <p14:sldId id="331"/>
-            <p14:sldId id="341"/>
             <p14:sldId id="342"/>
             <p14:sldId id="333"/>
             <p14:sldId id="343"/>
             <p14:sldId id="344"/>
             <p14:sldId id="345"/>
-            <p14:sldId id="346"/>
+            <p14:sldId id="376"/>
+            <p14:sldId id="377"/>
             <p14:sldId id="332"/>
             <p14:sldId id="347"/>
             <p14:sldId id="348"/>
             <p14:sldId id="350"/>
-            <p14:sldId id="349"/>
             <p14:sldId id="351"/>
           </p14:sldIdLst>
         </p14:section>
@@ -238,13 +235,6 @@
             <p14:sldId id="327"/>
             <p14:sldId id="353"/>
             <p14:sldId id="354"/>
-          </p14:sldIdLst>
-        </p14:section>
-        <p14:section name="Repository Pattern" id="{EC7396F3-6CC1-448B-95EB-7CFBA7D29FA1}">
-          <p14:sldIdLst>
-            <p14:sldId id="326"/>
-            <p14:sldId id="355"/>
-            <p14:sldId id="369"/>
           </p14:sldIdLst>
         </p14:section>
         <p14:section name="3rd Party Tools" id="{267B0211-C563-4919-B8BB-E3E85A80D841}">
@@ -370,7 +360,7 @@
           <a:p>
             <a:fld id="{36562140-B735-4C60-B3C5-92EB3D8B05CE}" type="datetimeFigureOut">
               <a:rPr lang="en-US" smtClean="0"/>
-              <a:t>5/29/2017</a:t>
+              <a:t>6/7/2017</a:t>
             </a:fld>
             <a:endParaRPr lang="en-US"/>
           </a:p>
@@ -535,7 +525,7 @@
           <a:p>
             <a:fld id="{E818593E-236C-4E05-BB72-B29AB3CB2993}" type="datetimeFigureOut">
               <a:rPr lang="en-US" smtClean="0"/>
-              <a:t>5/29/2017</a:t>
+              <a:t>6/7/2017</a:t>
             </a:fld>
             <a:endParaRPr lang="en-US"/>
           </a:p>
@@ -925,6 +915,209 @@
 </p:notes>
 </file>
 
+<file path=ppt/notesSlides/notesSlide10.xml><?xml version="1.0" encoding="utf-8"?>
+<p:notes xmlns:a="http://schemas.openxmlformats.org/drawingml/2006/main" xmlns:r="http://schemas.openxmlformats.org/officeDocument/2006/relationships" xmlns:p="http://schemas.openxmlformats.org/presentationml/2006/main">
+  <p:cSld>
+    <p:spTree>
+      <p:nvGrpSpPr>
+        <p:cNvPr id="1" name=""/>
+        <p:cNvGrpSpPr/>
+        <p:nvPr/>
+      </p:nvGrpSpPr>
+      <p:grpSpPr>
+        <a:xfrm>
+          <a:off x="0" y="0"/>
+          <a:ext cx="0" cy="0"/>
+          <a:chOff x="0" y="0"/>
+          <a:chExt cx="0" cy="0"/>
+        </a:xfrm>
+      </p:grpSpPr>
+      <p:sp>
+        <p:nvSpPr>
+          <p:cNvPr id="2" name="Slide Image Placeholder 1"/>
+          <p:cNvSpPr>
+            <a:spLocks noGrp="1" noRot="1" noChangeAspect="1"/>
+          </p:cNvSpPr>
+          <p:nvPr>
+            <p:ph type="sldImg"/>
+          </p:nvPr>
+        </p:nvSpPr>
+        <p:spPr/>
+      </p:sp>
+      <p:sp>
+        <p:nvSpPr>
+          <p:cNvPr id="3" name="Notes Placeholder 2"/>
+          <p:cNvSpPr>
+            <a:spLocks noGrp="1"/>
+          </p:cNvSpPr>
+          <p:nvPr>
+            <p:ph type="body" idx="1"/>
+          </p:nvPr>
+        </p:nvSpPr>
+        <p:spPr/>
+        <p:txBody>
+          <a:bodyPr/>
+          <a:lstStyle/>
+          <a:p>
+            <a:r>
+              <a:rPr lang="en-US" dirty="0"/>
+              <a:t>Swagger/</a:t>
+            </a:r>
+            <a:r>
+              <a:rPr lang="en-US" dirty="0" err="1"/>
+              <a:t>swashbuckle</a:t>
+            </a:r>
+            <a:endParaRPr lang="en-US" dirty="0"/>
+          </a:p>
+        </p:txBody>
+      </p:sp>
+      <p:sp>
+        <p:nvSpPr>
+          <p:cNvPr id="4" name="Slide Number Placeholder 3"/>
+          <p:cNvSpPr>
+            <a:spLocks noGrp="1"/>
+          </p:cNvSpPr>
+          <p:nvPr>
+            <p:ph type="sldNum" sz="quarter" idx="10"/>
+          </p:nvPr>
+        </p:nvSpPr>
+        <p:spPr/>
+        <p:txBody>
+          <a:bodyPr/>
+          <a:lstStyle/>
+          <a:p>
+            <a:fld id="{E6D4E6FE-E9CE-402C-9CA5-D636DAC5C9B5}" type="slidenum">
+              <a:rPr lang="en-US" smtClean="0"/>
+              <a:t>43</a:t>
+            </a:fld>
+            <a:endParaRPr lang="en-US"/>
+          </a:p>
+        </p:txBody>
+      </p:sp>
+    </p:spTree>
+    <p:extLst>
+      <p:ext uri="{BB962C8B-B14F-4D97-AF65-F5344CB8AC3E}">
+        <p14:creationId xmlns:p14="http://schemas.microsoft.com/office/powerpoint/2010/main" val="3871313925"/>
+      </p:ext>
+    </p:extLst>
+  </p:cSld>
+  <p:clrMapOvr>
+    <a:masterClrMapping/>
+  </p:clrMapOvr>
+</p:notes>
+</file>
+
+<file path=ppt/notesSlides/notesSlide11.xml><?xml version="1.0" encoding="utf-8"?>
+<p:notes xmlns:a="http://schemas.openxmlformats.org/drawingml/2006/main" xmlns:r="http://schemas.openxmlformats.org/officeDocument/2006/relationships" xmlns:p="http://schemas.openxmlformats.org/presentationml/2006/main">
+  <p:cSld>
+    <p:spTree>
+      <p:nvGrpSpPr>
+        <p:cNvPr id="1" name=""/>
+        <p:cNvGrpSpPr/>
+        <p:nvPr/>
+      </p:nvGrpSpPr>
+      <p:grpSpPr>
+        <a:xfrm>
+          <a:off x="0" y="0"/>
+          <a:ext cx="0" cy="0"/>
+          <a:chOff x="0" y="0"/>
+          <a:chExt cx="0" cy="0"/>
+        </a:xfrm>
+      </p:grpSpPr>
+      <p:sp>
+        <p:nvSpPr>
+          <p:cNvPr id="2" name="Slide Image Placeholder 1"/>
+          <p:cNvSpPr>
+            <a:spLocks noGrp="1" noRot="1" noChangeAspect="1"/>
+          </p:cNvSpPr>
+          <p:nvPr>
+            <p:ph type="sldImg"/>
+          </p:nvPr>
+        </p:nvSpPr>
+        <p:spPr/>
+      </p:sp>
+      <p:sp>
+        <p:nvSpPr>
+          <p:cNvPr id="3" name="Notes Placeholder 2"/>
+          <p:cNvSpPr>
+            <a:spLocks noGrp="1"/>
+          </p:cNvSpPr>
+          <p:nvPr>
+            <p:ph type="body" idx="1"/>
+          </p:nvPr>
+        </p:nvSpPr>
+        <p:spPr/>
+        <p:txBody>
+          <a:bodyPr/>
+          <a:lstStyle/>
+          <a:p>
+            <a:r>
+              <a:rPr lang="en-US" dirty="0" err="1"/>
+              <a:t>async</a:t>
+            </a:r>
+            <a:r>
+              <a:rPr lang="en-US" dirty="0"/>
+              <a:t>/await</a:t>
+            </a:r>
+          </a:p>
+          <a:p>
+            <a:r>
+              <a:rPr lang="en-US" dirty="0"/>
+              <a:t>Output caching</a:t>
+            </a:r>
+          </a:p>
+          <a:p>
+            <a:r>
+              <a:rPr lang="en-US" dirty="0"/>
+              <a:t>Raw ado.net or </a:t>
+            </a:r>
+            <a:r>
+              <a:rPr lang="en-US" dirty="0" err="1"/>
+              <a:t>asnotracking</a:t>
+            </a:r>
+            <a:r>
+              <a:rPr lang="en-US" dirty="0"/>
+              <a:t>()</a:t>
+            </a:r>
+          </a:p>
+        </p:txBody>
+      </p:sp>
+      <p:sp>
+        <p:nvSpPr>
+          <p:cNvPr id="4" name="Slide Number Placeholder 3"/>
+          <p:cNvSpPr>
+            <a:spLocks noGrp="1"/>
+          </p:cNvSpPr>
+          <p:nvPr>
+            <p:ph type="sldNum" sz="quarter" idx="10"/>
+          </p:nvPr>
+        </p:nvSpPr>
+        <p:spPr/>
+        <p:txBody>
+          <a:bodyPr/>
+          <a:lstStyle/>
+          <a:p>
+            <a:fld id="{E6D4E6FE-E9CE-402C-9CA5-D636DAC5C9B5}" type="slidenum">
+              <a:rPr lang="en-US" smtClean="0"/>
+              <a:t>49</a:t>
+            </a:fld>
+            <a:endParaRPr lang="en-US"/>
+          </a:p>
+        </p:txBody>
+      </p:sp>
+    </p:spTree>
+    <p:extLst>
+      <p:ext uri="{BB962C8B-B14F-4D97-AF65-F5344CB8AC3E}">
+        <p14:creationId xmlns:p14="http://schemas.microsoft.com/office/powerpoint/2010/main" val="1780155552"/>
+      </p:ext>
+    </p:extLst>
+  </p:cSld>
+  <p:clrMapOvr>
+    <a:masterClrMapping/>
+  </p:clrMapOvr>
+</p:notes>
+</file>
+
 <file path=ppt/notesSlides/notesSlide2.xml><?xml version="1.0" encoding="utf-8"?>
 <p:notes xmlns:a="http://schemas.openxmlformats.org/drawingml/2006/main" xmlns:r="http://schemas.openxmlformats.org/officeDocument/2006/relationships" xmlns:p="http://schemas.openxmlformats.org/presentationml/2006/main">
   <p:cSld>
@@ -969,28 +1162,7 @@
           <a:bodyPr/>
           <a:lstStyle/>
           <a:p>
-            <a:r>
-              <a:rPr lang="en-US" dirty="0" err="1"/>
-              <a:t>Dto</a:t>
-            </a:r>
-            <a:r>
-              <a:rPr lang="en-US" dirty="0"/>
-              <a:t> vs model/entity</a:t>
-            </a:r>
-          </a:p>
-          <a:p>
-            <a:r>
-              <a:rPr lang="en-US" dirty="0"/>
-              <a:t>Mapping (</a:t>
-            </a:r>
-            <a:r>
-              <a:rPr lang="en-US" dirty="0" err="1"/>
-              <a:t>automapper</a:t>
-            </a:r>
-            <a:r>
-              <a:rPr lang="en-US" dirty="0"/>
-              <a:t>)</a:t>
-            </a:r>
+            <a:endParaRPr lang="en-US" dirty="0"/>
           </a:p>
         </p:txBody>
       </p:sp>
@@ -1011,7 +1183,7 @@
           <a:p>
             <a:fld id="{E6D4E6FE-E9CE-402C-9CA5-D636DAC5C9B5}" type="slidenum">
               <a:rPr lang="en-US" smtClean="0"/>
-              <a:t>18</a:t>
+              <a:t>15</a:t>
             </a:fld>
             <a:endParaRPr lang="en-US"/>
           </a:p>
@@ -1020,7 +1192,7 @@
     </p:spTree>
     <p:extLst>
       <p:ext uri="{BB962C8B-B14F-4D97-AF65-F5344CB8AC3E}">
-        <p14:creationId xmlns:p14="http://schemas.microsoft.com/office/powerpoint/2010/main" val="650123429"/>
+        <p14:creationId xmlns:p14="http://schemas.microsoft.com/office/powerpoint/2010/main" val="2728811580"/>
       </p:ext>
     </p:extLst>
   </p:cSld>
@@ -1075,266 +1247,27 @@
           <a:lstStyle/>
           <a:p>
             <a:r>
+              <a:rPr lang="en-US" dirty="0" err="1"/>
+              <a:t>Dto</a:t>
+            </a:r>
+            <a:r>
               <a:rPr lang="en-US" dirty="0"/>
-              <a:t>[</a:t>
+              <a:t> vs model/entity</a:t>
+            </a:r>
+          </a:p>
+          <a:p>
+            <a:r>
+              <a:rPr lang="en-US" dirty="0"/>
+              <a:t>Mapping (</a:t>
             </a:r>
             <a:r>
               <a:rPr lang="en-US" dirty="0" err="1"/>
-              <a:t>FromBody</a:t>
+              <a:t>automapper</a:t>
             </a:r>
             <a:r>
               <a:rPr lang="en-US" dirty="0"/>
-              <a:t>] body</a:t>
-            </a:r>
-          </a:p>
-          <a:p>
-            <a:pPr marL="0" marR="0" lvl="0" indent="0" algn="l" defTabSz="914400" rtl="0" eaLnBrk="1" fontAlgn="auto" latinLnBrk="0" hangingPunct="1">
-              <a:lnSpc>
-                <a:spcPct val="100000"/>
-              </a:lnSpc>
-              <a:spcBef>
-                <a:spcPts val="0"/>
-              </a:spcBef>
-              <a:spcAft>
-                <a:spcPts val="0"/>
-              </a:spcAft>
-              <a:buClrTx/>
-              <a:buSzTx/>
-              <a:buFontTx/>
-              <a:buNone/>
-              <a:tabLst/>
-              <a:defRPr/>
-            </a:pPr>
-            <a:r>
-              <a:rPr lang="en-US" sz="1200" b="0" i="0" kern="1200" dirty="0">
-                <a:solidFill>
-                  <a:schemeClr val="tx1"/>
-                </a:solidFill>
-                <a:effectLst/>
-                <a:latin typeface="+mn-lt"/>
-                <a:ea typeface="+mn-ea"/>
-                <a:cs typeface="+mn-cs"/>
-              </a:rPr>
-              <a:t>[</a:t>
-            </a:r>
-            <a:r>
-              <a:rPr lang="en-US" sz="1200" b="0" i="0" kern="1200" dirty="0" err="1">
-                <a:solidFill>
-                  <a:schemeClr val="tx1"/>
-                </a:solidFill>
-                <a:effectLst/>
-                <a:latin typeface="+mn-lt"/>
-                <a:ea typeface="+mn-ea"/>
-                <a:cs typeface="+mn-cs"/>
-              </a:rPr>
-              <a:t>FromUri</a:t>
-            </a:r>
-            <a:r>
-              <a:rPr lang="en-US" sz="1200" b="0" i="0" kern="1200" dirty="0">
-                <a:solidFill>
-                  <a:schemeClr val="tx1"/>
-                </a:solidFill>
-                <a:effectLst/>
-                <a:latin typeface="+mn-lt"/>
-                <a:ea typeface="+mn-ea"/>
-                <a:cs typeface="+mn-cs"/>
-              </a:rPr>
-              <a:t>] </a:t>
-            </a:r>
-            <a:r>
-              <a:rPr lang="en-US" dirty="0" err="1"/>
-              <a:t>Querystring</a:t>
-            </a:r>
-            <a:r>
-              <a:rPr lang="en-US" dirty="0"/>
-              <a:t> (get)</a:t>
-            </a:r>
-          </a:p>
-          <a:p>
-            <a:pPr marL="171450" marR="0" lvl="0" indent="-171450" algn="l" defTabSz="914400" rtl="0" eaLnBrk="1" fontAlgn="auto" latinLnBrk="0" hangingPunct="1">
-              <a:lnSpc>
-                <a:spcPct val="100000"/>
-              </a:lnSpc>
-              <a:spcBef>
-                <a:spcPts val="0"/>
-              </a:spcBef>
-              <a:spcAft>
-                <a:spcPts val="0"/>
-              </a:spcAft>
-              <a:buClrTx/>
-              <a:buSzTx/>
-              <a:buFontTx/>
-              <a:buChar char="-"/>
-              <a:tabLst/>
-              <a:defRPr/>
-            </a:pPr>
-            <a:r>
-              <a:rPr lang="en-US" dirty="0"/>
-              <a:t>See https://docs.microsoft.com/en-us/aspnet/web-api/overview/formats-and-model-binding/parameter-binding-in-aspnet-web-api</a:t>
-            </a:r>
-          </a:p>
-          <a:p>
-            <a:pPr marL="0" marR="0" lvl="0" indent="0" algn="l" defTabSz="914400" rtl="0" eaLnBrk="1" fontAlgn="auto" latinLnBrk="0" hangingPunct="1">
-              <a:lnSpc>
-                <a:spcPct val="100000"/>
-              </a:lnSpc>
-              <a:spcBef>
-                <a:spcPts val="0"/>
-              </a:spcBef>
-              <a:spcAft>
-                <a:spcPts val="0"/>
-              </a:spcAft>
-              <a:buClrTx/>
-              <a:buSzTx/>
-              <a:buFontTx/>
-              <a:buNone/>
-              <a:tabLst/>
-              <a:defRPr/>
-            </a:pPr>
-            <a:endParaRPr lang="en-US" dirty="0"/>
-          </a:p>
-          <a:p>
-            <a:pPr marL="0" marR="0" lvl="0" indent="0" algn="l" defTabSz="914400" rtl="0" eaLnBrk="1" fontAlgn="auto" latinLnBrk="0" hangingPunct="1">
-              <a:lnSpc>
-                <a:spcPct val="100000"/>
-              </a:lnSpc>
-              <a:spcBef>
-                <a:spcPts val="0"/>
-              </a:spcBef>
-              <a:spcAft>
-                <a:spcPts val="0"/>
-              </a:spcAft>
-              <a:buClrTx/>
-              <a:buSzTx/>
-              <a:buFontTx/>
-              <a:buNone/>
-              <a:tabLst/>
-              <a:defRPr/>
-            </a:pPr>
-            <a:r>
-              <a:rPr lang="en-US" sz="1200" b="0" i="0" kern="1200" dirty="0" err="1">
-                <a:solidFill>
-                  <a:schemeClr val="tx1"/>
-                </a:solidFill>
-                <a:effectLst/>
-                <a:latin typeface="+mn-lt"/>
-                <a:ea typeface="+mn-ea"/>
-                <a:cs typeface="+mn-cs"/>
-              </a:rPr>
-              <a:t>TypeConverterss</a:t>
-            </a:r>
-            <a:r>
-              <a:rPr lang="en-US" sz="1200" b="0" i="0" kern="1200" dirty="0">
-                <a:solidFill>
-                  <a:schemeClr val="tx1"/>
-                </a:solidFill>
-                <a:effectLst/>
-                <a:latin typeface="+mn-lt"/>
-                <a:ea typeface="+mn-ea"/>
-                <a:cs typeface="+mn-cs"/>
-              </a:rPr>
-              <a:t>, Model Binders, Value Providers, </a:t>
-            </a:r>
-            <a:r>
-              <a:rPr lang="en-US" sz="1200" b="0" i="0" kern="1200" dirty="0" err="1">
-                <a:solidFill>
-                  <a:schemeClr val="tx1"/>
-                </a:solidFill>
-                <a:effectLst/>
-                <a:latin typeface="+mn-lt"/>
-                <a:ea typeface="+mn-ea"/>
-                <a:cs typeface="+mn-cs"/>
-              </a:rPr>
-              <a:t>HttpParameterBinding</a:t>
-            </a:r>
-            <a:endParaRPr lang="en-US" sz="1200" b="0" i="0" kern="1200" dirty="0">
-              <a:solidFill>
-                <a:schemeClr val="tx1"/>
-              </a:solidFill>
-              <a:effectLst/>
-              <a:latin typeface="+mn-lt"/>
-              <a:ea typeface="+mn-ea"/>
-              <a:cs typeface="+mn-cs"/>
-            </a:endParaRPr>
-          </a:p>
-          <a:p>
-            <a:pPr marL="0" marR="0" lvl="0" indent="0" algn="l" defTabSz="914400" rtl="0" eaLnBrk="1" fontAlgn="auto" latinLnBrk="0" hangingPunct="1">
-              <a:lnSpc>
-                <a:spcPct val="100000"/>
-              </a:lnSpc>
-              <a:spcBef>
-                <a:spcPts val="0"/>
-              </a:spcBef>
-              <a:spcAft>
-                <a:spcPts val="0"/>
-              </a:spcAft>
-              <a:buClrTx/>
-              <a:buSzTx/>
-              <a:buFontTx/>
-              <a:buNone/>
-              <a:tabLst/>
-              <a:defRPr/>
-            </a:pPr>
-            <a:endParaRPr lang="en-US" sz="1200" b="0" i="0" kern="1200" dirty="0">
-              <a:solidFill>
-                <a:schemeClr val="tx1"/>
-              </a:solidFill>
-              <a:effectLst/>
-              <a:latin typeface="+mn-lt"/>
-              <a:ea typeface="+mn-ea"/>
-              <a:cs typeface="+mn-cs"/>
-            </a:endParaRPr>
-          </a:p>
-          <a:p>
-            <a:pPr marL="0" marR="0" lvl="0" indent="0" algn="l" defTabSz="914400" rtl="0" eaLnBrk="1" fontAlgn="auto" latinLnBrk="0" hangingPunct="1">
-              <a:lnSpc>
-                <a:spcPct val="100000"/>
-              </a:lnSpc>
-              <a:spcBef>
-                <a:spcPts val="0"/>
-              </a:spcBef>
-              <a:spcAft>
-                <a:spcPts val="0"/>
-              </a:spcAft>
-              <a:buClrTx/>
-              <a:buSzTx/>
-              <a:buFontTx/>
-              <a:buNone/>
-              <a:tabLst/>
-              <a:defRPr/>
-            </a:pPr>
-            <a:endParaRPr lang="en-US" sz="1200" b="0" i="0" kern="1200" dirty="0">
-              <a:solidFill>
-                <a:schemeClr val="tx1"/>
-              </a:solidFill>
-              <a:effectLst/>
-              <a:latin typeface="+mn-lt"/>
-              <a:ea typeface="+mn-ea"/>
-              <a:cs typeface="+mn-cs"/>
-            </a:endParaRPr>
-          </a:p>
-          <a:p>
-            <a:pPr marL="0" marR="0" lvl="0" indent="0" algn="l" defTabSz="914400" rtl="0" eaLnBrk="1" fontAlgn="auto" latinLnBrk="0" hangingPunct="1">
-              <a:lnSpc>
-                <a:spcPct val="100000"/>
-              </a:lnSpc>
-              <a:spcBef>
-                <a:spcPts val="0"/>
-              </a:spcBef>
-              <a:spcAft>
-                <a:spcPts val="0"/>
-              </a:spcAft>
-              <a:buClrTx/>
-              <a:buSzTx/>
-              <a:buFontTx/>
-              <a:buNone/>
-              <a:tabLst/>
-              <a:defRPr/>
-            </a:pPr>
-            <a:endParaRPr lang="en-US" dirty="0"/>
-          </a:p>
-          <a:p>
-            <a:endParaRPr lang="en-US" dirty="0"/>
+              <a:t>)</a:t>
+            </a:r>
           </a:p>
         </p:txBody>
       </p:sp>
@@ -1355,7 +1288,7 @@
           <a:p>
             <a:fld id="{E6D4E6FE-E9CE-402C-9CA5-D636DAC5C9B5}" type="slidenum">
               <a:rPr lang="en-US" smtClean="0"/>
-              <a:t>21</a:t>
+              <a:t>19</a:t>
             </a:fld>
             <a:endParaRPr lang="en-US"/>
           </a:p>
@@ -1364,7 +1297,7 @@
     </p:spTree>
     <p:extLst>
       <p:ext uri="{BB962C8B-B14F-4D97-AF65-F5344CB8AC3E}">
-        <p14:creationId xmlns:p14="http://schemas.microsoft.com/office/powerpoint/2010/main" val="3348165265"/>
+        <p14:creationId xmlns:p14="http://schemas.microsoft.com/office/powerpoint/2010/main" val="650123429"/>
       </p:ext>
     </p:extLst>
   </p:cSld>
@@ -1420,58 +1353,265 @@
           <a:p>
             <a:r>
               <a:rPr lang="en-US" dirty="0"/>
-              <a:t>void</a:t>
-            </a:r>
-          </a:p>
-          <a:p>
+              <a:t>[</a:t>
+            </a:r>
+            <a:r>
+              <a:rPr lang="en-US" dirty="0" err="1"/>
+              <a:t>FromBody</a:t>
+            </a:r>
             <a:r>
               <a:rPr lang="en-US" dirty="0"/>
-              <a:t>Single object</a:t>
-            </a:r>
-          </a:p>
-          <a:p>
+              <a:t>] body</a:t>
+            </a:r>
+          </a:p>
+          <a:p>
+            <a:pPr marL="0" marR="0" lvl="0" indent="0" algn="l" defTabSz="914400" rtl="0" eaLnBrk="1" fontAlgn="auto" latinLnBrk="0" hangingPunct="1">
+              <a:lnSpc>
+                <a:spcPct val="100000"/>
+              </a:lnSpc>
+              <a:spcBef>
+                <a:spcPts val="0"/>
+              </a:spcBef>
+              <a:spcAft>
+                <a:spcPts val="0"/>
+              </a:spcAft>
+              <a:buClrTx/>
+              <a:buSzTx/>
+              <a:buFontTx/>
+              <a:buNone/>
+              <a:tabLst/>
+              <a:defRPr/>
+            </a:pPr>
+            <a:r>
+              <a:rPr lang="en-US" sz="1200" b="0" i="0" kern="1200" dirty="0">
+                <a:solidFill>
+                  <a:schemeClr val="tx1"/>
+                </a:solidFill>
+                <a:effectLst/>
+                <a:latin typeface="+mn-lt"/>
+                <a:ea typeface="+mn-ea"/>
+                <a:cs typeface="+mn-cs"/>
+              </a:rPr>
+              <a:t>[</a:t>
+            </a:r>
+            <a:r>
+              <a:rPr lang="en-US" sz="1200" b="0" i="0" kern="1200" dirty="0" err="1">
+                <a:solidFill>
+                  <a:schemeClr val="tx1"/>
+                </a:solidFill>
+                <a:effectLst/>
+                <a:latin typeface="+mn-lt"/>
+                <a:ea typeface="+mn-ea"/>
+                <a:cs typeface="+mn-cs"/>
+              </a:rPr>
+              <a:t>FromUri</a:t>
+            </a:r>
+            <a:r>
+              <a:rPr lang="en-US" sz="1200" b="0" i="0" kern="1200" dirty="0">
+                <a:solidFill>
+                  <a:schemeClr val="tx1"/>
+                </a:solidFill>
+                <a:effectLst/>
+                <a:latin typeface="+mn-lt"/>
+                <a:ea typeface="+mn-ea"/>
+                <a:cs typeface="+mn-cs"/>
+              </a:rPr>
+              <a:t>] </a:t>
+            </a:r>
+            <a:r>
+              <a:rPr lang="en-US" dirty="0" err="1"/>
+              <a:t>Querystring</a:t>
+            </a:r>
             <a:r>
               <a:rPr lang="en-US" dirty="0"/>
-              <a:t>List of objects</a:t>
-            </a:r>
-          </a:p>
-          <a:p>
-            <a:r>
-              <a:rPr lang="en-US" dirty="0" err="1"/>
-              <a:t>HttpActionResult</a:t>
-            </a:r>
+              <a:t> (get)</a:t>
+            </a:r>
+          </a:p>
+          <a:p>
+            <a:pPr marL="171450" marR="0" lvl="0" indent="-171450" algn="l" defTabSz="914400" rtl="0" eaLnBrk="1" fontAlgn="auto" latinLnBrk="0" hangingPunct="1">
+              <a:lnSpc>
+                <a:spcPct val="100000"/>
+              </a:lnSpc>
+              <a:spcBef>
+                <a:spcPts val="0"/>
+              </a:spcBef>
+              <a:spcAft>
+                <a:spcPts val="0"/>
+              </a:spcAft>
+              <a:buClrTx/>
+              <a:buSzTx/>
+              <a:buFontTx/>
+              <a:buChar char="-"/>
+              <a:tabLst/>
+              <a:defRPr/>
+            </a:pPr>
             <a:r>
               <a:rPr lang="en-US" dirty="0"/>
-              <a:t> (</a:t>
-            </a:r>
-            <a:r>
-              <a:rPr lang="en-US" dirty="0" err="1"/>
-              <a:t>ActionResult</a:t>
-            </a:r>
-            <a:r>
-              <a:rPr lang="en-US" dirty="0"/>
-              <a:t> in core)</a:t>
-            </a:r>
-          </a:p>
-          <a:p>
-            <a:r>
-              <a:rPr lang="en-US" dirty="0" err="1"/>
-              <a:t>HttpResponseMessage</a:t>
-            </a:r>
+              <a:t>See https://docs.microsoft.com/en-us/aspnet/web-api/overview/formats-and-model-binding/parameter-binding-in-aspnet-web-api</a:t>
+            </a:r>
+          </a:p>
+          <a:p>
+            <a:pPr marL="0" marR="0" lvl="0" indent="0" algn="l" defTabSz="914400" rtl="0" eaLnBrk="1" fontAlgn="auto" latinLnBrk="0" hangingPunct="1">
+              <a:lnSpc>
+                <a:spcPct val="100000"/>
+              </a:lnSpc>
+              <a:spcBef>
+                <a:spcPts val="0"/>
+              </a:spcBef>
+              <a:spcAft>
+                <a:spcPts val="0"/>
+              </a:spcAft>
+              <a:buClrTx/>
+              <a:buSzTx/>
+              <a:buFontTx/>
+              <a:buNone/>
+              <a:tabLst/>
+              <a:defRPr/>
+            </a:pPr>
             <a:endParaRPr lang="en-US" dirty="0"/>
           </a:p>
           <a:p>
-            <a:r>
-              <a:rPr lang="en-US" dirty="0"/>
-              <a:t>Exception</a:t>
-            </a:r>
-            <a:br>
-              <a:rPr lang="en-US" dirty="0"/>
-            </a:br>
-            <a:r>
-              <a:rPr lang="en-US" dirty="0"/>
-              <a:t>Helper methods in base class</a:t>
-            </a:r>
+            <a:pPr marL="0" marR="0" lvl="0" indent="0" algn="l" defTabSz="914400" rtl="0" eaLnBrk="1" fontAlgn="auto" latinLnBrk="0" hangingPunct="1">
+              <a:lnSpc>
+                <a:spcPct val="100000"/>
+              </a:lnSpc>
+              <a:spcBef>
+                <a:spcPts val="0"/>
+              </a:spcBef>
+              <a:spcAft>
+                <a:spcPts val="0"/>
+              </a:spcAft>
+              <a:buClrTx/>
+              <a:buSzTx/>
+              <a:buFontTx/>
+              <a:buNone/>
+              <a:tabLst/>
+              <a:defRPr/>
+            </a:pPr>
+            <a:r>
+              <a:rPr lang="en-US" sz="1200" b="0" i="0" kern="1200" dirty="0" err="1">
+                <a:solidFill>
+                  <a:schemeClr val="tx1"/>
+                </a:solidFill>
+                <a:effectLst/>
+                <a:latin typeface="+mn-lt"/>
+                <a:ea typeface="+mn-ea"/>
+                <a:cs typeface="+mn-cs"/>
+              </a:rPr>
+              <a:t>TypeConverterss</a:t>
+            </a:r>
+            <a:r>
+              <a:rPr lang="en-US" sz="1200" b="0" i="0" kern="1200" dirty="0">
+                <a:solidFill>
+                  <a:schemeClr val="tx1"/>
+                </a:solidFill>
+                <a:effectLst/>
+                <a:latin typeface="+mn-lt"/>
+                <a:ea typeface="+mn-ea"/>
+                <a:cs typeface="+mn-cs"/>
+              </a:rPr>
+              <a:t>, Model Binders, Value Providers, </a:t>
+            </a:r>
+            <a:r>
+              <a:rPr lang="en-US" sz="1200" b="0" i="0" kern="1200" dirty="0" err="1">
+                <a:solidFill>
+                  <a:schemeClr val="tx1"/>
+                </a:solidFill>
+                <a:effectLst/>
+                <a:latin typeface="+mn-lt"/>
+                <a:ea typeface="+mn-ea"/>
+                <a:cs typeface="+mn-cs"/>
+              </a:rPr>
+              <a:t>HttpParameterBinding</a:t>
+            </a:r>
+            <a:endParaRPr lang="en-US" sz="1200" b="0" i="0" kern="1200" dirty="0">
+              <a:solidFill>
+                <a:schemeClr val="tx1"/>
+              </a:solidFill>
+              <a:effectLst/>
+              <a:latin typeface="+mn-lt"/>
+              <a:ea typeface="+mn-ea"/>
+              <a:cs typeface="+mn-cs"/>
+            </a:endParaRPr>
+          </a:p>
+          <a:p>
+            <a:pPr marL="0" marR="0" lvl="0" indent="0" algn="l" defTabSz="914400" rtl="0" eaLnBrk="1" fontAlgn="auto" latinLnBrk="0" hangingPunct="1">
+              <a:lnSpc>
+                <a:spcPct val="100000"/>
+              </a:lnSpc>
+              <a:spcBef>
+                <a:spcPts val="0"/>
+              </a:spcBef>
+              <a:spcAft>
+                <a:spcPts val="0"/>
+              </a:spcAft>
+              <a:buClrTx/>
+              <a:buSzTx/>
+              <a:buFontTx/>
+              <a:buNone/>
+              <a:tabLst/>
+              <a:defRPr/>
+            </a:pPr>
+            <a:endParaRPr lang="en-US" sz="1200" b="0" i="0" kern="1200" dirty="0">
+              <a:solidFill>
+                <a:schemeClr val="tx1"/>
+              </a:solidFill>
+              <a:effectLst/>
+              <a:latin typeface="+mn-lt"/>
+              <a:ea typeface="+mn-ea"/>
+              <a:cs typeface="+mn-cs"/>
+            </a:endParaRPr>
+          </a:p>
+          <a:p>
+            <a:pPr marL="0" marR="0" lvl="0" indent="0" algn="l" defTabSz="914400" rtl="0" eaLnBrk="1" fontAlgn="auto" latinLnBrk="0" hangingPunct="1">
+              <a:lnSpc>
+                <a:spcPct val="100000"/>
+              </a:lnSpc>
+              <a:spcBef>
+                <a:spcPts val="0"/>
+              </a:spcBef>
+              <a:spcAft>
+                <a:spcPts val="0"/>
+              </a:spcAft>
+              <a:buClrTx/>
+              <a:buSzTx/>
+              <a:buFontTx/>
+              <a:buNone/>
+              <a:tabLst/>
+              <a:defRPr/>
+            </a:pPr>
+            <a:endParaRPr lang="en-US" sz="1200" b="0" i="0" kern="1200" dirty="0">
+              <a:solidFill>
+                <a:schemeClr val="tx1"/>
+              </a:solidFill>
+              <a:effectLst/>
+              <a:latin typeface="+mn-lt"/>
+              <a:ea typeface="+mn-ea"/>
+              <a:cs typeface="+mn-cs"/>
+            </a:endParaRPr>
+          </a:p>
+          <a:p>
+            <a:pPr marL="0" marR="0" lvl="0" indent="0" algn="l" defTabSz="914400" rtl="0" eaLnBrk="1" fontAlgn="auto" latinLnBrk="0" hangingPunct="1">
+              <a:lnSpc>
+                <a:spcPct val="100000"/>
+              </a:lnSpc>
+              <a:spcBef>
+                <a:spcPts val="0"/>
+              </a:spcBef>
+              <a:spcAft>
+                <a:spcPts val="0"/>
+              </a:spcAft>
+              <a:buClrTx/>
+              <a:buSzTx/>
+              <a:buFontTx/>
+              <a:buNone/>
+              <a:tabLst/>
+              <a:defRPr/>
+            </a:pPr>
+            <a:endParaRPr lang="en-US" dirty="0"/>
+          </a:p>
+          <a:p>
+            <a:endParaRPr lang="en-US" dirty="0"/>
           </a:p>
         </p:txBody>
       </p:sp>
@@ -1492,7 +1632,7 @@
           <a:p>
             <a:fld id="{E6D4E6FE-E9CE-402C-9CA5-D636DAC5C9B5}" type="slidenum">
               <a:rPr lang="en-US" smtClean="0"/>
-              <a:t>26</a:t>
+              <a:t>21</a:t>
             </a:fld>
             <a:endParaRPr lang="en-US"/>
           </a:p>
@@ -1501,7 +1641,7 @@
     </p:spTree>
     <p:extLst>
       <p:ext uri="{BB962C8B-B14F-4D97-AF65-F5344CB8AC3E}">
-        <p14:creationId xmlns:p14="http://schemas.microsoft.com/office/powerpoint/2010/main" val="2807053282"/>
+        <p14:creationId xmlns:p14="http://schemas.microsoft.com/office/powerpoint/2010/main" val="3348165265"/>
       </p:ext>
     </p:extLst>
   </p:cSld>
@@ -1555,10 +1695,6 @@
           <a:bodyPr/>
           <a:lstStyle/>
           <a:p>
-            <a:r>
-              <a:rPr lang="en-US" dirty="0" err="1"/>
-              <a:t>ModelState</a:t>
-            </a:r>
             <a:endParaRPr lang="en-US" dirty="0"/>
           </a:p>
         </p:txBody>
@@ -1580,7 +1716,7 @@
           <a:p>
             <a:fld id="{E6D4E6FE-E9CE-402C-9CA5-D636DAC5C9B5}" type="slidenum">
               <a:rPr lang="en-US" smtClean="0"/>
-              <a:t>32</a:t>
+              <a:t>25</a:t>
             </a:fld>
             <a:endParaRPr lang="en-US"/>
           </a:p>
@@ -1589,7 +1725,7 @@
     </p:spTree>
     <p:extLst>
       <p:ext uri="{BB962C8B-B14F-4D97-AF65-F5344CB8AC3E}">
-        <p14:creationId xmlns:p14="http://schemas.microsoft.com/office/powerpoint/2010/main" val="1588307271"/>
+        <p14:creationId xmlns:p14="http://schemas.microsoft.com/office/powerpoint/2010/main" val="1158000119"/>
       </p:ext>
     </p:extLst>
   </p:cSld>
@@ -1643,27 +1779,6 @@
           <a:bodyPr/>
           <a:lstStyle/>
           <a:p>
-            <a:r>
-              <a:rPr lang="en-US" dirty="0" err="1"/>
-              <a:t>Indentity</a:t>
-            </a:r>
-            <a:br>
-              <a:rPr lang="en-US" dirty="0"/>
-            </a:br>
-            <a:r>
-              <a:rPr lang="en-US" dirty="0"/>
-              <a:t>JWT</a:t>
-            </a:r>
-          </a:p>
-          <a:p>
-            <a:r>
-              <a:rPr lang="en-US" dirty="0"/>
-              <a:t>Custom – extract token from </a:t>
-            </a:r>
-            <a:r>
-              <a:rPr lang="en-US" dirty="0" err="1"/>
-              <a:t>qs</a:t>
-            </a:r>
             <a:endParaRPr lang="en-US" dirty="0"/>
           </a:p>
         </p:txBody>
@@ -1685,7 +1800,7 @@
           <a:p>
             <a:fld id="{E6D4E6FE-E9CE-402C-9CA5-D636DAC5C9B5}" type="slidenum">
               <a:rPr lang="en-US" smtClean="0"/>
-              <a:t>40</a:t>
+              <a:t>26</a:t>
             </a:fld>
             <a:endParaRPr lang="en-US"/>
           </a:p>
@@ -1694,7 +1809,7 @@
     </p:spTree>
     <p:extLst>
       <p:ext uri="{BB962C8B-B14F-4D97-AF65-F5344CB8AC3E}">
-        <p14:creationId xmlns:p14="http://schemas.microsoft.com/office/powerpoint/2010/main" val="2054798969"/>
+        <p14:creationId xmlns:p14="http://schemas.microsoft.com/office/powerpoint/2010/main" val="3257801251"/>
       </p:ext>
     </p:extLst>
   </p:cSld>
@@ -1748,7 +1863,60 @@
           <a:bodyPr/>
           <a:lstStyle/>
           <a:p>
+            <a:r>
+              <a:rPr lang="en-US" dirty="0"/>
+              <a:t>void</a:t>
+            </a:r>
+          </a:p>
+          <a:p>
+            <a:r>
+              <a:rPr lang="en-US" dirty="0"/>
+              <a:t>Single object</a:t>
+            </a:r>
+          </a:p>
+          <a:p>
+            <a:r>
+              <a:rPr lang="en-US" dirty="0"/>
+              <a:t>List of objects</a:t>
+            </a:r>
+          </a:p>
+          <a:p>
+            <a:r>
+              <a:rPr lang="en-US" dirty="0" err="1"/>
+              <a:t>HttpActionResult</a:t>
+            </a:r>
+            <a:r>
+              <a:rPr lang="en-US" dirty="0"/>
+              <a:t> (</a:t>
+            </a:r>
+            <a:r>
+              <a:rPr lang="en-US" dirty="0" err="1"/>
+              <a:t>ActionResult</a:t>
+            </a:r>
+            <a:r>
+              <a:rPr lang="en-US" dirty="0"/>
+              <a:t> in core)</a:t>
+            </a:r>
+          </a:p>
+          <a:p>
+            <a:r>
+              <a:rPr lang="en-US" dirty="0" err="1"/>
+              <a:t>HttpResponseMessage</a:t>
+            </a:r>
             <a:endParaRPr lang="en-US" dirty="0"/>
+          </a:p>
+          <a:p>
+            <a:r>
+              <a:rPr lang="en-US" dirty="0"/>
+              <a:t>Exception</a:t>
+            </a:r>
+            <a:br>
+              <a:rPr lang="en-US" dirty="0"/>
+            </a:br>
+            <a:r>
+              <a:rPr lang="en-US" dirty="0"/>
+              <a:t>Helper methods in base class</a:t>
+            </a:r>
           </a:p>
         </p:txBody>
       </p:sp>
@@ -1769,7 +1937,7 @@
           <a:p>
             <a:fld id="{E6D4E6FE-E9CE-402C-9CA5-D636DAC5C9B5}" type="slidenum">
               <a:rPr lang="en-US" smtClean="0"/>
-              <a:t>43</a:t>
+              <a:t>27</a:t>
             </a:fld>
             <a:endParaRPr lang="en-US"/>
           </a:p>
@@ -1778,7 +1946,7 @@
     </p:spTree>
     <p:extLst>
       <p:ext uri="{BB962C8B-B14F-4D97-AF65-F5344CB8AC3E}">
-        <p14:creationId xmlns:p14="http://schemas.microsoft.com/office/powerpoint/2010/main" val="2570463918"/>
+        <p14:creationId xmlns:p14="http://schemas.microsoft.com/office/powerpoint/2010/main" val="2807053282"/>
       </p:ext>
     </p:extLst>
   </p:cSld>
@@ -1833,12 +2001,8 @@
           <a:lstStyle/>
           <a:p>
             <a:r>
-              <a:rPr lang="en-US" dirty="0"/>
-              <a:t>Swagger/</a:t>
-            </a:r>
-            <a:r>
               <a:rPr lang="en-US" dirty="0" err="1"/>
-              <a:t>swashbuckle</a:t>
+              <a:t>ModelState</a:t>
             </a:r>
             <a:endParaRPr lang="en-US" dirty="0"/>
           </a:p>
@@ -1861,7 +2025,7 @@
           <a:p>
             <a:fld id="{E6D4E6FE-E9CE-402C-9CA5-D636DAC5C9B5}" type="slidenum">
               <a:rPr lang="en-US" smtClean="0"/>
-              <a:t>46</a:t>
+              <a:t>32</a:t>
             </a:fld>
             <a:endParaRPr lang="en-US"/>
           </a:p>
@@ -1870,7 +2034,7 @@
     </p:spTree>
     <p:extLst>
       <p:ext uri="{BB962C8B-B14F-4D97-AF65-F5344CB8AC3E}">
-        <p14:creationId xmlns:p14="http://schemas.microsoft.com/office/powerpoint/2010/main" val="3871313925"/>
+        <p14:creationId xmlns:p14="http://schemas.microsoft.com/office/powerpoint/2010/main" val="1588307271"/>
       </p:ext>
     </p:extLst>
   </p:cSld>
@@ -1926,32 +2090,26 @@
           <a:p>
             <a:r>
               <a:rPr lang="en-US" dirty="0" err="1"/>
-              <a:t>async</a:t>
-            </a:r>
-            <a:r>
+              <a:t>Indentity</a:t>
+            </a:r>
+            <a:br>
               <a:rPr lang="en-US" dirty="0"/>
-              <a:t>/await</a:t>
-            </a:r>
-          </a:p>
-          <a:p>
+            </a:br>
             <a:r>
               <a:rPr lang="en-US" dirty="0"/>
-              <a:t>Output caching</a:t>
+              <a:t>JWT</a:t>
             </a:r>
           </a:p>
           <a:p>
             <a:r>
               <a:rPr lang="en-US" dirty="0"/>
-              <a:t>Raw ado.net or </a:t>
+              <a:t>Custom – extract token from </a:t>
             </a:r>
             <a:r>
               <a:rPr lang="en-US" dirty="0" err="1"/>
-              <a:t>asnotracking</a:t>
-            </a:r>
-            <a:r>
-              <a:rPr lang="en-US" dirty="0"/>
-              <a:t>()</a:t>
-            </a:r>
+              <a:t>qs</a:t>
+            </a:r>
+            <a:endParaRPr lang="en-US" dirty="0"/>
           </a:p>
         </p:txBody>
       </p:sp>
@@ -1972,7 +2130,7 @@
           <a:p>
             <a:fld id="{E6D4E6FE-E9CE-402C-9CA5-D636DAC5C9B5}" type="slidenum">
               <a:rPr lang="en-US" smtClean="0"/>
-              <a:t>52</a:t>
+              <a:t>40</a:t>
             </a:fld>
             <a:endParaRPr lang="en-US"/>
           </a:p>
@@ -1981,7 +2139,7 @@
     </p:spTree>
     <p:extLst>
       <p:ext uri="{BB962C8B-B14F-4D97-AF65-F5344CB8AC3E}">
-        <p14:creationId xmlns:p14="http://schemas.microsoft.com/office/powerpoint/2010/main" val="1780155552"/>
+        <p14:creationId xmlns:p14="http://schemas.microsoft.com/office/powerpoint/2010/main" val="2054798969"/>
       </p:ext>
     </p:extLst>
   </p:cSld>
@@ -2118,7 +2276,7 @@
           <a:p>
             <a:fld id="{FDB08721-E45B-4A66-93A6-531BE00DB2CF}" type="datetimeFigureOut">
               <a:rPr lang="en-US" smtClean="0"/>
-              <a:t>5/29/2017</a:t>
+              <a:t>6/7/2017</a:t>
             </a:fld>
             <a:endParaRPr lang="en-US"/>
           </a:p>
@@ -2422,7 +2580,7 @@
           <a:p>
             <a:fld id="{FDB08721-E45B-4A66-93A6-531BE00DB2CF}" type="datetimeFigureOut">
               <a:rPr lang="en-US" smtClean="0"/>
-              <a:t>5/29/2017</a:t>
+              <a:t>6/7/2017</a:t>
             </a:fld>
             <a:endParaRPr lang="en-US"/>
           </a:p>
@@ -2602,7 +2760,7 @@
           <a:p>
             <a:fld id="{FDB08721-E45B-4A66-93A6-531BE00DB2CF}" type="datetimeFigureOut">
               <a:rPr lang="en-US" smtClean="0"/>
-              <a:t>5/29/2017</a:t>
+              <a:t>6/7/2017</a:t>
             </a:fld>
             <a:endParaRPr lang="en-US"/>
           </a:p>
@@ -2772,7 +2930,7 @@
           <a:p>
             <a:fld id="{FDB08721-E45B-4A66-93A6-531BE00DB2CF}" type="datetimeFigureOut">
               <a:rPr lang="en-US" smtClean="0"/>
-              <a:t>5/29/2017</a:t>
+              <a:t>6/7/2017</a:t>
             </a:fld>
             <a:endParaRPr lang="en-US"/>
           </a:p>
@@ -3028,7 +3186,7 @@
           <a:p>
             <a:fld id="{FDB08721-E45B-4A66-93A6-531BE00DB2CF}" type="datetimeFigureOut">
               <a:rPr lang="en-US" smtClean="0"/>
-              <a:t>5/29/2017</a:t>
+              <a:t>6/7/2017</a:t>
             </a:fld>
             <a:endParaRPr lang="en-US"/>
           </a:p>
@@ -3316,7 +3474,7 @@
           <a:p>
             <a:fld id="{FDB08721-E45B-4A66-93A6-531BE00DB2CF}" type="datetimeFigureOut">
               <a:rPr lang="en-US" smtClean="0"/>
-              <a:t>5/29/2017</a:t>
+              <a:t>6/7/2017</a:t>
             </a:fld>
             <a:endParaRPr lang="en-US"/>
           </a:p>
@@ -3754,7 +3912,7 @@
           <a:p>
             <a:fld id="{FDB08721-E45B-4A66-93A6-531BE00DB2CF}" type="datetimeFigureOut">
               <a:rPr lang="en-US" smtClean="0"/>
-              <a:t>5/29/2017</a:t>
+              <a:t>6/7/2017</a:t>
             </a:fld>
             <a:endParaRPr lang="en-US"/>
           </a:p>
@@ -3872,7 +4030,7 @@
           <a:p>
             <a:fld id="{FDB08721-E45B-4A66-93A6-531BE00DB2CF}" type="datetimeFigureOut">
               <a:rPr lang="en-US" smtClean="0"/>
-              <a:t>5/29/2017</a:t>
+              <a:t>6/7/2017</a:t>
             </a:fld>
             <a:endParaRPr lang="en-US"/>
           </a:p>
@@ -3967,7 +4125,7 @@
           <a:p>
             <a:fld id="{FDB08721-E45B-4A66-93A6-531BE00DB2CF}" type="datetimeFigureOut">
               <a:rPr lang="en-US" smtClean="0"/>
-              <a:t>5/29/2017</a:t>
+              <a:t>6/7/2017</a:t>
             </a:fld>
             <a:endParaRPr lang="en-US"/>
           </a:p>
@@ -4323,7 +4481,7 @@
           <a:p>
             <a:fld id="{FDB08721-E45B-4A66-93A6-531BE00DB2CF}" type="datetimeFigureOut">
               <a:rPr lang="en-US" smtClean="0"/>
-              <a:t>5/29/2017</a:t>
+              <a:t>6/7/2017</a:t>
             </a:fld>
             <a:endParaRPr lang="en-US"/>
           </a:p>
@@ -4639,7 +4797,7 @@
           <a:p>
             <a:fld id="{FDB08721-E45B-4A66-93A6-531BE00DB2CF}" type="datetimeFigureOut">
               <a:rPr lang="en-US" smtClean="0"/>
-              <a:t>5/29/2017</a:t>
+              <a:t>6/7/2017</a:t>
             </a:fld>
             <a:endParaRPr lang="en-US"/>
           </a:p>
@@ -4875,7 +5033,7 @@
             <a:fld id="{FDB08721-E45B-4A66-93A6-531BE00DB2CF}" type="datetimeFigureOut">
               <a:rPr lang="en-US" smtClean="0"/>
               <a:pPr/>
-              <a:t>5/29/2017</a:t>
+              <a:t>6/7/2017</a:t>
             </a:fld>
             <a:endParaRPr lang="en-US"/>
           </a:p>
@@ -6291,14 +6449,20 @@
           <a:p>
             <a:r>
               <a:rPr lang="en-US" dirty="0"/>
-              <a:t>Global Config in .NET</a:t>
-            </a:r>
-          </a:p>
-        </p:txBody>
-      </p:sp>
-      <p:sp>
-        <p:nvSpPr>
-          <p:cNvPr id="3" name="Content Placeholder 2"/>
+              <a:t>Routing Rules</a:t>
+            </a:r>
+          </a:p>
+        </p:txBody>
+      </p:sp>
+      <p:sp>
+        <p:nvSpPr>
+          <p:cNvPr id="6" name="Content Placeholder 2">
+            <a:extLst>
+              <a:ext uri="{FF2B5EF4-FFF2-40B4-BE49-F238E27FC236}">
+                <a16:creationId xmlns:a16="http://schemas.microsoft.com/office/drawing/2014/main" id="{B16D471B-871C-41C3-834E-C4A1C3E0FCAA}"/>
+              </a:ext>
+            </a:extLst>
+          </p:cNvPr>
           <p:cNvSpPr>
             <a:spLocks noGrp="1"/>
           </p:cNvSpPr>
@@ -6317,40 +6481,37 @@
         </p:spPr>
         <p:txBody>
           <a:bodyPr lIns="182880" tIns="182880" rIns="182880" bIns="182880">
-            <a:normAutofit fontScale="92500" lnSpcReduction="20000"/>
+            <a:normAutofit fontScale="92500" lnSpcReduction="10000"/>
           </a:bodyPr>
           <a:lstStyle/>
           <a:p>
-            <a:pPr marL="0" indent="0">
-              <a:buNone/>
+            <a:pPr>
+              <a:lnSpc>
+                <a:spcPct val="100000"/>
+              </a:lnSpc>
+              <a:spcBef>
+                <a:spcPts val="0"/>
+              </a:spcBef>
             </a:pPr>
             <a:r>
-              <a:rPr lang="en-US" sz="2000" dirty="0" err="1">
-                <a:solidFill>
-                  <a:schemeClr val="bg1"/>
-                </a:solidFill>
-                <a:latin typeface="Consolas" panose="020B0609020204030204" pitchFamily="49" charset="0"/>
-              </a:rPr>
-              <a:t>var</a:t>
-            </a:r>
-            <a:r>
               <a:rPr lang="en-US" sz="2000" dirty="0">
                 <a:solidFill>
                   <a:schemeClr val="bg1"/>
                 </a:solidFill>
                 <a:latin typeface="Consolas" panose="020B0609020204030204" pitchFamily="49" charset="0"/>
               </a:rPr>
-              <a:t> </a:t>
-            </a:r>
-            <a:r>
-              <a:rPr lang="en-US" sz="2000" dirty="0" err="1">
-                <a:solidFill>
-                  <a:schemeClr val="bg1"/>
-                </a:solidFill>
-                <a:latin typeface="Consolas" panose="020B0609020204030204" pitchFamily="49" charset="0"/>
-              </a:rPr>
-              <a:t>json</a:t>
-            </a:r>
+              <a:t>routes.MapRoute(</a:t>
+            </a:r>
+          </a:p>
+          <a:p>
+            <a:pPr>
+              <a:lnSpc>
+                <a:spcPct val="100000"/>
+              </a:lnSpc>
+              <a:spcBef>
+                <a:spcPts val="0"/>
+              </a:spcBef>
+            </a:pPr>
             <a:r>
               <a:rPr lang="en-US" sz="2000" dirty="0">
                 <a:solidFill>
@@ -6358,17 +6519,18 @@
                 </a:solidFill>
                 <a:latin typeface="Consolas" panose="020B0609020204030204" pitchFamily="49" charset="0"/>
               </a:rPr>
-              <a:t> = </a:t>
-            </a:r>
-            <a:r>
-              <a:rPr lang="en-US" sz="2000" dirty="0" err="1">
-                <a:solidFill>
-                  <a:schemeClr val="bg1"/>
-                </a:solidFill>
-                <a:latin typeface="Consolas" panose="020B0609020204030204" pitchFamily="49" charset="0"/>
-              </a:rPr>
-              <a:t>GlobalConfiguration.Configuration.Formatters.JsonFormatter</a:t>
-            </a:r>
+              <a:t>    name: "default",</a:t>
+            </a:r>
+          </a:p>
+          <a:p>
+            <a:pPr>
+              <a:lnSpc>
+                <a:spcPct val="100000"/>
+              </a:lnSpc>
+              <a:spcBef>
+                <a:spcPts val="0"/>
+              </a:spcBef>
+            </a:pPr>
             <a:r>
               <a:rPr lang="en-US" sz="2000" dirty="0">
                 <a:solidFill>
@@ -6376,7 +6538,7 @@
                 </a:solidFill>
                 <a:latin typeface="Consolas" panose="020B0609020204030204" pitchFamily="49" charset="0"/>
               </a:rPr>
-              <a:t>;</a:t>
+              <a:t>    template: "{controller=Home}/{action=Index}/{id?}");</a:t>
             </a:r>
             <a:br>
               <a:rPr lang="en-US" sz="2000" dirty="0">
@@ -6386,6 +6548,87 @@
                 <a:latin typeface="Consolas" panose="020B0609020204030204" pitchFamily="49" charset="0"/>
               </a:rPr>
             </a:br>
+            <a:endParaRPr lang="en-US" sz="2000" dirty="0">
+              <a:solidFill>
+                <a:schemeClr val="bg1"/>
+              </a:solidFill>
+              <a:latin typeface="Consolas" panose="020B0609020204030204" pitchFamily="49" charset="0"/>
+            </a:endParaRPr>
+          </a:p>
+          <a:p>
+            <a:pPr>
+              <a:lnSpc>
+                <a:spcPct val="100000"/>
+              </a:lnSpc>
+              <a:spcBef>
+                <a:spcPts val="0"/>
+              </a:spcBef>
+            </a:pPr>
+            <a:r>
+              <a:rPr lang="en-US" sz="2000" dirty="0">
+                <a:solidFill>
+                  <a:schemeClr val="bg1"/>
+                </a:solidFill>
+                <a:latin typeface="Consolas" panose="020B0609020204030204" pitchFamily="49" charset="0"/>
+              </a:rPr>
+              <a:t>routes.MapRoute(</a:t>
+            </a:r>
+          </a:p>
+          <a:p>
+            <a:pPr>
+              <a:lnSpc>
+                <a:spcPct val="100000"/>
+              </a:lnSpc>
+              <a:spcBef>
+                <a:spcPts val="0"/>
+              </a:spcBef>
+            </a:pPr>
+            <a:r>
+              <a:rPr lang="en-US" sz="2000" dirty="0">
+                <a:solidFill>
+                  <a:schemeClr val="bg1"/>
+                </a:solidFill>
+                <a:latin typeface="Consolas" panose="020B0609020204030204" pitchFamily="49" charset="0"/>
+              </a:rPr>
+              <a:t>    name: "default",</a:t>
+            </a:r>
+          </a:p>
+          <a:p>
+            <a:pPr>
+              <a:lnSpc>
+                <a:spcPct val="100000"/>
+              </a:lnSpc>
+              <a:spcBef>
+                <a:spcPts val="0"/>
+              </a:spcBef>
+            </a:pPr>
+            <a:r>
+              <a:rPr lang="en-US" sz="2000" dirty="0">
+                <a:solidFill>
+                  <a:schemeClr val="bg1"/>
+                </a:solidFill>
+                <a:latin typeface="Consolas" panose="020B0609020204030204" pitchFamily="49" charset="0"/>
+              </a:rPr>
+              <a:t>    template: "{controller=Home}/{action=Index}/{</a:t>
+            </a:r>
+            <a:r>
+              <a:rPr lang="en-US" sz="2000" dirty="0" err="1">
+                <a:solidFill>
+                  <a:schemeClr val="bg1"/>
+                </a:solidFill>
+                <a:latin typeface="Consolas" panose="020B0609020204030204" pitchFamily="49" charset="0"/>
+              </a:rPr>
+              <a:t>id:int</a:t>
+            </a:r>
+            <a:r>
+              <a:rPr lang="en-US" sz="2000" dirty="0">
+                <a:solidFill>
+                  <a:schemeClr val="bg1"/>
+                </a:solidFill>
+                <a:latin typeface="Consolas" panose="020B0609020204030204" pitchFamily="49" charset="0"/>
+              </a:rPr>
+              <a:t>}");</a:t>
+            </a:r>
             <a:br>
               <a:rPr lang="en-US" sz="2000" dirty="0">
                 <a:solidFill>
@@ -6394,27 +6637,50 @@
                 <a:latin typeface="Consolas" panose="020B0609020204030204" pitchFamily="49" charset="0"/>
               </a:rPr>
             </a:br>
+            <a:endParaRPr lang="en-US" sz="2000" dirty="0">
+              <a:solidFill>
+                <a:schemeClr val="bg1"/>
+              </a:solidFill>
+              <a:latin typeface="Consolas" panose="020B0609020204030204" pitchFamily="49" charset="0"/>
+            </a:endParaRPr>
+          </a:p>
+          <a:p>
+            <a:pPr>
+              <a:lnSpc>
+                <a:spcPct val="100000"/>
+              </a:lnSpc>
+              <a:spcBef>
+                <a:spcPts val="0"/>
+              </a:spcBef>
+            </a:pPr>
             <a:r>
               <a:rPr lang="en-US" sz="2000" dirty="0">
                 <a:solidFill>
-                  <a:schemeClr val="bg2">
-                    <a:lumMod val="50000"/>
-                  </a:schemeClr>
-                </a:solidFill>
-                <a:latin typeface="Consolas" panose="020B0609020204030204" pitchFamily="49" charset="0"/>
-              </a:rPr>
-              <a:t>// format datetimes as UTC</a:t>
-            </a:r>
-            <a:br>
+                  <a:schemeClr val="bg1"/>
+                </a:solidFill>
+                <a:latin typeface="Consolas" panose="020B0609020204030204" pitchFamily="49" charset="0"/>
+              </a:rPr>
+              <a:t>routes.MapRoute(</a:t>
+            </a:r>
+          </a:p>
+          <a:p>
+            <a:pPr>
+              <a:lnSpc>
+                <a:spcPct val="100000"/>
+              </a:lnSpc>
+              <a:spcBef>
+                <a:spcPts val="0"/>
+              </a:spcBef>
+            </a:pPr>
+            <a:r>
               <a:rPr lang="en-US" sz="2000" dirty="0">
                 <a:solidFill>
-                  <a:schemeClr val="bg2">
-                    <a:lumMod val="50000"/>
-                  </a:schemeClr>
-                </a:solidFill>
-                <a:latin typeface="Consolas" panose="020B0609020204030204" pitchFamily="49" charset="0"/>
-              </a:rPr>
-            </a:br>
+                  <a:schemeClr val="bg1"/>
+                </a:solidFill>
+                <a:latin typeface="Consolas" panose="020B0609020204030204" pitchFamily="49" charset="0"/>
+              </a:rPr>
+              <a:t>    name: "</a:t>
+            </a:r>
             <a:r>
               <a:rPr lang="en-US" sz="2000" dirty="0" err="1">
                 <a:solidFill>
@@ -6422,7 +6688,7 @@
                 </a:solidFill>
                 <a:latin typeface="Consolas" panose="020B0609020204030204" pitchFamily="49" charset="0"/>
               </a:rPr>
-              <a:t>json.SerializerSettings.DateTimeZoneHandling</a:t>
+              <a:t>us_english_products</a:t>
             </a:r>
             <a:r>
               <a:rPr lang="en-US" sz="2000" dirty="0">
@@ -6431,7 +6697,26 @@
                 </a:solidFill>
                 <a:latin typeface="Consolas" panose="020B0609020204030204" pitchFamily="49" charset="0"/>
               </a:rPr>
-              <a:t> = </a:t>
+              <a:t>",</a:t>
+            </a:r>
+          </a:p>
+          <a:p>
+            <a:pPr>
+              <a:lnSpc>
+                <a:spcPct val="100000"/>
+              </a:lnSpc>
+              <a:spcBef>
+                <a:spcPts val="0"/>
+              </a:spcBef>
+            </a:pPr>
+            <a:r>
+              <a:rPr lang="en-US" sz="2000" dirty="0">
+                <a:solidFill>
+                  <a:schemeClr val="bg1"/>
+                </a:solidFill>
+                <a:latin typeface="Consolas" panose="020B0609020204030204" pitchFamily="49" charset="0"/>
+              </a:rPr>
+              <a:t>    template: "</a:t>
             </a:r>
             <a:r>
               <a:rPr lang="en-US" sz="2000" dirty="0" err="1">
@@ -6440,45 +6725,92 @@
                 </a:solidFill>
                 <a:latin typeface="Consolas" panose="020B0609020204030204" pitchFamily="49" charset="0"/>
               </a:rPr>
-              <a:t>DateTimeZoneHandling.Utc</a:t>
-            </a:r>
-            <a:br>
+              <a:t>en</a:t>
+            </a:r>
+            <a:r>
               <a:rPr lang="en-US" sz="2000" dirty="0">
                 <a:solidFill>
                   <a:schemeClr val="bg1"/>
                 </a:solidFill>
                 <a:latin typeface="Consolas" panose="020B0609020204030204" pitchFamily="49" charset="0"/>
               </a:rPr>
-            </a:br>
-            <a:br>
+              <a:t>-US/Products/{id}",</a:t>
+            </a:r>
+          </a:p>
+          <a:p>
+            <a:pPr>
+              <a:lnSpc>
+                <a:spcPct val="100000"/>
+              </a:lnSpc>
+              <a:spcBef>
+                <a:spcPts val="0"/>
+              </a:spcBef>
+            </a:pPr>
+            <a:r>
               <a:rPr lang="en-US" sz="2000" dirty="0">
                 <a:solidFill>
                   <a:schemeClr val="bg1"/>
                 </a:solidFill>
                 <a:latin typeface="Consolas" panose="020B0609020204030204" pitchFamily="49" charset="0"/>
               </a:rPr>
-            </a:br>
+              <a:t>    defaults: new { controller = "Products", action = "Details" },</a:t>
+            </a:r>
+          </a:p>
+          <a:p>
+            <a:pPr>
+              <a:lnSpc>
+                <a:spcPct val="100000"/>
+              </a:lnSpc>
+              <a:spcBef>
+                <a:spcPts val="0"/>
+              </a:spcBef>
+            </a:pPr>
             <a:r>
               <a:rPr lang="en-US" sz="2000" dirty="0">
                 <a:solidFill>
-                  <a:schemeClr val="bg2">
-                    <a:lumMod val="50000"/>
-                  </a:schemeClr>
-                </a:solidFill>
-                <a:latin typeface="Consolas" panose="020B0609020204030204" pitchFamily="49" charset="0"/>
-              </a:rPr>
-              <a:t>// Used MS date format "\/Date(1356044400000+0100)\/"</a:t>
-            </a:r>
-            <a:br>
+                  <a:schemeClr val="bg1"/>
+                </a:solidFill>
+                <a:latin typeface="Consolas" panose="020B0609020204030204" pitchFamily="49" charset="0"/>
+              </a:rPr>
+              <a:t>    constraints: new { id = new </a:t>
+            </a:r>
+            <a:r>
+              <a:rPr lang="en-US" sz="2000" dirty="0" err="1">
+                <a:solidFill>
+                  <a:schemeClr val="bg1"/>
+                </a:solidFill>
+                <a:latin typeface="Consolas" panose="020B0609020204030204" pitchFamily="49" charset="0"/>
+              </a:rPr>
+              <a:t>IntRouteConstraint</a:t>
+            </a:r>
+            <a:r>
               <a:rPr lang="en-US" sz="2000" dirty="0">
                 <a:solidFill>
-                  <a:schemeClr val="bg2">
-                    <a:lumMod val="50000"/>
-                  </a:schemeClr>
-                </a:solidFill>
-                <a:latin typeface="Consolas" panose="020B0609020204030204" pitchFamily="49" charset="0"/>
-              </a:rPr>
-            </a:br>
+                  <a:schemeClr val="bg1"/>
+                </a:solidFill>
+                <a:latin typeface="Consolas" panose="020B0609020204030204" pitchFamily="49" charset="0"/>
+              </a:rPr>
+              <a:t>() },</a:t>
+            </a:r>
+          </a:p>
+          <a:p>
+            <a:pPr>
+              <a:lnSpc>
+                <a:spcPct val="100000"/>
+              </a:lnSpc>
+              <a:spcBef>
+                <a:spcPts val="0"/>
+              </a:spcBef>
+            </a:pPr>
+            <a:r>
+              <a:rPr lang="en-US" sz="2000" dirty="0">
+                <a:solidFill>
+                  <a:schemeClr val="bg1"/>
+                </a:solidFill>
+                <a:latin typeface="Consolas" panose="020B0609020204030204" pitchFamily="49" charset="0"/>
+              </a:rPr>
+              <a:t>    </a:t>
+            </a:r>
             <a:r>
               <a:rPr lang="en-US" sz="2000" dirty="0" err="1">
                 <a:solidFill>
@@ -6486,7 +6818,7 @@
                 </a:solidFill>
                 <a:latin typeface="Consolas" panose="020B0609020204030204" pitchFamily="49" charset="0"/>
               </a:rPr>
-              <a:t>json.SerializerSettings.DateFormatHandling</a:t>
+              <a:t>dataTokens</a:t>
             </a:r>
             <a:r>
               <a:rPr lang="en-US" sz="2000" dirty="0">
@@ -6495,308 +6827,25 @@
                 </a:solidFill>
                 <a:latin typeface="Consolas" panose="020B0609020204030204" pitchFamily="49" charset="0"/>
               </a:rPr>
-              <a:t> =</a:t>
-            </a:r>
-            <a:br>
+              <a:t>: new { locale = "</a:t>
+            </a:r>
+            <a:r>
+              <a:rPr lang="en-US" sz="2000" dirty="0" err="1">
+                <a:solidFill>
+                  <a:schemeClr val="bg1"/>
+                </a:solidFill>
+                <a:latin typeface="Consolas" panose="020B0609020204030204" pitchFamily="49" charset="0"/>
+              </a:rPr>
+              <a:t>en</a:t>
+            </a:r>
+            <a:r>
               <a:rPr lang="en-US" sz="2000" dirty="0">
                 <a:solidFill>
                   <a:schemeClr val="bg1"/>
                 </a:solidFill>
                 <a:latin typeface="Consolas" panose="020B0609020204030204" pitchFamily="49" charset="0"/>
               </a:rPr>
-            </a:br>
-            <a:r>
-              <a:rPr lang="en-US" sz="2000" dirty="0">
-                <a:solidFill>
-                  <a:schemeClr val="bg1"/>
-                </a:solidFill>
-                <a:latin typeface="Consolas" panose="020B0609020204030204" pitchFamily="49" charset="0"/>
-              </a:rPr>
-              <a:t>	</a:t>
-            </a:r>
-            <a:r>
-              <a:rPr lang="en-US" sz="2000" dirty="0" err="1">
-                <a:solidFill>
-                  <a:schemeClr val="bg1"/>
-                </a:solidFill>
-                <a:latin typeface="Consolas" panose="020B0609020204030204" pitchFamily="49" charset="0"/>
-              </a:rPr>
-              <a:t>DateFormatHandling.MicrosoftDateFormat</a:t>
-            </a:r>
-            <a:r>
-              <a:rPr lang="en-US" sz="2000" dirty="0">
-                <a:solidFill>
-                  <a:schemeClr val="bg1"/>
-                </a:solidFill>
-                <a:latin typeface="Consolas" panose="020B0609020204030204" pitchFamily="49" charset="0"/>
-              </a:rPr>
-              <a:t>;</a:t>
-            </a:r>
-            <a:br>
-              <a:rPr lang="en-US" sz="2000" dirty="0">
-                <a:solidFill>
-                  <a:schemeClr val="bg1"/>
-                </a:solidFill>
-                <a:latin typeface="Consolas" panose="020B0609020204030204" pitchFamily="49" charset="0"/>
-              </a:rPr>
-            </a:br>
-            <a:br>
-              <a:rPr lang="en-US" sz="2000" dirty="0">
-                <a:solidFill>
-                  <a:schemeClr val="bg1"/>
-                </a:solidFill>
-                <a:latin typeface="Consolas" panose="020B0609020204030204" pitchFamily="49" charset="0"/>
-              </a:rPr>
-            </a:br>
-            <a:r>
-              <a:rPr lang="en-US" sz="2000" dirty="0">
-                <a:solidFill>
-                  <a:schemeClr val="bg2">
-                    <a:lumMod val="50000"/>
-                  </a:schemeClr>
-                </a:solidFill>
-                <a:latin typeface="Consolas" panose="020B0609020204030204" pitchFamily="49" charset="0"/>
-              </a:rPr>
-              <a:t>// camelCase JSON</a:t>
-            </a:r>
-            <a:br>
-              <a:rPr lang="en-US" sz="2000" dirty="0">
-                <a:solidFill>
-                  <a:schemeClr val="bg2">
-                    <a:lumMod val="50000"/>
-                  </a:schemeClr>
-                </a:solidFill>
-                <a:latin typeface="Consolas" panose="020B0609020204030204" pitchFamily="49" charset="0"/>
-              </a:rPr>
-            </a:br>
-            <a:r>
-              <a:rPr lang="en-US" sz="2000" dirty="0" err="1">
-                <a:solidFill>
-                  <a:schemeClr val="bg1"/>
-                </a:solidFill>
-                <a:latin typeface="Consolas" panose="020B0609020204030204" pitchFamily="49" charset="0"/>
-              </a:rPr>
-              <a:t>json.SerializerSettings.ContractResolver</a:t>
-            </a:r>
-            <a:r>
-              <a:rPr lang="en-US" sz="2000" dirty="0">
-                <a:solidFill>
-                  <a:schemeClr val="bg1"/>
-                </a:solidFill>
-                <a:latin typeface="Consolas" panose="020B0609020204030204" pitchFamily="49" charset="0"/>
-              </a:rPr>
-              <a:t> =</a:t>
-            </a:r>
-            <a:br>
-              <a:rPr lang="en-US" sz="2000" dirty="0">
-                <a:solidFill>
-                  <a:schemeClr val="bg1"/>
-                </a:solidFill>
-                <a:latin typeface="Consolas" panose="020B0609020204030204" pitchFamily="49" charset="0"/>
-              </a:rPr>
-            </a:br>
-            <a:r>
-              <a:rPr lang="en-US" sz="2000" dirty="0">
-                <a:solidFill>
-                  <a:schemeClr val="bg1"/>
-                </a:solidFill>
-                <a:latin typeface="Consolas" panose="020B0609020204030204" pitchFamily="49" charset="0"/>
-              </a:rPr>
-              <a:t>	new </a:t>
-            </a:r>
-            <a:r>
-              <a:rPr lang="en-US" sz="2000" dirty="0" err="1">
-                <a:solidFill>
-                  <a:schemeClr val="bg1"/>
-                </a:solidFill>
-                <a:latin typeface="Consolas" panose="020B0609020204030204" pitchFamily="49" charset="0"/>
-              </a:rPr>
-              <a:t>CamelCasePropertyNamesContractResolver</a:t>
-            </a:r>
-            <a:r>
-              <a:rPr lang="en-US" sz="2000" dirty="0">
-                <a:solidFill>
-                  <a:schemeClr val="bg1"/>
-                </a:solidFill>
-                <a:latin typeface="Consolas" panose="020B0609020204030204" pitchFamily="49" charset="0"/>
-              </a:rPr>
-              <a:t>();</a:t>
-            </a:r>
-          </a:p>
-          <a:p>
-            <a:pPr marL="0" indent="0">
-              <a:buNone/>
-            </a:pPr>
-            <a:br>
-              <a:rPr lang="en-US" sz="2000" dirty="0">
-                <a:solidFill>
-                  <a:schemeClr val="bg2">
-                    <a:lumMod val="50000"/>
-                  </a:schemeClr>
-                </a:solidFill>
-                <a:latin typeface="Consolas" panose="020B0609020204030204" pitchFamily="49" charset="0"/>
-              </a:rPr>
-            </a:br>
-            <a:r>
-              <a:rPr lang="en-US" sz="2000" dirty="0">
-                <a:solidFill>
-                  <a:schemeClr val="bg2">
-                    <a:lumMod val="50000"/>
-                  </a:schemeClr>
-                </a:solidFill>
-                <a:latin typeface="Consolas" panose="020B0609020204030204" pitchFamily="49" charset="0"/>
-              </a:rPr>
-              <a:t>// Indent JSON</a:t>
-            </a:r>
-            <a:br>
-              <a:rPr lang="en-US" sz="2000" dirty="0">
-                <a:solidFill>
-                  <a:schemeClr val="bg1"/>
-                </a:solidFill>
-                <a:latin typeface="Consolas" panose="020B0609020204030204" pitchFamily="49" charset="0"/>
-              </a:rPr>
-            </a:br>
-            <a:r>
-              <a:rPr lang="en-US" sz="2000" dirty="0" err="1">
-                <a:solidFill>
-                  <a:schemeClr val="bg1"/>
-                </a:solidFill>
-                <a:latin typeface="Consolas" panose="020B0609020204030204" pitchFamily="49" charset="0"/>
-              </a:rPr>
-              <a:t>json.SerializerSettings.Formatting</a:t>
-            </a:r>
-            <a:r>
-              <a:rPr lang="en-US" sz="2000" dirty="0">
-                <a:solidFill>
-                  <a:schemeClr val="bg1"/>
-                </a:solidFill>
-                <a:latin typeface="Consolas" panose="020B0609020204030204" pitchFamily="49" charset="0"/>
-              </a:rPr>
-              <a:t> = </a:t>
-            </a:r>
-            <a:r>
-              <a:rPr lang="en-US" sz="2000" dirty="0" err="1">
-                <a:solidFill>
-                  <a:schemeClr val="bg1"/>
-                </a:solidFill>
-                <a:latin typeface="Consolas" panose="020B0609020204030204" pitchFamily="49" charset="0"/>
-              </a:rPr>
-              <a:t>Newtonsoft.Json.Formatting.Indented</a:t>
-            </a:r>
-            <a:r>
-              <a:rPr lang="en-US" sz="2000" dirty="0">
-                <a:solidFill>
-                  <a:schemeClr val="bg1"/>
-                </a:solidFill>
-                <a:latin typeface="Consolas" panose="020B0609020204030204" pitchFamily="49" charset="0"/>
-              </a:rPr>
-              <a:t>;</a:t>
-            </a:r>
-            <a:br>
-              <a:rPr lang="en-US" sz="2000" dirty="0">
-                <a:solidFill>
-                  <a:schemeClr val="bg1"/>
-                </a:solidFill>
-                <a:latin typeface="Consolas" panose="020B0609020204030204" pitchFamily="49" charset="0"/>
-              </a:rPr>
-            </a:br>
-            <a:br>
-              <a:rPr lang="en-US" sz="2000" dirty="0">
-                <a:solidFill>
-                  <a:schemeClr val="bg1"/>
-                </a:solidFill>
-                <a:latin typeface="Consolas" panose="020B0609020204030204" pitchFamily="49" charset="0"/>
-              </a:rPr>
-            </a:br>
-            <a:r>
-              <a:rPr lang="en-US" sz="2000" dirty="0">
-                <a:solidFill>
-                  <a:schemeClr val="bg2">
-                    <a:lumMod val="50000"/>
-                  </a:schemeClr>
-                </a:solidFill>
-                <a:latin typeface="Consolas" panose="020B0609020204030204" pitchFamily="49" charset="0"/>
-              </a:rPr>
-              <a:t>// Ignore reference loops</a:t>
-            </a:r>
-            <a:br>
-              <a:rPr lang="en-US" sz="2000" dirty="0">
-                <a:solidFill>
-                  <a:schemeClr val="bg1"/>
-                </a:solidFill>
-                <a:latin typeface="Consolas" panose="020B0609020204030204" pitchFamily="49" charset="0"/>
-              </a:rPr>
-            </a:br>
-            <a:r>
-              <a:rPr lang="en-US" sz="2000" dirty="0" err="1">
-                <a:solidFill>
-                  <a:schemeClr val="bg1"/>
-                </a:solidFill>
-                <a:latin typeface="Consolas" panose="020B0609020204030204" pitchFamily="49" charset="0"/>
-              </a:rPr>
-              <a:t>json.SerializerSettings.Re</a:t>
-            </a:r>
-            <a:r>
-              <a:rPr lang="en-US" sz="2000" dirty="0">
-                <a:solidFill>
-                  <a:schemeClr val="bg1"/>
-                </a:solidFill>
-                <a:latin typeface="Consolas" panose="020B0609020204030204" pitchFamily="49" charset="0"/>
-              </a:rPr>
-              <a:t>‌​</a:t>
-            </a:r>
-            <a:r>
-              <a:rPr lang="en-US" sz="2000" dirty="0" err="1">
-                <a:solidFill>
-                  <a:schemeClr val="bg1"/>
-                </a:solidFill>
-                <a:latin typeface="Consolas" panose="020B0609020204030204" pitchFamily="49" charset="0"/>
-              </a:rPr>
-              <a:t>ferenceLoopHandling</a:t>
-            </a:r>
-            <a:r>
-              <a:rPr lang="en-US" sz="2000" dirty="0">
-                <a:solidFill>
-                  <a:schemeClr val="bg1"/>
-                </a:solidFill>
-                <a:latin typeface="Consolas" panose="020B0609020204030204" pitchFamily="49" charset="0"/>
-              </a:rPr>
-              <a:t> = </a:t>
-            </a:r>
-            <a:br>
-              <a:rPr lang="en-US" sz="2000" dirty="0">
-                <a:solidFill>
-                  <a:schemeClr val="bg1"/>
-                </a:solidFill>
-                <a:latin typeface="Consolas" panose="020B0609020204030204" pitchFamily="49" charset="0"/>
-              </a:rPr>
-            </a:br>
-            <a:r>
-              <a:rPr lang="en-US" sz="2000" dirty="0">
-                <a:solidFill>
-                  <a:schemeClr val="bg1"/>
-                </a:solidFill>
-                <a:latin typeface="Consolas" panose="020B0609020204030204" pitchFamily="49" charset="0"/>
-              </a:rPr>
-              <a:t>	</a:t>
-            </a:r>
-            <a:r>
-              <a:rPr lang="en-US" sz="2000" dirty="0" err="1">
-                <a:solidFill>
-                  <a:schemeClr val="bg1"/>
-                </a:solidFill>
-                <a:latin typeface="Consolas" panose="020B0609020204030204" pitchFamily="49" charset="0"/>
-              </a:rPr>
-              <a:t>ReferenceLoopHandling.Ignore</a:t>
-            </a:r>
-            <a:r>
-              <a:rPr lang="en-US" sz="2000" dirty="0">
-                <a:solidFill>
-                  <a:schemeClr val="bg1"/>
-                </a:solidFill>
-                <a:latin typeface="Consolas" panose="020B0609020204030204" pitchFamily="49" charset="0"/>
-              </a:rPr>
-              <a:t>;</a:t>
+              <a:t>-US" });</a:t>
             </a:r>
           </a:p>
         </p:txBody>
@@ -6804,7 +6853,7 @@
     </p:spTree>
     <p:extLst>
       <p:ext uri="{BB962C8B-B14F-4D97-AF65-F5344CB8AC3E}">
-        <p14:creationId xmlns:p14="http://schemas.microsoft.com/office/powerpoint/2010/main" val="1741477538"/>
+        <p14:creationId xmlns:p14="http://schemas.microsoft.com/office/powerpoint/2010/main" val="3332527969"/>
       </p:ext>
     </p:extLst>
   </p:cSld>
@@ -6848,7 +6897,7 @@
           <a:p>
             <a:r>
               <a:rPr lang="en-US" dirty="0"/>
-              <a:t>Routing Rules</a:t>
+              <a:t>Attribute Routing</a:t>
             </a:r>
           </a:p>
         </p:txBody>
@@ -6876,10 +6925,608 @@
           </a:p>
         </p:txBody>
       </p:sp>
+      <p:sp>
+        <p:nvSpPr>
+          <p:cNvPr id="4" name="Content Placeholder 2">
+            <a:extLst>
+              <a:ext uri="{FF2B5EF4-FFF2-40B4-BE49-F238E27FC236}">
+                <a16:creationId xmlns:a16="http://schemas.microsoft.com/office/drawing/2014/main" id="{49681F29-09E5-449E-9E2D-0033E106307F}"/>
+              </a:ext>
+            </a:extLst>
+          </p:cNvPr>
+          <p:cNvSpPr txBox="1">
+            <a:spLocks/>
+          </p:cNvSpPr>
+          <p:nvPr/>
+        </p:nvSpPr>
+        <p:spPr>
+          <a:xfrm>
+            <a:off x="676656" y="2011680"/>
+            <a:ext cx="10753725" cy="4179258"/>
+          </a:xfrm>
+          <a:prstGeom prst="rect">
+            <a:avLst/>
+          </a:prstGeom>
+          <a:solidFill>
+            <a:schemeClr val="tx1"/>
+          </a:solidFill>
+        </p:spPr>
+        <p:txBody>
+          <a:bodyPr vert="horz" lIns="182880" tIns="182880" rIns="182880" bIns="182880" rtlCol="0">
+            <a:normAutofit/>
+          </a:bodyPr>
+          <a:lstStyle>
+            <a:lvl1pPr marL="91440" indent="-91440" algn="l" defTabSz="914400" rtl="0" eaLnBrk="1" latinLnBrk="0" hangingPunct="1">
+              <a:lnSpc>
+                <a:spcPct val="85000"/>
+              </a:lnSpc>
+              <a:spcBef>
+                <a:spcPts val="1300"/>
+              </a:spcBef>
+              <a:buFont typeface="Arial" pitchFamily="34" charset="0"/>
+              <a:buChar char=" "/>
+              <a:defRPr sz="2400" kern="1200">
+                <a:solidFill>
+                  <a:schemeClr val="tx1">
+                    <a:lumMod val="85000"/>
+                    <a:lumOff val="15000"/>
+                  </a:schemeClr>
+                </a:solidFill>
+                <a:latin typeface="Segoe UI" panose="020B0502040204020203" pitchFamily="34" charset="0"/>
+                <a:ea typeface="+mn-ea"/>
+                <a:cs typeface="Segoe UI" panose="020B0502040204020203" pitchFamily="34" charset="0"/>
+              </a:defRPr>
+            </a:lvl1pPr>
+            <a:lvl2pPr marL="347472" indent="-342900" algn="l" defTabSz="914400" rtl="0" eaLnBrk="1" latinLnBrk="0" hangingPunct="1">
+              <a:lnSpc>
+                <a:spcPct val="85000"/>
+              </a:lnSpc>
+              <a:spcBef>
+                <a:spcPts val="600"/>
+              </a:spcBef>
+              <a:buFont typeface="Arial" pitchFamily="34" charset="0"/>
+              <a:buChar char=" "/>
+              <a:defRPr sz="2400" kern="1200">
+                <a:solidFill>
+                  <a:schemeClr val="tx1">
+                    <a:lumMod val="85000"/>
+                    <a:lumOff val="15000"/>
+                  </a:schemeClr>
+                </a:solidFill>
+                <a:latin typeface="Segoe UI" panose="020B0502040204020203" pitchFamily="34" charset="0"/>
+                <a:ea typeface="+mn-ea"/>
+                <a:cs typeface="Segoe UI" panose="020B0502040204020203" pitchFamily="34" charset="0"/>
+              </a:defRPr>
+            </a:lvl2pPr>
+            <a:lvl3pPr marL="548640" indent="-548640" algn="l" defTabSz="914400" rtl="0" eaLnBrk="1" latinLnBrk="0" hangingPunct="1">
+              <a:lnSpc>
+                <a:spcPct val="85000"/>
+              </a:lnSpc>
+              <a:spcBef>
+                <a:spcPts val="600"/>
+              </a:spcBef>
+              <a:buFont typeface="Arial" pitchFamily="34" charset="0"/>
+              <a:buChar char=" "/>
+              <a:defRPr sz="2000" i="1" kern="1200">
+                <a:solidFill>
+                  <a:schemeClr val="tx1">
+                    <a:lumMod val="85000"/>
+                    <a:lumOff val="15000"/>
+                  </a:schemeClr>
+                </a:solidFill>
+                <a:latin typeface="Segoe UI" panose="020B0502040204020203" pitchFamily="34" charset="0"/>
+                <a:ea typeface="+mn-ea"/>
+                <a:cs typeface="Segoe UI" panose="020B0502040204020203" pitchFamily="34" charset="0"/>
+              </a:defRPr>
+            </a:lvl3pPr>
+            <a:lvl4pPr marL="822960" indent="-822960" algn="l" defTabSz="914400" rtl="0" eaLnBrk="1" latinLnBrk="0" hangingPunct="1">
+              <a:lnSpc>
+                <a:spcPct val="85000"/>
+              </a:lnSpc>
+              <a:spcBef>
+                <a:spcPts val="600"/>
+              </a:spcBef>
+              <a:buFont typeface="Arial" pitchFamily="34" charset="0"/>
+              <a:buChar char=" "/>
+              <a:defRPr sz="1800" kern="1200">
+                <a:solidFill>
+                  <a:schemeClr val="tx1">
+                    <a:lumMod val="85000"/>
+                    <a:lumOff val="15000"/>
+                  </a:schemeClr>
+                </a:solidFill>
+                <a:latin typeface="Segoe UI" panose="020B0502040204020203" pitchFamily="34" charset="0"/>
+                <a:ea typeface="+mn-ea"/>
+                <a:cs typeface="Segoe UI" panose="020B0502040204020203" pitchFamily="34" charset="0"/>
+              </a:defRPr>
+            </a:lvl4pPr>
+            <a:lvl5pPr marL="1097280" indent="-1097280" algn="l" defTabSz="914400" rtl="0" eaLnBrk="1" latinLnBrk="0" hangingPunct="1">
+              <a:lnSpc>
+                <a:spcPct val="85000"/>
+              </a:lnSpc>
+              <a:spcBef>
+                <a:spcPts val="600"/>
+              </a:spcBef>
+              <a:buFont typeface="Arial" pitchFamily="34" charset="0"/>
+              <a:buChar char=" "/>
+              <a:defRPr sz="1800" kern="1200">
+                <a:solidFill>
+                  <a:schemeClr val="tx1">
+                    <a:lumMod val="85000"/>
+                    <a:lumOff val="15000"/>
+                  </a:schemeClr>
+                </a:solidFill>
+                <a:latin typeface="Segoe UI" panose="020B0502040204020203" pitchFamily="34" charset="0"/>
+                <a:ea typeface="+mn-ea"/>
+                <a:cs typeface="Segoe UI" panose="020B0502040204020203" pitchFamily="34" charset="0"/>
+              </a:defRPr>
+            </a:lvl5pPr>
+            <a:lvl6pPr marL="1200000" indent="-228600" algn="l" defTabSz="914400" rtl="0" eaLnBrk="1" latinLnBrk="0" hangingPunct="1">
+              <a:lnSpc>
+                <a:spcPct val="85000"/>
+              </a:lnSpc>
+              <a:spcBef>
+                <a:spcPts val="600"/>
+              </a:spcBef>
+              <a:buFont typeface="Arial" pitchFamily="34" charset="0"/>
+              <a:buChar char=" "/>
+              <a:defRPr sz="1800" kern="1200">
+                <a:solidFill>
+                  <a:schemeClr val="tx1">
+                    <a:lumMod val="85000"/>
+                    <a:lumOff val="15000"/>
+                  </a:schemeClr>
+                </a:solidFill>
+                <a:latin typeface="+mn-lt"/>
+                <a:ea typeface="+mn-ea"/>
+                <a:cs typeface="+mn-cs"/>
+              </a:defRPr>
+            </a:lvl6pPr>
+            <a:lvl7pPr marL="1400000" indent="-228600" algn="l" defTabSz="914400" rtl="0" eaLnBrk="1" latinLnBrk="0" hangingPunct="1">
+              <a:lnSpc>
+                <a:spcPct val="85000"/>
+              </a:lnSpc>
+              <a:spcBef>
+                <a:spcPts val="600"/>
+              </a:spcBef>
+              <a:buFont typeface="Arial" pitchFamily="34" charset="0"/>
+              <a:buChar char=" "/>
+              <a:defRPr sz="1800" kern="1200">
+                <a:solidFill>
+                  <a:schemeClr val="tx1">
+                    <a:lumMod val="85000"/>
+                    <a:lumOff val="15000"/>
+                  </a:schemeClr>
+                </a:solidFill>
+                <a:latin typeface="+mn-lt"/>
+                <a:ea typeface="+mn-ea"/>
+                <a:cs typeface="+mn-cs"/>
+              </a:defRPr>
+            </a:lvl7pPr>
+            <a:lvl8pPr marL="1600000" indent="-228600" algn="l" defTabSz="914400" rtl="0" eaLnBrk="1" latinLnBrk="0" hangingPunct="1">
+              <a:lnSpc>
+                <a:spcPct val="85000"/>
+              </a:lnSpc>
+              <a:spcBef>
+                <a:spcPts val="600"/>
+              </a:spcBef>
+              <a:buFont typeface="Arial" pitchFamily="34" charset="0"/>
+              <a:buChar char=" "/>
+              <a:defRPr sz="1800" kern="1200">
+                <a:solidFill>
+                  <a:schemeClr val="tx1">
+                    <a:lumMod val="85000"/>
+                    <a:lumOff val="15000"/>
+                  </a:schemeClr>
+                </a:solidFill>
+                <a:latin typeface="+mn-lt"/>
+                <a:ea typeface="+mn-ea"/>
+                <a:cs typeface="+mn-cs"/>
+              </a:defRPr>
+            </a:lvl8pPr>
+            <a:lvl9pPr marL="1800000" indent="-228600" algn="l" defTabSz="914400" rtl="0" eaLnBrk="1" latinLnBrk="0" hangingPunct="1">
+              <a:lnSpc>
+                <a:spcPct val="85000"/>
+              </a:lnSpc>
+              <a:spcBef>
+                <a:spcPts val="600"/>
+              </a:spcBef>
+              <a:buFont typeface="Arial" pitchFamily="34" charset="0"/>
+              <a:buChar char=" "/>
+              <a:defRPr sz="1800" kern="1200">
+                <a:solidFill>
+                  <a:schemeClr val="tx1">
+                    <a:lumMod val="85000"/>
+                    <a:lumOff val="15000"/>
+                  </a:schemeClr>
+                </a:solidFill>
+                <a:latin typeface="+mn-lt"/>
+                <a:ea typeface="+mn-ea"/>
+                <a:cs typeface="+mn-cs"/>
+              </a:defRPr>
+            </a:lvl9pPr>
+          </a:lstStyle>
+          <a:p>
+            <a:pPr>
+              <a:lnSpc>
+                <a:spcPct val="100000"/>
+              </a:lnSpc>
+              <a:spcBef>
+                <a:spcPts val="0"/>
+              </a:spcBef>
+            </a:pPr>
+            <a:r>
+              <a:rPr lang="en-US" sz="1600" dirty="0">
+                <a:solidFill>
+                  <a:schemeClr val="bg1"/>
+                </a:solidFill>
+                <a:latin typeface="Consolas" panose="020B0609020204030204" pitchFamily="49" charset="0"/>
+              </a:rPr>
+              <a:t>public class </a:t>
+            </a:r>
+            <a:r>
+              <a:rPr lang="en-US" sz="1600" dirty="0" err="1">
+                <a:solidFill>
+                  <a:schemeClr val="bg1"/>
+                </a:solidFill>
+                <a:latin typeface="Consolas" panose="020B0609020204030204" pitchFamily="49" charset="0"/>
+              </a:rPr>
+              <a:t>MyDemoController</a:t>
+            </a:r>
+            <a:r>
+              <a:rPr lang="en-US" sz="1600" dirty="0">
+                <a:solidFill>
+                  <a:schemeClr val="bg1"/>
+                </a:solidFill>
+                <a:latin typeface="Consolas" panose="020B0609020204030204" pitchFamily="49" charset="0"/>
+              </a:rPr>
+              <a:t> : Controller</a:t>
+            </a:r>
+          </a:p>
+          <a:p>
+            <a:pPr>
+              <a:lnSpc>
+                <a:spcPct val="100000"/>
+              </a:lnSpc>
+              <a:spcBef>
+                <a:spcPts val="0"/>
+              </a:spcBef>
+            </a:pPr>
+            <a:r>
+              <a:rPr lang="en-US" sz="1600" dirty="0">
+                <a:solidFill>
+                  <a:schemeClr val="bg1"/>
+                </a:solidFill>
+                <a:latin typeface="Consolas" panose="020B0609020204030204" pitchFamily="49" charset="0"/>
+              </a:rPr>
+              <a:t>{</a:t>
+            </a:r>
+          </a:p>
+          <a:p>
+            <a:pPr>
+              <a:lnSpc>
+                <a:spcPct val="100000"/>
+              </a:lnSpc>
+              <a:spcBef>
+                <a:spcPts val="0"/>
+              </a:spcBef>
+            </a:pPr>
+            <a:r>
+              <a:rPr lang="en-US" sz="1600" dirty="0">
+                <a:solidFill>
+                  <a:schemeClr val="bg1"/>
+                </a:solidFill>
+                <a:latin typeface="Consolas" panose="020B0609020204030204" pitchFamily="49" charset="0"/>
+              </a:rPr>
+              <a:t>   [Route("")]</a:t>
+            </a:r>
+          </a:p>
+          <a:p>
+            <a:pPr>
+              <a:lnSpc>
+                <a:spcPct val="100000"/>
+              </a:lnSpc>
+              <a:spcBef>
+                <a:spcPts val="0"/>
+              </a:spcBef>
+            </a:pPr>
+            <a:r>
+              <a:rPr lang="en-US" sz="1600" dirty="0">
+                <a:solidFill>
+                  <a:schemeClr val="bg1"/>
+                </a:solidFill>
+                <a:latin typeface="Consolas" panose="020B0609020204030204" pitchFamily="49" charset="0"/>
+              </a:rPr>
+              <a:t>   [Route("Home")]</a:t>
+            </a:r>
+          </a:p>
+          <a:p>
+            <a:pPr>
+              <a:lnSpc>
+                <a:spcPct val="100000"/>
+              </a:lnSpc>
+              <a:spcBef>
+                <a:spcPts val="0"/>
+              </a:spcBef>
+            </a:pPr>
+            <a:r>
+              <a:rPr lang="en-US" sz="1600" dirty="0">
+                <a:solidFill>
+                  <a:schemeClr val="bg1"/>
+                </a:solidFill>
+                <a:latin typeface="Consolas" panose="020B0609020204030204" pitchFamily="49" charset="0"/>
+              </a:rPr>
+              <a:t>   [Route("Home/Index")]</a:t>
+            </a:r>
+          </a:p>
+          <a:p>
+            <a:pPr>
+              <a:lnSpc>
+                <a:spcPct val="100000"/>
+              </a:lnSpc>
+              <a:spcBef>
+                <a:spcPts val="0"/>
+              </a:spcBef>
+            </a:pPr>
+            <a:r>
+              <a:rPr lang="en-US" sz="1600" dirty="0">
+                <a:solidFill>
+                  <a:schemeClr val="bg1"/>
+                </a:solidFill>
+                <a:latin typeface="Consolas" panose="020B0609020204030204" pitchFamily="49" charset="0"/>
+              </a:rPr>
+              <a:t>   public </a:t>
+            </a:r>
+            <a:r>
+              <a:rPr lang="en-US" sz="1600" dirty="0" err="1">
+                <a:solidFill>
+                  <a:schemeClr val="bg1"/>
+                </a:solidFill>
+                <a:latin typeface="Consolas" panose="020B0609020204030204" pitchFamily="49" charset="0"/>
+              </a:rPr>
+              <a:t>IActionResult</a:t>
+            </a:r>
+            <a:r>
+              <a:rPr lang="en-US" sz="1600" dirty="0">
+                <a:solidFill>
+                  <a:schemeClr val="bg1"/>
+                </a:solidFill>
+                <a:latin typeface="Consolas" panose="020B0609020204030204" pitchFamily="49" charset="0"/>
+              </a:rPr>
+              <a:t> </a:t>
+            </a:r>
+            <a:r>
+              <a:rPr lang="en-US" sz="1600" dirty="0" err="1">
+                <a:solidFill>
+                  <a:schemeClr val="bg1"/>
+                </a:solidFill>
+                <a:latin typeface="Consolas" panose="020B0609020204030204" pitchFamily="49" charset="0"/>
+              </a:rPr>
+              <a:t>MyIndex</a:t>
+            </a:r>
+            <a:r>
+              <a:rPr lang="en-US" sz="1600" dirty="0">
+                <a:solidFill>
+                  <a:schemeClr val="bg1"/>
+                </a:solidFill>
+                <a:latin typeface="Consolas" panose="020B0609020204030204" pitchFamily="49" charset="0"/>
+              </a:rPr>
+              <a:t>()</a:t>
+            </a:r>
+          </a:p>
+          <a:p>
+            <a:pPr>
+              <a:lnSpc>
+                <a:spcPct val="100000"/>
+              </a:lnSpc>
+              <a:spcBef>
+                <a:spcPts val="0"/>
+              </a:spcBef>
+            </a:pPr>
+            <a:r>
+              <a:rPr lang="en-US" sz="1600" dirty="0">
+                <a:solidFill>
+                  <a:schemeClr val="bg1"/>
+                </a:solidFill>
+                <a:latin typeface="Consolas" panose="020B0609020204030204" pitchFamily="49" charset="0"/>
+              </a:rPr>
+              <a:t>   {</a:t>
+            </a:r>
+          </a:p>
+          <a:p>
+            <a:pPr>
+              <a:lnSpc>
+                <a:spcPct val="100000"/>
+              </a:lnSpc>
+              <a:spcBef>
+                <a:spcPts val="0"/>
+              </a:spcBef>
+            </a:pPr>
+            <a:r>
+              <a:rPr lang="en-US" sz="1600" dirty="0">
+                <a:solidFill>
+                  <a:schemeClr val="bg1"/>
+                </a:solidFill>
+                <a:latin typeface="Consolas" panose="020B0609020204030204" pitchFamily="49" charset="0"/>
+              </a:rPr>
+              <a:t>      return View("Index");</a:t>
+            </a:r>
+          </a:p>
+          <a:p>
+            <a:pPr>
+              <a:lnSpc>
+                <a:spcPct val="100000"/>
+              </a:lnSpc>
+              <a:spcBef>
+                <a:spcPts val="0"/>
+              </a:spcBef>
+            </a:pPr>
+            <a:r>
+              <a:rPr lang="en-US" sz="1600" dirty="0">
+                <a:solidFill>
+                  <a:schemeClr val="bg1"/>
+                </a:solidFill>
+                <a:latin typeface="Consolas" panose="020B0609020204030204" pitchFamily="49" charset="0"/>
+              </a:rPr>
+              <a:t>   }</a:t>
+            </a:r>
+          </a:p>
+          <a:p>
+            <a:pPr>
+              <a:lnSpc>
+                <a:spcPct val="100000"/>
+              </a:lnSpc>
+              <a:spcBef>
+                <a:spcPts val="0"/>
+              </a:spcBef>
+            </a:pPr>
+            <a:r>
+              <a:rPr lang="en-US" sz="1600" dirty="0">
+                <a:solidFill>
+                  <a:schemeClr val="bg1"/>
+                </a:solidFill>
+                <a:latin typeface="Consolas" panose="020B0609020204030204" pitchFamily="49" charset="0"/>
+              </a:rPr>
+              <a:t>   [Route("Home/About")]</a:t>
+            </a:r>
+          </a:p>
+          <a:p>
+            <a:pPr>
+              <a:lnSpc>
+                <a:spcPct val="100000"/>
+              </a:lnSpc>
+              <a:spcBef>
+                <a:spcPts val="0"/>
+              </a:spcBef>
+            </a:pPr>
+            <a:r>
+              <a:rPr lang="en-US" sz="1600" dirty="0">
+                <a:solidFill>
+                  <a:schemeClr val="bg1"/>
+                </a:solidFill>
+                <a:latin typeface="Consolas" panose="020B0609020204030204" pitchFamily="49" charset="0"/>
+              </a:rPr>
+              <a:t>   public </a:t>
+            </a:r>
+            <a:r>
+              <a:rPr lang="en-US" sz="1600" dirty="0" err="1">
+                <a:solidFill>
+                  <a:schemeClr val="bg1"/>
+                </a:solidFill>
+                <a:latin typeface="Consolas" panose="020B0609020204030204" pitchFamily="49" charset="0"/>
+              </a:rPr>
+              <a:t>IActionResult</a:t>
+            </a:r>
+            <a:r>
+              <a:rPr lang="en-US" sz="1600" dirty="0">
+                <a:solidFill>
+                  <a:schemeClr val="bg1"/>
+                </a:solidFill>
+                <a:latin typeface="Consolas" panose="020B0609020204030204" pitchFamily="49" charset="0"/>
+              </a:rPr>
+              <a:t> </a:t>
+            </a:r>
+            <a:r>
+              <a:rPr lang="en-US" sz="1600" dirty="0" err="1">
+                <a:solidFill>
+                  <a:schemeClr val="bg1"/>
+                </a:solidFill>
+                <a:latin typeface="Consolas" panose="020B0609020204030204" pitchFamily="49" charset="0"/>
+              </a:rPr>
+              <a:t>MyAbout</a:t>
+            </a:r>
+            <a:r>
+              <a:rPr lang="en-US" sz="1600" dirty="0">
+                <a:solidFill>
+                  <a:schemeClr val="bg1"/>
+                </a:solidFill>
+                <a:latin typeface="Consolas" panose="020B0609020204030204" pitchFamily="49" charset="0"/>
+              </a:rPr>
+              <a:t>()</a:t>
+            </a:r>
+          </a:p>
+          <a:p>
+            <a:pPr>
+              <a:lnSpc>
+                <a:spcPct val="100000"/>
+              </a:lnSpc>
+              <a:spcBef>
+                <a:spcPts val="0"/>
+              </a:spcBef>
+            </a:pPr>
+            <a:r>
+              <a:rPr lang="en-US" sz="1600" dirty="0">
+                <a:solidFill>
+                  <a:schemeClr val="bg1"/>
+                </a:solidFill>
+                <a:latin typeface="Consolas" panose="020B0609020204030204" pitchFamily="49" charset="0"/>
+              </a:rPr>
+              <a:t>   {</a:t>
+            </a:r>
+          </a:p>
+          <a:p>
+            <a:pPr>
+              <a:lnSpc>
+                <a:spcPct val="100000"/>
+              </a:lnSpc>
+              <a:spcBef>
+                <a:spcPts val="0"/>
+              </a:spcBef>
+            </a:pPr>
+            <a:r>
+              <a:rPr lang="en-US" sz="1600" dirty="0">
+                <a:solidFill>
+                  <a:schemeClr val="bg1"/>
+                </a:solidFill>
+                <a:latin typeface="Consolas" panose="020B0609020204030204" pitchFamily="49" charset="0"/>
+              </a:rPr>
+              <a:t>      return View("About");</a:t>
+            </a:r>
+          </a:p>
+          <a:p>
+            <a:pPr>
+              <a:lnSpc>
+                <a:spcPct val="100000"/>
+              </a:lnSpc>
+              <a:spcBef>
+                <a:spcPts val="0"/>
+              </a:spcBef>
+            </a:pPr>
+            <a:r>
+              <a:rPr lang="en-US" sz="1600" dirty="0">
+                <a:solidFill>
+                  <a:schemeClr val="bg1"/>
+                </a:solidFill>
+                <a:latin typeface="Consolas" panose="020B0609020204030204" pitchFamily="49" charset="0"/>
+              </a:rPr>
+              <a:t>   }</a:t>
+            </a:r>
+          </a:p>
+          <a:p>
+            <a:pPr>
+              <a:lnSpc>
+                <a:spcPct val="100000"/>
+              </a:lnSpc>
+              <a:spcBef>
+                <a:spcPts val="0"/>
+              </a:spcBef>
+            </a:pPr>
+            <a:r>
+              <a:rPr lang="en-US" sz="1600" dirty="0">
+                <a:solidFill>
+                  <a:schemeClr val="bg1"/>
+                </a:solidFill>
+                <a:latin typeface="Consolas" panose="020B0609020204030204" pitchFamily="49" charset="0"/>
+              </a:rPr>
+              <a:t>}</a:t>
+            </a:r>
+          </a:p>
+        </p:txBody>
+      </p:sp>
     </p:spTree>
     <p:extLst>
       <p:ext uri="{BB962C8B-B14F-4D97-AF65-F5344CB8AC3E}">
-        <p14:creationId xmlns:p14="http://schemas.microsoft.com/office/powerpoint/2010/main" val="3332527969"/>
+        <p14:creationId xmlns:p14="http://schemas.microsoft.com/office/powerpoint/2010/main" val="2053400258"/>
       </p:ext>
     </p:extLst>
   </p:cSld>
@@ -6951,10 +7598,545 @@
           </a:p>
         </p:txBody>
       </p:sp>
+      <p:sp>
+        <p:nvSpPr>
+          <p:cNvPr id="4" name="Content Placeholder 2">
+            <a:extLst>
+              <a:ext uri="{FF2B5EF4-FFF2-40B4-BE49-F238E27FC236}">
+                <a16:creationId xmlns:a16="http://schemas.microsoft.com/office/drawing/2014/main" id="{49681F29-09E5-449E-9E2D-0033E106307F}"/>
+              </a:ext>
+            </a:extLst>
+          </p:cNvPr>
+          <p:cNvSpPr txBox="1">
+            <a:spLocks/>
+          </p:cNvSpPr>
+          <p:nvPr/>
+        </p:nvSpPr>
+        <p:spPr>
+          <a:xfrm>
+            <a:off x="676656" y="2011680"/>
+            <a:ext cx="10753725" cy="4179258"/>
+          </a:xfrm>
+          <a:prstGeom prst="rect">
+            <a:avLst/>
+          </a:prstGeom>
+          <a:solidFill>
+            <a:schemeClr val="tx1"/>
+          </a:solidFill>
+        </p:spPr>
+        <p:txBody>
+          <a:bodyPr vert="horz" lIns="182880" tIns="182880" rIns="182880" bIns="182880" rtlCol="0">
+            <a:normAutofit/>
+          </a:bodyPr>
+          <a:lstStyle>
+            <a:lvl1pPr marL="91440" indent="-91440" algn="l" defTabSz="914400" rtl="0" eaLnBrk="1" latinLnBrk="0" hangingPunct="1">
+              <a:lnSpc>
+                <a:spcPct val="85000"/>
+              </a:lnSpc>
+              <a:spcBef>
+                <a:spcPts val="1300"/>
+              </a:spcBef>
+              <a:buFont typeface="Arial" pitchFamily="34" charset="0"/>
+              <a:buChar char=" "/>
+              <a:defRPr sz="2400" kern="1200">
+                <a:solidFill>
+                  <a:schemeClr val="tx1">
+                    <a:lumMod val="85000"/>
+                    <a:lumOff val="15000"/>
+                  </a:schemeClr>
+                </a:solidFill>
+                <a:latin typeface="Segoe UI" panose="020B0502040204020203" pitchFamily="34" charset="0"/>
+                <a:ea typeface="+mn-ea"/>
+                <a:cs typeface="Segoe UI" panose="020B0502040204020203" pitchFamily="34" charset="0"/>
+              </a:defRPr>
+            </a:lvl1pPr>
+            <a:lvl2pPr marL="347472" indent="-342900" algn="l" defTabSz="914400" rtl="0" eaLnBrk="1" latinLnBrk="0" hangingPunct="1">
+              <a:lnSpc>
+                <a:spcPct val="85000"/>
+              </a:lnSpc>
+              <a:spcBef>
+                <a:spcPts val="600"/>
+              </a:spcBef>
+              <a:buFont typeface="Arial" pitchFamily="34" charset="0"/>
+              <a:buChar char=" "/>
+              <a:defRPr sz="2400" kern="1200">
+                <a:solidFill>
+                  <a:schemeClr val="tx1">
+                    <a:lumMod val="85000"/>
+                    <a:lumOff val="15000"/>
+                  </a:schemeClr>
+                </a:solidFill>
+                <a:latin typeface="Segoe UI" panose="020B0502040204020203" pitchFamily="34" charset="0"/>
+                <a:ea typeface="+mn-ea"/>
+                <a:cs typeface="Segoe UI" panose="020B0502040204020203" pitchFamily="34" charset="0"/>
+              </a:defRPr>
+            </a:lvl2pPr>
+            <a:lvl3pPr marL="548640" indent="-548640" algn="l" defTabSz="914400" rtl="0" eaLnBrk="1" latinLnBrk="0" hangingPunct="1">
+              <a:lnSpc>
+                <a:spcPct val="85000"/>
+              </a:lnSpc>
+              <a:spcBef>
+                <a:spcPts val="600"/>
+              </a:spcBef>
+              <a:buFont typeface="Arial" pitchFamily="34" charset="0"/>
+              <a:buChar char=" "/>
+              <a:defRPr sz="2000" i="1" kern="1200">
+                <a:solidFill>
+                  <a:schemeClr val="tx1">
+                    <a:lumMod val="85000"/>
+                    <a:lumOff val="15000"/>
+                  </a:schemeClr>
+                </a:solidFill>
+                <a:latin typeface="Segoe UI" panose="020B0502040204020203" pitchFamily="34" charset="0"/>
+                <a:ea typeface="+mn-ea"/>
+                <a:cs typeface="Segoe UI" panose="020B0502040204020203" pitchFamily="34" charset="0"/>
+              </a:defRPr>
+            </a:lvl3pPr>
+            <a:lvl4pPr marL="822960" indent="-822960" algn="l" defTabSz="914400" rtl="0" eaLnBrk="1" latinLnBrk="0" hangingPunct="1">
+              <a:lnSpc>
+                <a:spcPct val="85000"/>
+              </a:lnSpc>
+              <a:spcBef>
+                <a:spcPts val="600"/>
+              </a:spcBef>
+              <a:buFont typeface="Arial" pitchFamily="34" charset="0"/>
+              <a:buChar char=" "/>
+              <a:defRPr sz="1800" kern="1200">
+                <a:solidFill>
+                  <a:schemeClr val="tx1">
+                    <a:lumMod val="85000"/>
+                    <a:lumOff val="15000"/>
+                  </a:schemeClr>
+                </a:solidFill>
+                <a:latin typeface="Segoe UI" panose="020B0502040204020203" pitchFamily="34" charset="0"/>
+                <a:ea typeface="+mn-ea"/>
+                <a:cs typeface="Segoe UI" panose="020B0502040204020203" pitchFamily="34" charset="0"/>
+              </a:defRPr>
+            </a:lvl4pPr>
+            <a:lvl5pPr marL="1097280" indent="-1097280" algn="l" defTabSz="914400" rtl="0" eaLnBrk="1" latinLnBrk="0" hangingPunct="1">
+              <a:lnSpc>
+                <a:spcPct val="85000"/>
+              </a:lnSpc>
+              <a:spcBef>
+                <a:spcPts val="600"/>
+              </a:spcBef>
+              <a:buFont typeface="Arial" pitchFamily="34" charset="0"/>
+              <a:buChar char=" "/>
+              <a:defRPr sz="1800" kern="1200">
+                <a:solidFill>
+                  <a:schemeClr val="tx1">
+                    <a:lumMod val="85000"/>
+                    <a:lumOff val="15000"/>
+                  </a:schemeClr>
+                </a:solidFill>
+                <a:latin typeface="Segoe UI" panose="020B0502040204020203" pitchFamily="34" charset="0"/>
+                <a:ea typeface="+mn-ea"/>
+                <a:cs typeface="Segoe UI" panose="020B0502040204020203" pitchFamily="34" charset="0"/>
+              </a:defRPr>
+            </a:lvl5pPr>
+            <a:lvl6pPr marL="1200000" indent="-228600" algn="l" defTabSz="914400" rtl="0" eaLnBrk="1" latinLnBrk="0" hangingPunct="1">
+              <a:lnSpc>
+                <a:spcPct val="85000"/>
+              </a:lnSpc>
+              <a:spcBef>
+                <a:spcPts val="600"/>
+              </a:spcBef>
+              <a:buFont typeface="Arial" pitchFamily="34" charset="0"/>
+              <a:buChar char=" "/>
+              <a:defRPr sz="1800" kern="1200">
+                <a:solidFill>
+                  <a:schemeClr val="tx1">
+                    <a:lumMod val="85000"/>
+                    <a:lumOff val="15000"/>
+                  </a:schemeClr>
+                </a:solidFill>
+                <a:latin typeface="+mn-lt"/>
+                <a:ea typeface="+mn-ea"/>
+                <a:cs typeface="+mn-cs"/>
+              </a:defRPr>
+            </a:lvl6pPr>
+            <a:lvl7pPr marL="1400000" indent="-228600" algn="l" defTabSz="914400" rtl="0" eaLnBrk="1" latinLnBrk="0" hangingPunct="1">
+              <a:lnSpc>
+                <a:spcPct val="85000"/>
+              </a:lnSpc>
+              <a:spcBef>
+                <a:spcPts val="600"/>
+              </a:spcBef>
+              <a:buFont typeface="Arial" pitchFamily="34" charset="0"/>
+              <a:buChar char=" "/>
+              <a:defRPr sz="1800" kern="1200">
+                <a:solidFill>
+                  <a:schemeClr val="tx1">
+                    <a:lumMod val="85000"/>
+                    <a:lumOff val="15000"/>
+                  </a:schemeClr>
+                </a:solidFill>
+                <a:latin typeface="+mn-lt"/>
+                <a:ea typeface="+mn-ea"/>
+                <a:cs typeface="+mn-cs"/>
+              </a:defRPr>
+            </a:lvl7pPr>
+            <a:lvl8pPr marL="1600000" indent="-228600" algn="l" defTabSz="914400" rtl="0" eaLnBrk="1" latinLnBrk="0" hangingPunct="1">
+              <a:lnSpc>
+                <a:spcPct val="85000"/>
+              </a:lnSpc>
+              <a:spcBef>
+                <a:spcPts val="600"/>
+              </a:spcBef>
+              <a:buFont typeface="Arial" pitchFamily="34" charset="0"/>
+              <a:buChar char=" "/>
+              <a:defRPr sz="1800" kern="1200">
+                <a:solidFill>
+                  <a:schemeClr val="tx1">
+                    <a:lumMod val="85000"/>
+                    <a:lumOff val="15000"/>
+                  </a:schemeClr>
+                </a:solidFill>
+                <a:latin typeface="+mn-lt"/>
+                <a:ea typeface="+mn-ea"/>
+                <a:cs typeface="+mn-cs"/>
+              </a:defRPr>
+            </a:lvl8pPr>
+            <a:lvl9pPr marL="1800000" indent="-228600" algn="l" defTabSz="914400" rtl="0" eaLnBrk="1" latinLnBrk="0" hangingPunct="1">
+              <a:lnSpc>
+                <a:spcPct val="85000"/>
+              </a:lnSpc>
+              <a:spcBef>
+                <a:spcPts val="600"/>
+              </a:spcBef>
+              <a:buFont typeface="Arial" pitchFamily="34" charset="0"/>
+              <a:buChar char=" "/>
+              <a:defRPr sz="1800" kern="1200">
+                <a:solidFill>
+                  <a:schemeClr val="tx1">
+                    <a:lumMod val="85000"/>
+                    <a:lumOff val="15000"/>
+                  </a:schemeClr>
+                </a:solidFill>
+                <a:latin typeface="+mn-lt"/>
+                <a:ea typeface="+mn-ea"/>
+                <a:cs typeface="+mn-cs"/>
+              </a:defRPr>
+            </a:lvl9pPr>
+          </a:lstStyle>
+          <a:p>
+            <a:pPr>
+              <a:lnSpc>
+                <a:spcPct val="100000"/>
+              </a:lnSpc>
+              <a:spcBef>
+                <a:spcPts val="0"/>
+              </a:spcBef>
+            </a:pPr>
+            <a:r>
+              <a:rPr lang="en-US" dirty="0">
+                <a:solidFill>
+                  <a:schemeClr val="bg1"/>
+                </a:solidFill>
+                <a:latin typeface="Consolas" panose="020B0609020204030204" pitchFamily="49" charset="0"/>
+              </a:rPr>
+              <a:t>[Route("products")]</a:t>
+            </a:r>
+          </a:p>
+          <a:p>
+            <a:pPr>
+              <a:lnSpc>
+                <a:spcPct val="100000"/>
+              </a:lnSpc>
+              <a:spcBef>
+                <a:spcPts val="0"/>
+              </a:spcBef>
+            </a:pPr>
+            <a:r>
+              <a:rPr lang="en-US" dirty="0">
+                <a:solidFill>
+                  <a:schemeClr val="bg1"/>
+                </a:solidFill>
+                <a:latin typeface="Consolas" panose="020B0609020204030204" pitchFamily="49" charset="0"/>
+              </a:rPr>
+              <a:t>public class </a:t>
+            </a:r>
+            <a:r>
+              <a:rPr lang="en-US" dirty="0" err="1">
+                <a:solidFill>
+                  <a:schemeClr val="bg1"/>
+                </a:solidFill>
+                <a:latin typeface="Consolas" panose="020B0609020204030204" pitchFamily="49" charset="0"/>
+              </a:rPr>
+              <a:t>ProductsApiController</a:t>
+            </a:r>
+            <a:r>
+              <a:rPr lang="en-US" dirty="0">
+                <a:solidFill>
+                  <a:schemeClr val="bg1"/>
+                </a:solidFill>
+                <a:latin typeface="Consolas" panose="020B0609020204030204" pitchFamily="49" charset="0"/>
+              </a:rPr>
+              <a:t> : Controller</a:t>
+            </a:r>
+          </a:p>
+          <a:p>
+            <a:pPr>
+              <a:lnSpc>
+                <a:spcPct val="100000"/>
+              </a:lnSpc>
+              <a:spcBef>
+                <a:spcPts val="0"/>
+              </a:spcBef>
+            </a:pPr>
+            <a:r>
+              <a:rPr lang="en-US" dirty="0">
+                <a:solidFill>
+                  <a:schemeClr val="bg1"/>
+                </a:solidFill>
+                <a:latin typeface="Consolas" panose="020B0609020204030204" pitchFamily="49" charset="0"/>
+              </a:rPr>
+              <a:t>{</a:t>
+            </a:r>
+          </a:p>
+          <a:p>
+            <a:pPr>
+              <a:lnSpc>
+                <a:spcPct val="100000"/>
+              </a:lnSpc>
+              <a:spcBef>
+                <a:spcPts val="0"/>
+              </a:spcBef>
+            </a:pPr>
+            <a:r>
+              <a:rPr lang="en-US" dirty="0">
+                <a:solidFill>
+                  <a:schemeClr val="bg1"/>
+                </a:solidFill>
+                <a:latin typeface="Consolas" panose="020B0609020204030204" pitchFamily="49" charset="0"/>
+              </a:rPr>
+              <a:t>   [</a:t>
+            </a:r>
+            <a:r>
+              <a:rPr lang="en-US" dirty="0" err="1">
+                <a:solidFill>
+                  <a:schemeClr val="bg1"/>
+                </a:solidFill>
+                <a:latin typeface="Consolas" panose="020B0609020204030204" pitchFamily="49" charset="0"/>
+              </a:rPr>
+              <a:t>HttpGet</a:t>
+            </a:r>
+            <a:r>
+              <a:rPr lang="en-US" dirty="0">
+                <a:solidFill>
+                  <a:schemeClr val="bg1"/>
+                </a:solidFill>
+                <a:latin typeface="Consolas" panose="020B0609020204030204" pitchFamily="49" charset="0"/>
+              </a:rPr>
+              <a:t>]</a:t>
+            </a:r>
+          </a:p>
+          <a:p>
+            <a:pPr>
+              <a:lnSpc>
+                <a:spcPct val="100000"/>
+              </a:lnSpc>
+              <a:spcBef>
+                <a:spcPts val="0"/>
+              </a:spcBef>
+            </a:pPr>
+            <a:r>
+              <a:rPr lang="en-US" dirty="0">
+                <a:solidFill>
+                  <a:schemeClr val="bg1"/>
+                </a:solidFill>
+                <a:latin typeface="Consolas" panose="020B0609020204030204" pitchFamily="49" charset="0"/>
+              </a:rPr>
+              <a:t>   public </a:t>
+            </a:r>
+            <a:r>
+              <a:rPr lang="en-US" dirty="0" err="1">
+                <a:solidFill>
+                  <a:schemeClr val="bg1"/>
+                </a:solidFill>
+                <a:latin typeface="Consolas" panose="020B0609020204030204" pitchFamily="49" charset="0"/>
+              </a:rPr>
+              <a:t>IActionResult</a:t>
+            </a:r>
+            <a:r>
+              <a:rPr lang="en-US" dirty="0">
+                <a:solidFill>
+                  <a:schemeClr val="bg1"/>
+                </a:solidFill>
+                <a:latin typeface="Consolas" panose="020B0609020204030204" pitchFamily="49" charset="0"/>
+              </a:rPr>
+              <a:t> </a:t>
+            </a:r>
+            <a:r>
+              <a:rPr lang="en-US" dirty="0" err="1">
+                <a:solidFill>
+                  <a:schemeClr val="bg1"/>
+                </a:solidFill>
+                <a:latin typeface="Consolas" panose="020B0609020204030204" pitchFamily="49" charset="0"/>
+              </a:rPr>
+              <a:t>ListProducts</a:t>
+            </a:r>
+            <a:r>
+              <a:rPr lang="en-US" dirty="0">
+                <a:solidFill>
+                  <a:schemeClr val="bg1"/>
+                </a:solidFill>
+                <a:latin typeface="Consolas" panose="020B0609020204030204" pitchFamily="49" charset="0"/>
+              </a:rPr>
+              <a:t>() { ... }</a:t>
+            </a:r>
+          </a:p>
+          <a:p>
+            <a:pPr>
+              <a:lnSpc>
+                <a:spcPct val="100000"/>
+              </a:lnSpc>
+              <a:spcBef>
+                <a:spcPts val="0"/>
+              </a:spcBef>
+            </a:pPr>
+            <a:endParaRPr lang="en-US" dirty="0">
+              <a:solidFill>
+                <a:schemeClr val="bg1"/>
+              </a:solidFill>
+              <a:latin typeface="Consolas" panose="020B0609020204030204" pitchFamily="49" charset="0"/>
+            </a:endParaRPr>
+          </a:p>
+          <a:p>
+            <a:pPr>
+              <a:lnSpc>
+                <a:spcPct val="100000"/>
+              </a:lnSpc>
+              <a:spcBef>
+                <a:spcPts val="0"/>
+              </a:spcBef>
+            </a:pPr>
+            <a:r>
+              <a:rPr lang="en-US" dirty="0">
+                <a:solidFill>
+                  <a:schemeClr val="bg1"/>
+                </a:solidFill>
+                <a:latin typeface="Consolas" panose="020B0609020204030204" pitchFamily="49" charset="0"/>
+              </a:rPr>
+              <a:t>   [</a:t>
+            </a:r>
+            <a:r>
+              <a:rPr lang="en-US" dirty="0" err="1">
+                <a:solidFill>
+                  <a:schemeClr val="bg1"/>
+                </a:solidFill>
+                <a:latin typeface="Consolas" panose="020B0609020204030204" pitchFamily="49" charset="0"/>
+              </a:rPr>
+              <a:t>HttpGet</a:t>
+            </a:r>
+            <a:r>
+              <a:rPr lang="en-US" dirty="0">
+                <a:solidFill>
+                  <a:schemeClr val="bg1"/>
+                </a:solidFill>
+                <a:latin typeface="Consolas" panose="020B0609020204030204" pitchFamily="49" charset="0"/>
+              </a:rPr>
+              <a:t>("{id}")]</a:t>
+            </a:r>
+          </a:p>
+          <a:p>
+            <a:pPr>
+              <a:lnSpc>
+                <a:spcPct val="100000"/>
+              </a:lnSpc>
+              <a:spcBef>
+                <a:spcPts val="0"/>
+              </a:spcBef>
+            </a:pPr>
+            <a:r>
+              <a:rPr lang="en-US" dirty="0">
+                <a:solidFill>
+                  <a:schemeClr val="bg1"/>
+                </a:solidFill>
+                <a:latin typeface="Consolas" panose="020B0609020204030204" pitchFamily="49" charset="0"/>
+              </a:rPr>
+              <a:t>   public </a:t>
+            </a:r>
+            <a:r>
+              <a:rPr lang="en-US" dirty="0" err="1">
+                <a:solidFill>
+                  <a:schemeClr val="bg1"/>
+                </a:solidFill>
+                <a:latin typeface="Consolas" panose="020B0609020204030204" pitchFamily="49" charset="0"/>
+              </a:rPr>
+              <a:t>ActionResult</a:t>
+            </a:r>
+            <a:r>
+              <a:rPr lang="en-US" dirty="0">
+                <a:solidFill>
+                  <a:schemeClr val="bg1"/>
+                </a:solidFill>
+                <a:latin typeface="Consolas" panose="020B0609020204030204" pitchFamily="49" charset="0"/>
+              </a:rPr>
+              <a:t> </a:t>
+            </a:r>
+            <a:r>
+              <a:rPr lang="en-US" dirty="0" err="1">
+                <a:solidFill>
+                  <a:schemeClr val="bg1"/>
+                </a:solidFill>
+                <a:latin typeface="Consolas" panose="020B0609020204030204" pitchFamily="49" charset="0"/>
+              </a:rPr>
+              <a:t>GetProduct</a:t>
+            </a:r>
+            <a:r>
+              <a:rPr lang="en-US" dirty="0">
+                <a:solidFill>
+                  <a:schemeClr val="bg1"/>
+                </a:solidFill>
+                <a:latin typeface="Consolas" panose="020B0609020204030204" pitchFamily="49" charset="0"/>
+              </a:rPr>
+              <a:t>(</a:t>
+            </a:r>
+            <a:r>
+              <a:rPr lang="en-US" dirty="0" err="1">
+                <a:solidFill>
+                  <a:schemeClr val="bg1"/>
+                </a:solidFill>
+                <a:latin typeface="Consolas" panose="020B0609020204030204" pitchFamily="49" charset="0"/>
+              </a:rPr>
+              <a:t>int</a:t>
+            </a:r>
+            <a:r>
+              <a:rPr lang="en-US" dirty="0">
+                <a:solidFill>
+                  <a:schemeClr val="bg1"/>
+                </a:solidFill>
+                <a:latin typeface="Consolas" panose="020B0609020204030204" pitchFamily="49" charset="0"/>
+              </a:rPr>
+              <a:t> id) { ... }</a:t>
+            </a:r>
+          </a:p>
+          <a:p>
+            <a:pPr>
+              <a:lnSpc>
+                <a:spcPct val="100000"/>
+              </a:lnSpc>
+              <a:spcBef>
+                <a:spcPts val="0"/>
+              </a:spcBef>
+            </a:pPr>
+            <a:r>
+              <a:rPr lang="en-US" dirty="0">
+                <a:solidFill>
+                  <a:schemeClr val="bg1"/>
+                </a:solidFill>
+                <a:latin typeface="Consolas" panose="020B0609020204030204" pitchFamily="49" charset="0"/>
+              </a:rPr>
+              <a:t>}</a:t>
+            </a:r>
+          </a:p>
+        </p:txBody>
+      </p:sp>
     </p:spTree>
     <p:extLst>
       <p:ext uri="{BB962C8B-B14F-4D97-AF65-F5344CB8AC3E}">
-        <p14:creationId xmlns:p14="http://schemas.microsoft.com/office/powerpoint/2010/main" val="2053400258"/>
+        <p14:creationId xmlns:p14="http://schemas.microsoft.com/office/powerpoint/2010/main" val="3939258268"/>
       </p:ext>
     </p:extLst>
   </p:cSld>
@@ -6983,7 +8165,7 @@
       </p:grpSpPr>
       <p:sp>
         <p:nvSpPr>
-          <p:cNvPr id="4" name="Title 3"/>
+          <p:cNvPr id="2" name="Title 1"/>
           <p:cNvSpPr>
             <a:spLocks noGrp="1"/>
           </p:cNvSpPr>
@@ -6998,34 +8180,520 @@
           <a:p>
             <a:r>
               <a:rPr lang="en-US" dirty="0"/>
-              <a:t>DTOs</a:t>
-            </a:r>
-          </a:p>
-        </p:txBody>
-      </p:sp>
-      <p:sp>
-        <p:nvSpPr>
-          <p:cNvPr id="5" name="Text Placeholder 4"/>
+              <a:t>Global Config in .NET</a:t>
+            </a:r>
+          </a:p>
+        </p:txBody>
+      </p:sp>
+      <p:sp>
+        <p:nvSpPr>
+          <p:cNvPr id="3" name="Content Placeholder 2"/>
           <p:cNvSpPr>
             <a:spLocks noGrp="1"/>
           </p:cNvSpPr>
           <p:nvPr>
-            <p:ph type="body" idx="1"/>
+            <p:ph idx="1"/>
           </p:nvPr>
         </p:nvSpPr>
-        <p:spPr/>
-        <p:txBody>
-          <a:bodyPr/>
+        <p:spPr>
+          <a:xfrm>
+            <a:off x="676656" y="2011680"/>
+            <a:ext cx="10753725" cy="4179258"/>
+          </a:xfrm>
+          <a:solidFill>
+            <a:schemeClr val="tx1"/>
+          </a:solidFill>
+        </p:spPr>
+        <p:txBody>
+          <a:bodyPr lIns="182880" tIns="182880" rIns="182880" bIns="182880">
+            <a:normAutofit fontScale="92500" lnSpcReduction="20000"/>
+          </a:bodyPr>
           <a:lstStyle/>
           <a:p>
-            <a:endParaRPr lang="en-US"/>
+            <a:pPr marL="0" indent="0">
+              <a:buNone/>
+            </a:pPr>
+            <a:r>
+              <a:rPr lang="en-US" sz="2000" dirty="0" err="1">
+                <a:solidFill>
+                  <a:schemeClr val="bg1"/>
+                </a:solidFill>
+                <a:latin typeface="Consolas" panose="020B0609020204030204" pitchFamily="49" charset="0"/>
+              </a:rPr>
+              <a:t>var</a:t>
+            </a:r>
+            <a:r>
+              <a:rPr lang="en-US" sz="2000" dirty="0">
+                <a:solidFill>
+                  <a:schemeClr val="bg1"/>
+                </a:solidFill>
+                <a:latin typeface="Consolas" panose="020B0609020204030204" pitchFamily="49" charset="0"/>
+              </a:rPr>
+              <a:t> </a:t>
+            </a:r>
+            <a:r>
+              <a:rPr lang="en-US" sz="2000" dirty="0" err="1">
+                <a:solidFill>
+                  <a:schemeClr val="bg1"/>
+                </a:solidFill>
+                <a:latin typeface="Consolas" panose="020B0609020204030204" pitchFamily="49" charset="0"/>
+              </a:rPr>
+              <a:t>json</a:t>
+            </a:r>
+            <a:r>
+              <a:rPr lang="en-US" sz="2000" dirty="0">
+                <a:solidFill>
+                  <a:schemeClr val="bg1"/>
+                </a:solidFill>
+                <a:latin typeface="Consolas" panose="020B0609020204030204" pitchFamily="49" charset="0"/>
+              </a:rPr>
+              <a:t> = </a:t>
+            </a:r>
+            <a:r>
+              <a:rPr lang="en-US" sz="2000" dirty="0" err="1">
+                <a:solidFill>
+                  <a:schemeClr val="bg1"/>
+                </a:solidFill>
+                <a:latin typeface="Consolas" panose="020B0609020204030204" pitchFamily="49" charset="0"/>
+              </a:rPr>
+              <a:t>GlobalConfiguration.Configuration.Formatters.JsonFormatter</a:t>
+            </a:r>
+            <a:r>
+              <a:rPr lang="en-US" sz="2000" dirty="0">
+                <a:solidFill>
+                  <a:schemeClr val="bg1"/>
+                </a:solidFill>
+                <a:latin typeface="Consolas" panose="020B0609020204030204" pitchFamily="49" charset="0"/>
+              </a:rPr>
+              <a:t>;</a:t>
+            </a:r>
+            <a:br>
+              <a:rPr lang="en-US" sz="2000" dirty="0">
+                <a:solidFill>
+                  <a:schemeClr val="bg1"/>
+                </a:solidFill>
+                <a:latin typeface="Consolas" panose="020B0609020204030204" pitchFamily="49" charset="0"/>
+              </a:rPr>
+            </a:br>
+            <a:br>
+              <a:rPr lang="en-US" sz="2000" dirty="0">
+                <a:solidFill>
+                  <a:schemeClr val="bg1"/>
+                </a:solidFill>
+                <a:latin typeface="Consolas" panose="020B0609020204030204" pitchFamily="49" charset="0"/>
+              </a:rPr>
+            </a:br>
+            <a:r>
+              <a:rPr lang="en-US" sz="2000" dirty="0">
+                <a:solidFill>
+                  <a:schemeClr val="bg2">
+                    <a:lumMod val="50000"/>
+                  </a:schemeClr>
+                </a:solidFill>
+                <a:latin typeface="Consolas" panose="020B0609020204030204" pitchFamily="49" charset="0"/>
+              </a:rPr>
+              <a:t>// format datetimes as UTC</a:t>
+            </a:r>
+            <a:br>
+              <a:rPr lang="en-US" sz="2000" dirty="0">
+                <a:solidFill>
+                  <a:schemeClr val="bg2">
+                    <a:lumMod val="50000"/>
+                  </a:schemeClr>
+                </a:solidFill>
+                <a:latin typeface="Consolas" panose="020B0609020204030204" pitchFamily="49" charset="0"/>
+              </a:rPr>
+            </a:br>
+            <a:r>
+              <a:rPr lang="en-US" sz="2000" dirty="0" err="1">
+                <a:solidFill>
+                  <a:schemeClr val="bg1"/>
+                </a:solidFill>
+                <a:latin typeface="Consolas" panose="020B0609020204030204" pitchFamily="49" charset="0"/>
+              </a:rPr>
+              <a:t>json.SerializerSettings.DateTimeZoneHandling</a:t>
+            </a:r>
+            <a:r>
+              <a:rPr lang="en-US" sz="2000" dirty="0">
+                <a:solidFill>
+                  <a:schemeClr val="bg1"/>
+                </a:solidFill>
+                <a:latin typeface="Consolas" panose="020B0609020204030204" pitchFamily="49" charset="0"/>
+              </a:rPr>
+              <a:t> = </a:t>
+            </a:r>
+            <a:r>
+              <a:rPr lang="en-US" sz="2000" dirty="0" err="1">
+                <a:solidFill>
+                  <a:schemeClr val="bg1"/>
+                </a:solidFill>
+                <a:latin typeface="Consolas" panose="020B0609020204030204" pitchFamily="49" charset="0"/>
+              </a:rPr>
+              <a:t>DateTimeZoneHandling.Utc</a:t>
+            </a:r>
+            <a:br>
+              <a:rPr lang="en-US" sz="2000" dirty="0">
+                <a:solidFill>
+                  <a:schemeClr val="bg1"/>
+                </a:solidFill>
+                <a:latin typeface="Consolas" panose="020B0609020204030204" pitchFamily="49" charset="0"/>
+              </a:rPr>
+            </a:br>
+            <a:br>
+              <a:rPr lang="en-US" sz="2000" dirty="0">
+                <a:solidFill>
+                  <a:schemeClr val="bg1"/>
+                </a:solidFill>
+                <a:latin typeface="Consolas" panose="020B0609020204030204" pitchFamily="49" charset="0"/>
+              </a:rPr>
+            </a:br>
+            <a:r>
+              <a:rPr lang="en-US" sz="2000" dirty="0">
+                <a:solidFill>
+                  <a:schemeClr val="bg2">
+                    <a:lumMod val="50000"/>
+                  </a:schemeClr>
+                </a:solidFill>
+                <a:latin typeface="Consolas" panose="020B0609020204030204" pitchFamily="49" charset="0"/>
+              </a:rPr>
+              <a:t>// Used MS date format "\/Date(1356044400000+0100)\/"</a:t>
+            </a:r>
+            <a:br>
+              <a:rPr lang="en-US" sz="2000" dirty="0">
+                <a:solidFill>
+                  <a:schemeClr val="bg2">
+                    <a:lumMod val="50000"/>
+                  </a:schemeClr>
+                </a:solidFill>
+                <a:latin typeface="Consolas" panose="020B0609020204030204" pitchFamily="49" charset="0"/>
+              </a:rPr>
+            </a:br>
+            <a:r>
+              <a:rPr lang="en-US" sz="2000" dirty="0" err="1">
+                <a:solidFill>
+                  <a:schemeClr val="bg1"/>
+                </a:solidFill>
+                <a:latin typeface="Consolas" panose="020B0609020204030204" pitchFamily="49" charset="0"/>
+              </a:rPr>
+              <a:t>json.SerializerSettings.DateFormatHandling</a:t>
+            </a:r>
+            <a:r>
+              <a:rPr lang="en-US" sz="2000" dirty="0">
+                <a:solidFill>
+                  <a:schemeClr val="bg1"/>
+                </a:solidFill>
+                <a:latin typeface="Consolas" panose="020B0609020204030204" pitchFamily="49" charset="0"/>
+              </a:rPr>
+              <a:t> =</a:t>
+            </a:r>
+            <a:br>
+              <a:rPr lang="en-US" sz="2000" dirty="0">
+                <a:solidFill>
+                  <a:schemeClr val="bg1"/>
+                </a:solidFill>
+                <a:latin typeface="Consolas" panose="020B0609020204030204" pitchFamily="49" charset="0"/>
+              </a:rPr>
+            </a:br>
+            <a:r>
+              <a:rPr lang="en-US" sz="2000" dirty="0">
+                <a:solidFill>
+                  <a:schemeClr val="bg1"/>
+                </a:solidFill>
+                <a:latin typeface="Consolas" panose="020B0609020204030204" pitchFamily="49" charset="0"/>
+              </a:rPr>
+              <a:t>	</a:t>
+            </a:r>
+            <a:r>
+              <a:rPr lang="en-US" sz="2000" dirty="0" err="1">
+                <a:solidFill>
+                  <a:schemeClr val="bg1"/>
+                </a:solidFill>
+                <a:latin typeface="Consolas" panose="020B0609020204030204" pitchFamily="49" charset="0"/>
+              </a:rPr>
+              <a:t>DateFormatHandling.MicrosoftDateFormat</a:t>
+            </a:r>
+            <a:r>
+              <a:rPr lang="en-US" sz="2000" dirty="0">
+                <a:solidFill>
+                  <a:schemeClr val="bg1"/>
+                </a:solidFill>
+                <a:latin typeface="Consolas" panose="020B0609020204030204" pitchFamily="49" charset="0"/>
+              </a:rPr>
+              <a:t>;</a:t>
+            </a:r>
+            <a:br>
+              <a:rPr lang="en-US" sz="2000" dirty="0">
+                <a:solidFill>
+                  <a:schemeClr val="bg1"/>
+                </a:solidFill>
+                <a:latin typeface="Consolas" panose="020B0609020204030204" pitchFamily="49" charset="0"/>
+              </a:rPr>
+            </a:br>
+            <a:br>
+              <a:rPr lang="en-US" sz="2000" dirty="0">
+                <a:solidFill>
+                  <a:schemeClr val="bg1"/>
+                </a:solidFill>
+                <a:latin typeface="Consolas" panose="020B0609020204030204" pitchFamily="49" charset="0"/>
+              </a:rPr>
+            </a:br>
+            <a:r>
+              <a:rPr lang="en-US" sz="2000" dirty="0">
+                <a:solidFill>
+                  <a:schemeClr val="bg2">
+                    <a:lumMod val="50000"/>
+                  </a:schemeClr>
+                </a:solidFill>
+                <a:latin typeface="Consolas" panose="020B0609020204030204" pitchFamily="49" charset="0"/>
+              </a:rPr>
+              <a:t>// camelCase JSON</a:t>
+            </a:r>
+            <a:br>
+              <a:rPr lang="en-US" sz="2000" dirty="0">
+                <a:solidFill>
+                  <a:schemeClr val="bg2">
+                    <a:lumMod val="50000"/>
+                  </a:schemeClr>
+                </a:solidFill>
+                <a:latin typeface="Consolas" panose="020B0609020204030204" pitchFamily="49" charset="0"/>
+              </a:rPr>
+            </a:br>
+            <a:r>
+              <a:rPr lang="en-US" sz="2000" dirty="0" err="1">
+                <a:solidFill>
+                  <a:schemeClr val="bg1"/>
+                </a:solidFill>
+                <a:latin typeface="Consolas" panose="020B0609020204030204" pitchFamily="49" charset="0"/>
+              </a:rPr>
+              <a:t>json.SerializerSettings.ContractResolver</a:t>
+            </a:r>
+            <a:r>
+              <a:rPr lang="en-US" sz="2000" dirty="0">
+                <a:solidFill>
+                  <a:schemeClr val="bg1"/>
+                </a:solidFill>
+                <a:latin typeface="Consolas" panose="020B0609020204030204" pitchFamily="49" charset="0"/>
+              </a:rPr>
+              <a:t> =</a:t>
+            </a:r>
+            <a:br>
+              <a:rPr lang="en-US" sz="2000" dirty="0">
+                <a:solidFill>
+                  <a:schemeClr val="bg1"/>
+                </a:solidFill>
+                <a:latin typeface="Consolas" panose="020B0609020204030204" pitchFamily="49" charset="0"/>
+              </a:rPr>
+            </a:br>
+            <a:r>
+              <a:rPr lang="en-US" sz="2000" dirty="0">
+                <a:solidFill>
+                  <a:schemeClr val="bg1"/>
+                </a:solidFill>
+                <a:latin typeface="Consolas" panose="020B0609020204030204" pitchFamily="49" charset="0"/>
+              </a:rPr>
+              <a:t>	new </a:t>
+            </a:r>
+            <a:r>
+              <a:rPr lang="en-US" sz="2000" dirty="0" err="1">
+                <a:solidFill>
+                  <a:schemeClr val="bg1"/>
+                </a:solidFill>
+                <a:latin typeface="Consolas" panose="020B0609020204030204" pitchFamily="49" charset="0"/>
+              </a:rPr>
+              <a:t>CamelCasePropertyNamesContractResolver</a:t>
+            </a:r>
+            <a:r>
+              <a:rPr lang="en-US" sz="2000" dirty="0">
+                <a:solidFill>
+                  <a:schemeClr val="bg1"/>
+                </a:solidFill>
+                <a:latin typeface="Consolas" panose="020B0609020204030204" pitchFamily="49" charset="0"/>
+              </a:rPr>
+              <a:t>();</a:t>
+            </a:r>
+          </a:p>
+          <a:p>
+            <a:pPr marL="0" indent="0">
+              <a:buNone/>
+            </a:pPr>
+            <a:br>
+              <a:rPr lang="en-US" sz="2000" dirty="0">
+                <a:solidFill>
+                  <a:schemeClr val="bg2">
+                    <a:lumMod val="50000"/>
+                  </a:schemeClr>
+                </a:solidFill>
+                <a:latin typeface="Consolas" panose="020B0609020204030204" pitchFamily="49" charset="0"/>
+              </a:rPr>
+            </a:br>
+            <a:r>
+              <a:rPr lang="en-US" sz="2000" dirty="0">
+                <a:solidFill>
+                  <a:schemeClr val="bg2">
+                    <a:lumMod val="50000"/>
+                  </a:schemeClr>
+                </a:solidFill>
+                <a:latin typeface="Consolas" panose="020B0609020204030204" pitchFamily="49" charset="0"/>
+              </a:rPr>
+              <a:t>// Indent JSON</a:t>
+            </a:r>
+            <a:br>
+              <a:rPr lang="en-US" sz="2000" dirty="0">
+                <a:solidFill>
+                  <a:schemeClr val="bg1"/>
+                </a:solidFill>
+                <a:latin typeface="Consolas" panose="020B0609020204030204" pitchFamily="49" charset="0"/>
+              </a:rPr>
+            </a:br>
+            <a:r>
+              <a:rPr lang="en-US" sz="2000" dirty="0" err="1">
+                <a:solidFill>
+                  <a:schemeClr val="bg1"/>
+                </a:solidFill>
+                <a:latin typeface="Consolas" panose="020B0609020204030204" pitchFamily="49" charset="0"/>
+              </a:rPr>
+              <a:t>json.SerializerSettings.Formatting</a:t>
+            </a:r>
+            <a:r>
+              <a:rPr lang="en-US" sz="2000" dirty="0">
+                <a:solidFill>
+                  <a:schemeClr val="bg1"/>
+                </a:solidFill>
+                <a:latin typeface="Consolas" panose="020B0609020204030204" pitchFamily="49" charset="0"/>
+              </a:rPr>
+              <a:t> = </a:t>
+            </a:r>
+            <a:r>
+              <a:rPr lang="en-US" sz="2000" dirty="0" err="1">
+                <a:solidFill>
+                  <a:schemeClr val="bg1"/>
+                </a:solidFill>
+                <a:latin typeface="Consolas" panose="020B0609020204030204" pitchFamily="49" charset="0"/>
+              </a:rPr>
+              <a:t>Newtonsoft.Json.Formatting.Indented</a:t>
+            </a:r>
+            <a:r>
+              <a:rPr lang="en-US" sz="2000" dirty="0">
+                <a:solidFill>
+                  <a:schemeClr val="bg1"/>
+                </a:solidFill>
+                <a:latin typeface="Consolas" panose="020B0609020204030204" pitchFamily="49" charset="0"/>
+              </a:rPr>
+              <a:t>;</a:t>
+            </a:r>
+            <a:br>
+              <a:rPr lang="en-US" sz="2000" dirty="0">
+                <a:solidFill>
+                  <a:schemeClr val="bg1"/>
+                </a:solidFill>
+                <a:latin typeface="Consolas" panose="020B0609020204030204" pitchFamily="49" charset="0"/>
+              </a:rPr>
+            </a:br>
+            <a:br>
+              <a:rPr lang="en-US" sz="2000" dirty="0">
+                <a:solidFill>
+                  <a:schemeClr val="bg1"/>
+                </a:solidFill>
+                <a:latin typeface="Consolas" panose="020B0609020204030204" pitchFamily="49" charset="0"/>
+              </a:rPr>
+            </a:br>
+            <a:r>
+              <a:rPr lang="en-US" sz="2000" dirty="0">
+                <a:solidFill>
+                  <a:schemeClr val="bg2">
+                    <a:lumMod val="50000"/>
+                  </a:schemeClr>
+                </a:solidFill>
+                <a:latin typeface="Consolas" panose="020B0609020204030204" pitchFamily="49" charset="0"/>
+              </a:rPr>
+              <a:t>// Ignore reference loops</a:t>
+            </a:r>
+            <a:br>
+              <a:rPr lang="en-US" sz="2000" dirty="0">
+                <a:solidFill>
+                  <a:schemeClr val="bg1"/>
+                </a:solidFill>
+                <a:latin typeface="Consolas" panose="020B0609020204030204" pitchFamily="49" charset="0"/>
+              </a:rPr>
+            </a:br>
+            <a:r>
+              <a:rPr lang="en-US" sz="2000" dirty="0" err="1">
+                <a:solidFill>
+                  <a:schemeClr val="bg1"/>
+                </a:solidFill>
+                <a:latin typeface="Consolas" panose="020B0609020204030204" pitchFamily="49" charset="0"/>
+              </a:rPr>
+              <a:t>json.SerializerSettings.Re</a:t>
+            </a:r>
+            <a:r>
+              <a:rPr lang="en-US" sz="2000" dirty="0">
+                <a:solidFill>
+                  <a:schemeClr val="bg1"/>
+                </a:solidFill>
+                <a:latin typeface="Consolas" panose="020B0609020204030204" pitchFamily="49" charset="0"/>
+              </a:rPr>
+              <a:t>‌​</a:t>
+            </a:r>
+            <a:r>
+              <a:rPr lang="en-US" sz="2000" dirty="0" err="1">
+                <a:solidFill>
+                  <a:schemeClr val="bg1"/>
+                </a:solidFill>
+                <a:latin typeface="Consolas" panose="020B0609020204030204" pitchFamily="49" charset="0"/>
+              </a:rPr>
+              <a:t>ferenceLoopHandling</a:t>
+            </a:r>
+            <a:r>
+              <a:rPr lang="en-US" sz="2000" dirty="0">
+                <a:solidFill>
+                  <a:schemeClr val="bg1"/>
+                </a:solidFill>
+                <a:latin typeface="Consolas" panose="020B0609020204030204" pitchFamily="49" charset="0"/>
+              </a:rPr>
+              <a:t> = </a:t>
+            </a:r>
+            <a:br>
+              <a:rPr lang="en-US" sz="2000" dirty="0">
+                <a:solidFill>
+                  <a:schemeClr val="bg1"/>
+                </a:solidFill>
+                <a:latin typeface="Consolas" panose="020B0609020204030204" pitchFamily="49" charset="0"/>
+              </a:rPr>
+            </a:br>
+            <a:r>
+              <a:rPr lang="en-US" sz="2000" dirty="0">
+                <a:solidFill>
+                  <a:schemeClr val="bg1"/>
+                </a:solidFill>
+                <a:latin typeface="Consolas" panose="020B0609020204030204" pitchFamily="49" charset="0"/>
+              </a:rPr>
+              <a:t>	</a:t>
+            </a:r>
+            <a:r>
+              <a:rPr lang="en-US" sz="2000" dirty="0" err="1">
+                <a:solidFill>
+                  <a:schemeClr val="bg1"/>
+                </a:solidFill>
+                <a:latin typeface="Consolas" panose="020B0609020204030204" pitchFamily="49" charset="0"/>
+              </a:rPr>
+              <a:t>ReferenceLoopHandling.Ignore</a:t>
+            </a:r>
+            <a:r>
+              <a:rPr lang="en-US" sz="2000" dirty="0">
+                <a:solidFill>
+                  <a:schemeClr val="bg1"/>
+                </a:solidFill>
+                <a:latin typeface="Consolas" panose="020B0609020204030204" pitchFamily="49" charset="0"/>
+              </a:rPr>
+              <a:t>;</a:t>
+            </a:r>
           </a:p>
         </p:txBody>
       </p:sp>
     </p:spTree>
     <p:extLst>
       <p:ext uri="{BB962C8B-B14F-4D97-AF65-F5344CB8AC3E}">
-        <p14:creationId xmlns:p14="http://schemas.microsoft.com/office/powerpoint/2010/main" val="2269037288"/>
+        <p14:creationId xmlns:p14="http://schemas.microsoft.com/office/powerpoint/2010/main" val="1741477538"/>
       </p:ext>
     </p:extLst>
   </p:cSld>
@@ -7069,19 +8737,19 @@
           <a:p>
             <a:r>
               <a:rPr lang="en-US" dirty="0"/>
-              <a:t>DTOs vs Entities vs Models</a:t>
-            </a:r>
-          </a:p>
-        </p:txBody>
-      </p:sp>
-      <p:sp>
-        <p:nvSpPr>
-          <p:cNvPr id="5" name="Content Placeholder 4"/>
+              <a:t>DTOs</a:t>
+            </a:r>
+          </a:p>
+        </p:txBody>
+      </p:sp>
+      <p:sp>
+        <p:nvSpPr>
+          <p:cNvPr id="5" name="Text Placeholder 4"/>
           <p:cNvSpPr>
             <a:spLocks noGrp="1"/>
           </p:cNvSpPr>
           <p:nvPr>
-            <p:ph idx="1"/>
+            <p:ph type="body" idx="1"/>
           </p:nvPr>
         </p:nvSpPr>
         <p:spPr/>
@@ -7096,7 +8764,7 @@
     </p:spTree>
     <p:extLst>
       <p:ext uri="{BB962C8B-B14F-4D97-AF65-F5344CB8AC3E}">
-        <p14:creationId xmlns:p14="http://schemas.microsoft.com/office/powerpoint/2010/main" val="295160623"/>
+        <p14:creationId xmlns:p14="http://schemas.microsoft.com/office/powerpoint/2010/main" val="2269037288"/>
       </p:ext>
     </p:extLst>
   </p:cSld>
@@ -7988,6 +9656,489 @@
           </a:p>
         </p:txBody>
       </p:sp>
+      <p:sp>
+        <p:nvSpPr>
+          <p:cNvPr id="4" name="Content Placeholder 2">
+            <a:extLst>
+              <a:ext uri="{FF2B5EF4-FFF2-40B4-BE49-F238E27FC236}">
+                <a16:creationId xmlns:a16="http://schemas.microsoft.com/office/drawing/2014/main" id="{0572EBA7-CFED-4B77-B216-00B2EB2FDB56}"/>
+              </a:ext>
+            </a:extLst>
+          </p:cNvPr>
+          <p:cNvSpPr txBox="1">
+            <a:spLocks/>
+          </p:cNvSpPr>
+          <p:nvPr/>
+        </p:nvSpPr>
+        <p:spPr>
+          <a:xfrm>
+            <a:off x="676656" y="2011680"/>
+            <a:ext cx="10753725" cy="4179258"/>
+          </a:xfrm>
+          <a:prstGeom prst="rect">
+            <a:avLst/>
+          </a:prstGeom>
+          <a:solidFill>
+            <a:schemeClr val="tx1"/>
+          </a:solidFill>
+        </p:spPr>
+        <p:txBody>
+          <a:bodyPr vert="horz" lIns="182880" tIns="182880" rIns="182880" bIns="182880" rtlCol="0">
+            <a:normAutofit/>
+          </a:bodyPr>
+          <a:lstStyle>
+            <a:lvl1pPr marL="91440" indent="-91440" algn="l" defTabSz="914400" rtl="0" eaLnBrk="1" latinLnBrk="0" hangingPunct="1">
+              <a:lnSpc>
+                <a:spcPct val="85000"/>
+              </a:lnSpc>
+              <a:spcBef>
+                <a:spcPts val="1300"/>
+              </a:spcBef>
+              <a:buFont typeface="Arial" pitchFamily="34" charset="0"/>
+              <a:buChar char=" "/>
+              <a:defRPr sz="2400" kern="1200">
+                <a:solidFill>
+                  <a:schemeClr val="tx1">
+                    <a:lumMod val="85000"/>
+                    <a:lumOff val="15000"/>
+                  </a:schemeClr>
+                </a:solidFill>
+                <a:latin typeface="Segoe UI" panose="020B0502040204020203" pitchFamily="34" charset="0"/>
+                <a:ea typeface="+mn-ea"/>
+                <a:cs typeface="Segoe UI" panose="020B0502040204020203" pitchFamily="34" charset="0"/>
+              </a:defRPr>
+            </a:lvl1pPr>
+            <a:lvl2pPr marL="347472" indent="-342900" algn="l" defTabSz="914400" rtl="0" eaLnBrk="1" latinLnBrk="0" hangingPunct="1">
+              <a:lnSpc>
+                <a:spcPct val="85000"/>
+              </a:lnSpc>
+              <a:spcBef>
+                <a:spcPts val="600"/>
+              </a:spcBef>
+              <a:buFont typeface="Arial" pitchFamily="34" charset="0"/>
+              <a:buChar char=" "/>
+              <a:defRPr sz="2400" kern="1200">
+                <a:solidFill>
+                  <a:schemeClr val="tx1">
+                    <a:lumMod val="85000"/>
+                    <a:lumOff val="15000"/>
+                  </a:schemeClr>
+                </a:solidFill>
+                <a:latin typeface="Segoe UI" panose="020B0502040204020203" pitchFamily="34" charset="0"/>
+                <a:ea typeface="+mn-ea"/>
+                <a:cs typeface="Segoe UI" panose="020B0502040204020203" pitchFamily="34" charset="0"/>
+              </a:defRPr>
+            </a:lvl2pPr>
+            <a:lvl3pPr marL="548640" indent="-548640" algn="l" defTabSz="914400" rtl="0" eaLnBrk="1" latinLnBrk="0" hangingPunct="1">
+              <a:lnSpc>
+                <a:spcPct val="85000"/>
+              </a:lnSpc>
+              <a:spcBef>
+                <a:spcPts val="600"/>
+              </a:spcBef>
+              <a:buFont typeface="Arial" pitchFamily="34" charset="0"/>
+              <a:buChar char=" "/>
+              <a:defRPr sz="2000" i="1" kern="1200">
+                <a:solidFill>
+                  <a:schemeClr val="tx1">
+                    <a:lumMod val="85000"/>
+                    <a:lumOff val="15000"/>
+                  </a:schemeClr>
+                </a:solidFill>
+                <a:latin typeface="Segoe UI" panose="020B0502040204020203" pitchFamily="34" charset="0"/>
+                <a:ea typeface="+mn-ea"/>
+                <a:cs typeface="Segoe UI" panose="020B0502040204020203" pitchFamily="34" charset="0"/>
+              </a:defRPr>
+            </a:lvl3pPr>
+            <a:lvl4pPr marL="822960" indent="-822960" algn="l" defTabSz="914400" rtl="0" eaLnBrk="1" latinLnBrk="0" hangingPunct="1">
+              <a:lnSpc>
+                <a:spcPct val="85000"/>
+              </a:lnSpc>
+              <a:spcBef>
+                <a:spcPts val="600"/>
+              </a:spcBef>
+              <a:buFont typeface="Arial" pitchFamily="34" charset="0"/>
+              <a:buChar char=" "/>
+              <a:defRPr sz="1800" kern="1200">
+                <a:solidFill>
+                  <a:schemeClr val="tx1">
+                    <a:lumMod val="85000"/>
+                    <a:lumOff val="15000"/>
+                  </a:schemeClr>
+                </a:solidFill>
+                <a:latin typeface="Segoe UI" panose="020B0502040204020203" pitchFamily="34" charset="0"/>
+                <a:ea typeface="+mn-ea"/>
+                <a:cs typeface="Segoe UI" panose="020B0502040204020203" pitchFamily="34" charset="0"/>
+              </a:defRPr>
+            </a:lvl4pPr>
+            <a:lvl5pPr marL="1097280" indent="-1097280" algn="l" defTabSz="914400" rtl="0" eaLnBrk="1" latinLnBrk="0" hangingPunct="1">
+              <a:lnSpc>
+                <a:spcPct val="85000"/>
+              </a:lnSpc>
+              <a:spcBef>
+                <a:spcPts val="600"/>
+              </a:spcBef>
+              <a:buFont typeface="Arial" pitchFamily="34" charset="0"/>
+              <a:buChar char=" "/>
+              <a:defRPr sz="1800" kern="1200">
+                <a:solidFill>
+                  <a:schemeClr val="tx1">
+                    <a:lumMod val="85000"/>
+                    <a:lumOff val="15000"/>
+                  </a:schemeClr>
+                </a:solidFill>
+                <a:latin typeface="Segoe UI" panose="020B0502040204020203" pitchFamily="34" charset="0"/>
+                <a:ea typeface="+mn-ea"/>
+                <a:cs typeface="Segoe UI" panose="020B0502040204020203" pitchFamily="34" charset="0"/>
+              </a:defRPr>
+            </a:lvl5pPr>
+            <a:lvl6pPr marL="1200000" indent="-228600" algn="l" defTabSz="914400" rtl="0" eaLnBrk="1" latinLnBrk="0" hangingPunct="1">
+              <a:lnSpc>
+                <a:spcPct val="85000"/>
+              </a:lnSpc>
+              <a:spcBef>
+                <a:spcPts val="600"/>
+              </a:spcBef>
+              <a:buFont typeface="Arial" pitchFamily="34" charset="0"/>
+              <a:buChar char=" "/>
+              <a:defRPr sz="1800" kern="1200">
+                <a:solidFill>
+                  <a:schemeClr val="tx1">
+                    <a:lumMod val="85000"/>
+                    <a:lumOff val="15000"/>
+                  </a:schemeClr>
+                </a:solidFill>
+                <a:latin typeface="+mn-lt"/>
+                <a:ea typeface="+mn-ea"/>
+                <a:cs typeface="+mn-cs"/>
+              </a:defRPr>
+            </a:lvl6pPr>
+            <a:lvl7pPr marL="1400000" indent="-228600" algn="l" defTabSz="914400" rtl="0" eaLnBrk="1" latinLnBrk="0" hangingPunct="1">
+              <a:lnSpc>
+                <a:spcPct val="85000"/>
+              </a:lnSpc>
+              <a:spcBef>
+                <a:spcPts val="600"/>
+              </a:spcBef>
+              <a:buFont typeface="Arial" pitchFamily="34" charset="0"/>
+              <a:buChar char=" "/>
+              <a:defRPr sz="1800" kern="1200">
+                <a:solidFill>
+                  <a:schemeClr val="tx1">
+                    <a:lumMod val="85000"/>
+                    <a:lumOff val="15000"/>
+                  </a:schemeClr>
+                </a:solidFill>
+                <a:latin typeface="+mn-lt"/>
+                <a:ea typeface="+mn-ea"/>
+                <a:cs typeface="+mn-cs"/>
+              </a:defRPr>
+            </a:lvl7pPr>
+            <a:lvl8pPr marL="1600000" indent="-228600" algn="l" defTabSz="914400" rtl="0" eaLnBrk="1" latinLnBrk="0" hangingPunct="1">
+              <a:lnSpc>
+                <a:spcPct val="85000"/>
+              </a:lnSpc>
+              <a:spcBef>
+                <a:spcPts val="600"/>
+              </a:spcBef>
+              <a:buFont typeface="Arial" pitchFamily="34" charset="0"/>
+              <a:buChar char=" "/>
+              <a:defRPr sz="1800" kern="1200">
+                <a:solidFill>
+                  <a:schemeClr val="tx1">
+                    <a:lumMod val="85000"/>
+                    <a:lumOff val="15000"/>
+                  </a:schemeClr>
+                </a:solidFill>
+                <a:latin typeface="+mn-lt"/>
+                <a:ea typeface="+mn-ea"/>
+                <a:cs typeface="+mn-cs"/>
+              </a:defRPr>
+            </a:lvl8pPr>
+            <a:lvl9pPr marL="1800000" indent="-228600" algn="l" defTabSz="914400" rtl="0" eaLnBrk="1" latinLnBrk="0" hangingPunct="1">
+              <a:lnSpc>
+                <a:spcPct val="85000"/>
+              </a:lnSpc>
+              <a:spcBef>
+                <a:spcPts val="600"/>
+              </a:spcBef>
+              <a:buFont typeface="Arial" pitchFamily="34" charset="0"/>
+              <a:buChar char=" "/>
+              <a:defRPr sz="1800" kern="1200">
+                <a:solidFill>
+                  <a:schemeClr val="tx1">
+                    <a:lumMod val="85000"/>
+                    <a:lumOff val="15000"/>
+                  </a:schemeClr>
+                </a:solidFill>
+                <a:latin typeface="+mn-lt"/>
+                <a:ea typeface="+mn-ea"/>
+                <a:cs typeface="+mn-cs"/>
+              </a:defRPr>
+            </a:lvl9pPr>
+          </a:lstStyle>
+          <a:p>
+            <a:pPr>
+              <a:lnSpc>
+                <a:spcPct val="100000"/>
+              </a:lnSpc>
+              <a:spcBef>
+                <a:spcPts val="0"/>
+              </a:spcBef>
+            </a:pPr>
+            <a:r>
+              <a:rPr lang="en-US" dirty="0" err="1">
+                <a:solidFill>
+                  <a:schemeClr val="bg1"/>
+                </a:solidFill>
+                <a:latin typeface="Consolas" panose="020B0609020204030204" pitchFamily="49" charset="0"/>
+              </a:rPr>
+              <a:t>var</a:t>
+            </a:r>
+            <a:r>
+              <a:rPr lang="en-US" dirty="0">
+                <a:solidFill>
+                  <a:schemeClr val="bg1"/>
+                </a:solidFill>
+                <a:latin typeface="Consolas" panose="020B0609020204030204" pitchFamily="49" charset="0"/>
+              </a:rPr>
+              <a:t> config = new </a:t>
+            </a:r>
+            <a:r>
+              <a:rPr lang="en-US" dirty="0" err="1">
+                <a:solidFill>
+                  <a:schemeClr val="bg1"/>
+                </a:solidFill>
+                <a:latin typeface="Consolas" panose="020B0609020204030204" pitchFamily="49" charset="0"/>
+              </a:rPr>
+              <a:t>MapperConfiguration</a:t>
+            </a:r>
+            <a:r>
+              <a:rPr lang="en-US" dirty="0">
+                <a:solidFill>
+                  <a:schemeClr val="bg1"/>
+                </a:solidFill>
+                <a:latin typeface="Consolas" panose="020B0609020204030204" pitchFamily="49" charset="0"/>
+              </a:rPr>
+              <a:t>(</a:t>
+            </a:r>
+            <a:r>
+              <a:rPr lang="en-US" dirty="0" err="1">
+                <a:solidFill>
+                  <a:schemeClr val="bg1"/>
+                </a:solidFill>
+                <a:latin typeface="Consolas" panose="020B0609020204030204" pitchFamily="49" charset="0"/>
+              </a:rPr>
+              <a:t>cfg</a:t>
+            </a:r>
+            <a:r>
+              <a:rPr lang="en-US" dirty="0">
+                <a:solidFill>
+                  <a:schemeClr val="bg1"/>
+                </a:solidFill>
+                <a:latin typeface="Consolas" panose="020B0609020204030204" pitchFamily="49" charset="0"/>
+              </a:rPr>
+              <a:t> =&gt; 	</a:t>
+            </a:r>
+            <a:r>
+              <a:rPr lang="en-US" dirty="0" err="1">
+                <a:solidFill>
+                  <a:schemeClr val="bg1"/>
+                </a:solidFill>
+                <a:latin typeface="Consolas" panose="020B0609020204030204" pitchFamily="49" charset="0"/>
+              </a:rPr>
+              <a:t>cfg.CreateMap</a:t>
+            </a:r>
+            <a:r>
+              <a:rPr lang="en-US" dirty="0">
+                <a:solidFill>
+                  <a:schemeClr val="bg1"/>
+                </a:solidFill>
+                <a:latin typeface="Consolas" panose="020B0609020204030204" pitchFamily="49" charset="0"/>
+              </a:rPr>
+              <a:t>&lt;Order, </a:t>
+            </a:r>
+            <a:r>
+              <a:rPr lang="en-US" dirty="0" err="1">
+                <a:solidFill>
+                  <a:schemeClr val="bg1"/>
+                </a:solidFill>
+                <a:latin typeface="Consolas" panose="020B0609020204030204" pitchFamily="49" charset="0"/>
+              </a:rPr>
+              <a:t>OrderDto</a:t>
+            </a:r>
+            <a:r>
+              <a:rPr lang="en-US" dirty="0">
+                <a:solidFill>
+                  <a:schemeClr val="bg1"/>
+                </a:solidFill>
+                <a:latin typeface="Consolas" panose="020B0609020204030204" pitchFamily="49" charset="0"/>
+              </a:rPr>
+              <a:t>&gt;());</a:t>
+            </a:r>
+          </a:p>
+          <a:p>
+            <a:pPr>
+              <a:lnSpc>
+                <a:spcPct val="100000"/>
+              </a:lnSpc>
+              <a:spcBef>
+                <a:spcPts val="0"/>
+              </a:spcBef>
+            </a:pPr>
+            <a:endParaRPr lang="en-US" dirty="0">
+              <a:solidFill>
+                <a:schemeClr val="bg1"/>
+              </a:solidFill>
+              <a:latin typeface="Consolas" panose="020B0609020204030204" pitchFamily="49" charset="0"/>
+            </a:endParaRPr>
+          </a:p>
+          <a:p>
+            <a:pPr>
+              <a:lnSpc>
+                <a:spcPct val="100000"/>
+              </a:lnSpc>
+              <a:spcBef>
+                <a:spcPts val="0"/>
+              </a:spcBef>
+            </a:pPr>
+            <a:r>
+              <a:rPr lang="en-US" dirty="0" err="1">
+                <a:solidFill>
+                  <a:schemeClr val="bg1"/>
+                </a:solidFill>
+                <a:latin typeface="Consolas" panose="020B0609020204030204" pitchFamily="49" charset="0"/>
+              </a:rPr>
+              <a:t>var</a:t>
+            </a:r>
+            <a:r>
+              <a:rPr lang="en-US" dirty="0">
+                <a:solidFill>
+                  <a:schemeClr val="bg1"/>
+                </a:solidFill>
+                <a:latin typeface="Consolas" panose="020B0609020204030204" pitchFamily="49" charset="0"/>
+              </a:rPr>
+              <a:t> mapper = </a:t>
+            </a:r>
+            <a:r>
+              <a:rPr lang="en-US" dirty="0" err="1">
+                <a:solidFill>
+                  <a:schemeClr val="bg1"/>
+                </a:solidFill>
+                <a:latin typeface="Consolas" panose="020B0609020204030204" pitchFamily="49" charset="0"/>
+              </a:rPr>
+              <a:t>config.CreateMapper</a:t>
+            </a:r>
+            <a:r>
+              <a:rPr lang="en-US" dirty="0">
+                <a:solidFill>
+                  <a:schemeClr val="bg1"/>
+                </a:solidFill>
+                <a:latin typeface="Consolas" panose="020B0609020204030204" pitchFamily="49" charset="0"/>
+              </a:rPr>
+              <a:t>();</a:t>
+            </a:r>
+          </a:p>
+          <a:p>
+            <a:pPr>
+              <a:lnSpc>
+                <a:spcPct val="100000"/>
+              </a:lnSpc>
+              <a:spcBef>
+                <a:spcPts val="0"/>
+              </a:spcBef>
+            </a:pPr>
+            <a:endParaRPr lang="en-US" dirty="0">
+              <a:solidFill>
+                <a:schemeClr val="bg1"/>
+              </a:solidFill>
+              <a:latin typeface="Consolas" panose="020B0609020204030204" pitchFamily="49" charset="0"/>
+            </a:endParaRPr>
+          </a:p>
+          <a:p>
+            <a:pPr>
+              <a:lnSpc>
+                <a:spcPct val="100000"/>
+              </a:lnSpc>
+              <a:spcBef>
+                <a:spcPts val="0"/>
+              </a:spcBef>
+            </a:pPr>
+            <a:r>
+              <a:rPr lang="en-US" dirty="0" err="1">
+                <a:solidFill>
+                  <a:schemeClr val="bg1"/>
+                </a:solidFill>
+                <a:latin typeface="Consolas" panose="020B0609020204030204" pitchFamily="49" charset="0"/>
+              </a:rPr>
+              <a:t>OrderDto</a:t>
+            </a:r>
+            <a:r>
+              <a:rPr lang="en-US" dirty="0">
+                <a:solidFill>
+                  <a:schemeClr val="bg1"/>
+                </a:solidFill>
+                <a:latin typeface="Consolas" panose="020B0609020204030204" pitchFamily="49" charset="0"/>
+              </a:rPr>
+              <a:t> </a:t>
+            </a:r>
+            <a:r>
+              <a:rPr lang="en-US" dirty="0" err="1">
+                <a:solidFill>
+                  <a:schemeClr val="bg1"/>
+                </a:solidFill>
+                <a:latin typeface="Consolas" panose="020B0609020204030204" pitchFamily="49" charset="0"/>
+              </a:rPr>
+              <a:t>dto</a:t>
+            </a:r>
+            <a:r>
+              <a:rPr lang="en-US" dirty="0">
+                <a:solidFill>
+                  <a:schemeClr val="bg1"/>
+                </a:solidFill>
+                <a:latin typeface="Consolas" panose="020B0609020204030204" pitchFamily="49" charset="0"/>
+              </a:rPr>
+              <a:t> = </a:t>
+            </a:r>
+            <a:r>
+              <a:rPr lang="en-US" dirty="0" err="1">
+                <a:solidFill>
+                  <a:schemeClr val="bg1"/>
+                </a:solidFill>
+                <a:latin typeface="Consolas" panose="020B0609020204030204" pitchFamily="49" charset="0"/>
+              </a:rPr>
+              <a:t>mapper.Map</a:t>
+            </a:r>
+            <a:r>
+              <a:rPr lang="en-US" dirty="0">
+                <a:solidFill>
+                  <a:schemeClr val="bg1"/>
+                </a:solidFill>
+                <a:latin typeface="Consolas" panose="020B0609020204030204" pitchFamily="49" charset="0"/>
+              </a:rPr>
+              <a:t>&lt;</a:t>
+            </a:r>
+            <a:r>
+              <a:rPr lang="en-US" dirty="0" err="1">
+                <a:solidFill>
+                  <a:schemeClr val="bg1"/>
+                </a:solidFill>
+                <a:latin typeface="Consolas" panose="020B0609020204030204" pitchFamily="49" charset="0"/>
+              </a:rPr>
+              <a:t>OrderDto</a:t>
+            </a:r>
+            <a:r>
+              <a:rPr lang="en-US" dirty="0">
+                <a:solidFill>
+                  <a:schemeClr val="bg1"/>
+                </a:solidFill>
+                <a:latin typeface="Consolas" panose="020B0609020204030204" pitchFamily="49" charset="0"/>
+              </a:rPr>
+              <a:t>&gt;(order);</a:t>
+            </a:r>
+          </a:p>
+        </p:txBody>
+      </p:sp>
     </p:spTree>
     <p:extLst>
       <p:ext uri="{BB962C8B-B14F-4D97-AF65-F5344CB8AC3E}">
@@ -8126,7 +10277,16 @@
           <a:bodyPr/>
           <a:lstStyle/>
           <a:p>
-            <a:endParaRPr lang="en-US" dirty="0"/>
+            <a:r>
+              <a:rPr lang="en-US" dirty="0"/>
+              <a:t>Mapping done by convention</a:t>
+            </a:r>
+          </a:p>
+          <a:p>
+            <a:r>
+              <a:rPr lang="en-US" dirty="0"/>
+              <a:t>Can be overridden</a:t>
+            </a:r>
           </a:p>
         </p:txBody>
       </p:sp>
@@ -8192,20 +10352,480 @@
       </p:sp>
       <p:sp>
         <p:nvSpPr>
-          <p:cNvPr id="3" name="Content Placeholder 2"/>
-          <p:cNvSpPr>
+          <p:cNvPr id="4" name="Content Placeholder 2">
+            <a:extLst>
+              <a:ext uri="{FF2B5EF4-FFF2-40B4-BE49-F238E27FC236}">
+                <a16:creationId xmlns:a16="http://schemas.microsoft.com/office/drawing/2014/main" id="{D7B202AE-F8D2-4880-92BB-7A5961130B84}"/>
+              </a:ext>
+            </a:extLst>
+          </p:cNvPr>
+          <p:cNvSpPr txBox="1">
             <a:spLocks noGrp="1"/>
           </p:cNvSpPr>
           <p:nvPr>
             <p:ph idx="1"/>
           </p:nvPr>
         </p:nvSpPr>
-        <p:spPr/>
-        <p:txBody>
-          <a:bodyPr/>
-          <a:lstStyle/>
-          <a:p>
-            <a:endParaRPr lang="en-US"/>
+        <p:spPr>
+          <a:prstGeom prst="rect">
+            <a:avLst/>
+          </a:prstGeom>
+          <a:solidFill>
+            <a:schemeClr val="tx1"/>
+          </a:solidFill>
+        </p:spPr>
+        <p:txBody>
+          <a:bodyPr vert="horz" lIns="182880" tIns="182880" rIns="182880" bIns="182880" rtlCol="0">
+            <a:normAutofit/>
+          </a:bodyPr>
+          <a:lstStyle>
+            <a:lvl1pPr marL="91440" indent="-91440" algn="l" defTabSz="914400" rtl="0" eaLnBrk="1" latinLnBrk="0" hangingPunct="1">
+              <a:lnSpc>
+                <a:spcPct val="85000"/>
+              </a:lnSpc>
+              <a:spcBef>
+                <a:spcPts val="1300"/>
+              </a:spcBef>
+              <a:buFont typeface="Arial" pitchFamily="34" charset="0"/>
+              <a:buChar char=" "/>
+              <a:defRPr sz="2400" kern="1200">
+                <a:solidFill>
+                  <a:schemeClr val="tx1">
+                    <a:lumMod val="85000"/>
+                    <a:lumOff val="15000"/>
+                  </a:schemeClr>
+                </a:solidFill>
+                <a:latin typeface="Segoe UI" panose="020B0502040204020203" pitchFamily="34" charset="0"/>
+                <a:ea typeface="+mn-ea"/>
+                <a:cs typeface="Segoe UI" panose="020B0502040204020203" pitchFamily="34" charset="0"/>
+              </a:defRPr>
+            </a:lvl1pPr>
+            <a:lvl2pPr marL="347472" indent="-342900" algn="l" defTabSz="914400" rtl="0" eaLnBrk="1" latinLnBrk="0" hangingPunct="1">
+              <a:lnSpc>
+                <a:spcPct val="85000"/>
+              </a:lnSpc>
+              <a:spcBef>
+                <a:spcPts val="600"/>
+              </a:spcBef>
+              <a:buFont typeface="Arial" pitchFamily="34" charset="0"/>
+              <a:buChar char=" "/>
+              <a:defRPr sz="2400" kern="1200">
+                <a:solidFill>
+                  <a:schemeClr val="tx1">
+                    <a:lumMod val="85000"/>
+                    <a:lumOff val="15000"/>
+                  </a:schemeClr>
+                </a:solidFill>
+                <a:latin typeface="Segoe UI" panose="020B0502040204020203" pitchFamily="34" charset="0"/>
+                <a:ea typeface="+mn-ea"/>
+                <a:cs typeface="Segoe UI" panose="020B0502040204020203" pitchFamily="34" charset="0"/>
+              </a:defRPr>
+            </a:lvl2pPr>
+            <a:lvl3pPr marL="548640" indent="-548640" algn="l" defTabSz="914400" rtl="0" eaLnBrk="1" latinLnBrk="0" hangingPunct="1">
+              <a:lnSpc>
+                <a:spcPct val="85000"/>
+              </a:lnSpc>
+              <a:spcBef>
+                <a:spcPts val="600"/>
+              </a:spcBef>
+              <a:buFont typeface="Arial" pitchFamily="34" charset="0"/>
+              <a:buChar char=" "/>
+              <a:defRPr sz="2000" i="1" kern="1200">
+                <a:solidFill>
+                  <a:schemeClr val="tx1">
+                    <a:lumMod val="85000"/>
+                    <a:lumOff val="15000"/>
+                  </a:schemeClr>
+                </a:solidFill>
+                <a:latin typeface="Segoe UI" panose="020B0502040204020203" pitchFamily="34" charset="0"/>
+                <a:ea typeface="+mn-ea"/>
+                <a:cs typeface="Segoe UI" panose="020B0502040204020203" pitchFamily="34" charset="0"/>
+              </a:defRPr>
+            </a:lvl3pPr>
+            <a:lvl4pPr marL="822960" indent="-822960" algn="l" defTabSz="914400" rtl="0" eaLnBrk="1" latinLnBrk="0" hangingPunct="1">
+              <a:lnSpc>
+                <a:spcPct val="85000"/>
+              </a:lnSpc>
+              <a:spcBef>
+                <a:spcPts val="600"/>
+              </a:spcBef>
+              <a:buFont typeface="Arial" pitchFamily="34" charset="0"/>
+              <a:buChar char=" "/>
+              <a:defRPr sz="1800" kern="1200">
+                <a:solidFill>
+                  <a:schemeClr val="tx1">
+                    <a:lumMod val="85000"/>
+                    <a:lumOff val="15000"/>
+                  </a:schemeClr>
+                </a:solidFill>
+                <a:latin typeface="Segoe UI" panose="020B0502040204020203" pitchFamily="34" charset="0"/>
+                <a:ea typeface="+mn-ea"/>
+                <a:cs typeface="Segoe UI" panose="020B0502040204020203" pitchFamily="34" charset="0"/>
+              </a:defRPr>
+            </a:lvl4pPr>
+            <a:lvl5pPr marL="1097280" indent="-1097280" algn="l" defTabSz="914400" rtl="0" eaLnBrk="1" latinLnBrk="0" hangingPunct="1">
+              <a:lnSpc>
+                <a:spcPct val="85000"/>
+              </a:lnSpc>
+              <a:spcBef>
+                <a:spcPts val="600"/>
+              </a:spcBef>
+              <a:buFont typeface="Arial" pitchFamily="34" charset="0"/>
+              <a:buChar char=" "/>
+              <a:defRPr sz="1800" kern="1200">
+                <a:solidFill>
+                  <a:schemeClr val="tx1">
+                    <a:lumMod val="85000"/>
+                    <a:lumOff val="15000"/>
+                  </a:schemeClr>
+                </a:solidFill>
+                <a:latin typeface="Segoe UI" panose="020B0502040204020203" pitchFamily="34" charset="0"/>
+                <a:ea typeface="+mn-ea"/>
+                <a:cs typeface="Segoe UI" panose="020B0502040204020203" pitchFamily="34" charset="0"/>
+              </a:defRPr>
+            </a:lvl5pPr>
+            <a:lvl6pPr marL="1200000" indent="-228600" algn="l" defTabSz="914400" rtl="0" eaLnBrk="1" latinLnBrk="0" hangingPunct="1">
+              <a:lnSpc>
+                <a:spcPct val="85000"/>
+              </a:lnSpc>
+              <a:spcBef>
+                <a:spcPts val="600"/>
+              </a:spcBef>
+              <a:buFont typeface="Arial" pitchFamily="34" charset="0"/>
+              <a:buChar char=" "/>
+              <a:defRPr sz="1800" kern="1200">
+                <a:solidFill>
+                  <a:schemeClr val="tx1">
+                    <a:lumMod val="85000"/>
+                    <a:lumOff val="15000"/>
+                  </a:schemeClr>
+                </a:solidFill>
+                <a:latin typeface="+mn-lt"/>
+                <a:ea typeface="+mn-ea"/>
+                <a:cs typeface="+mn-cs"/>
+              </a:defRPr>
+            </a:lvl6pPr>
+            <a:lvl7pPr marL="1400000" indent="-228600" algn="l" defTabSz="914400" rtl="0" eaLnBrk="1" latinLnBrk="0" hangingPunct="1">
+              <a:lnSpc>
+                <a:spcPct val="85000"/>
+              </a:lnSpc>
+              <a:spcBef>
+                <a:spcPts val="600"/>
+              </a:spcBef>
+              <a:buFont typeface="Arial" pitchFamily="34" charset="0"/>
+              <a:buChar char=" "/>
+              <a:defRPr sz="1800" kern="1200">
+                <a:solidFill>
+                  <a:schemeClr val="tx1">
+                    <a:lumMod val="85000"/>
+                    <a:lumOff val="15000"/>
+                  </a:schemeClr>
+                </a:solidFill>
+                <a:latin typeface="+mn-lt"/>
+                <a:ea typeface="+mn-ea"/>
+                <a:cs typeface="+mn-cs"/>
+              </a:defRPr>
+            </a:lvl7pPr>
+            <a:lvl8pPr marL="1600000" indent="-228600" algn="l" defTabSz="914400" rtl="0" eaLnBrk="1" latinLnBrk="0" hangingPunct="1">
+              <a:lnSpc>
+                <a:spcPct val="85000"/>
+              </a:lnSpc>
+              <a:spcBef>
+                <a:spcPts val="600"/>
+              </a:spcBef>
+              <a:buFont typeface="Arial" pitchFamily="34" charset="0"/>
+              <a:buChar char=" "/>
+              <a:defRPr sz="1800" kern="1200">
+                <a:solidFill>
+                  <a:schemeClr val="tx1">
+                    <a:lumMod val="85000"/>
+                    <a:lumOff val="15000"/>
+                  </a:schemeClr>
+                </a:solidFill>
+                <a:latin typeface="+mn-lt"/>
+                <a:ea typeface="+mn-ea"/>
+                <a:cs typeface="+mn-cs"/>
+              </a:defRPr>
+            </a:lvl8pPr>
+            <a:lvl9pPr marL="1800000" indent="-228600" algn="l" defTabSz="914400" rtl="0" eaLnBrk="1" latinLnBrk="0" hangingPunct="1">
+              <a:lnSpc>
+                <a:spcPct val="85000"/>
+              </a:lnSpc>
+              <a:spcBef>
+                <a:spcPts val="600"/>
+              </a:spcBef>
+              <a:buFont typeface="Arial" pitchFamily="34" charset="0"/>
+              <a:buChar char=" "/>
+              <a:defRPr sz="1800" kern="1200">
+                <a:solidFill>
+                  <a:schemeClr val="tx1">
+                    <a:lumMod val="85000"/>
+                    <a:lumOff val="15000"/>
+                  </a:schemeClr>
+                </a:solidFill>
+                <a:latin typeface="+mn-lt"/>
+                <a:ea typeface="+mn-ea"/>
+                <a:cs typeface="+mn-cs"/>
+              </a:defRPr>
+            </a:lvl9pPr>
+          </a:lstStyle>
+          <a:p>
+            <a:pPr>
+              <a:lnSpc>
+                <a:spcPct val="100000"/>
+              </a:lnSpc>
+              <a:spcBef>
+                <a:spcPts val="0"/>
+              </a:spcBef>
+            </a:pPr>
+            <a:r>
+              <a:rPr lang="en-US" dirty="0">
+                <a:solidFill>
+                  <a:schemeClr val="bg1"/>
+                </a:solidFill>
+                <a:latin typeface="Consolas" panose="020B0609020204030204" pitchFamily="49" charset="0"/>
+              </a:rPr>
+              <a:t>[</a:t>
+            </a:r>
+            <a:r>
+              <a:rPr lang="en-US" dirty="0" err="1">
+                <a:solidFill>
+                  <a:schemeClr val="bg1"/>
+                </a:solidFill>
+                <a:latin typeface="Consolas" panose="020B0609020204030204" pitchFamily="49" charset="0"/>
+              </a:rPr>
+              <a:t>HttpPost</a:t>
+            </a:r>
+            <a:r>
+              <a:rPr lang="en-US" dirty="0">
+                <a:solidFill>
+                  <a:schemeClr val="bg1"/>
+                </a:solidFill>
+                <a:latin typeface="Consolas" panose="020B0609020204030204" pitchFamily="49" charset="0"/>
+              </a:rPr>
+              <a:t>]</a:t>
+            </a:r>
+          </a:p>
+          <a:p>
+            <a:pPr>
+              <a:lnSpc>
+                <a:spcPct val="100000"/>
+              </a:lnSpc>
+              <a:spcBef>
+                <a:spcPts val="0"/>
+              </a:spcBef>
+            </a:pPr>
+            <a:r>
+              <a:rPr lang="en-US" dirty="0">
+                <a:solidFill>
+                  <a:schemeClr val="bg1"/>
+                </a:solidFill>
+                <a:latin typeface="Consolas" panose="020B0609020204030204" pitchFamily="49" charset="0"/>
+              </a:rPr>
+              <a:t>public void Post(</a:t>
+            </a:r>
+            <a:r>
+              <a:rPr lang="en-US" dirty="0" err="1">
+                <a:solidFill>
+                  <a:schemeClr val="bg1"/>
+                </a:solidFill>
+                <a:latin typeface="Consolas" panose="020B0609020204030204" pitchFamily="49" charset="0"/>
+              </a:rPr>
+              <a:t>AddValueCommand</a:t>
+            </a:r>
+            <a:r>
+              <a:rPr lang="en-US" dirty="0">
+                <a:solidFill>
+                  <a:schemeClr val="bg1"/>
+                </a:solidFill>
+                <a:latin typeface="Consolas" panose="020B0609020204030204" pitchFamily="49" charset="0"/>
+              </a:rPr>
+              <a:t> command)</a:t>
+            </a:r>
+          </a:p>
+          <a:p>
+            <a:pPr>
+              <a:lnSpc>
+                <a:spcPct val="100000"/>
+              </a:lnSpc>
+              <a:spcBef>
+                <a:spcPts val="0"/>
+              </a:spcBef>
+            </a:pPr>
+            <a:r>
+              <a:rPr lang="en-US" dirty="0">
+                <a:solidFill>
+                  <a:schemeClr val="bg1"/>
+                </a:solidFill>
+                <a:latin typeface="Consolas" panose="020B0609020204030204" pitchFamily="49" charset="0"/>
+              </a:rPr>
+              <a:t>{</a:t>
+            </a:r>
+          </a:p>
+          <a:p>
+            <a:pPr>
+              <a:lnSpc>
+                <a:spcPct val="100000"/>
+              </a:lnSpc>
+              <a:spcBef>
+                <a:spcPts val="0"/>
+              </a:spcBef>
+            </a:pPr>
+            <a:r>
+              <a:rPr lang="en-US" dirty="0">
+                <a:solidFill>
+                  <a:schemeClr val="bg1"/>
+                </a:solidFill>
+                <a:latin typeface="Consolas" panose="020B0609020204030204" pitchFamily="49" charset="0"/>
+              </a:rPr>
+              <a:t>}</a:t>
+            </a:r>
+          </a:p>
+          <a:p>
+            <a:pPr>
+              <a:lnSpc>
+                <a:spcPct val="100000"/>
+              </a:lnSpc>
+              <a:spcBef>
+                <a:spcPts val="0"/>
+              </a:spcBef>
+            </a:pPr>
+            <a:endParaRPr lang="en-US" dirty="0">
+              <a:solidFill>
+                <a:schemeClr val="bg1"/>
+              </a:solidFill>
+              <a:latin typeface="Consolas" panose="020B0609020204030204" pitchFamily="49" charset="0"/>
+            </a:endParaRPr>
+          </a:p>
+          <a:p>
+            <a:pPr>
+              <a:lnSpc>
+                <a:spcPct val="100000"/>
+              </a:lnSpc>
+              <a:spcBef>
+                <a:spcPts val="0"/>
+              </a:spcBef>
+            </a:pPr>
+            <a:r>
+              <a:rPr lang="en-US" dirty="0">
+                <a:solidFill>
+                  <a:schemeClr val="bg1"/>
+                </a:solidFill>
+                <a:latin typeface="Consolas" panose="020B0609020204030204" pitchFamily="49" charset="0"/>
+              </a:rPr>
+              <a:t>[</a:t>
+            </a:r>
+            <a:r>
+              <a:rPr lang="en-US" dirty="0" err="1">
+                <a:solidFill>
+                  <a:schemeClr val="bg1"/>
+                </a:solidFill>
+                <a:latin typeface="Consolas" panose="020B0609020204030204" pitchFamily="49" charset="0"/>
+              </a:rPr>
+              <a:t>HttpPost</a:t>
+            </a:r>
+            <a:r>
+              <a:rPr lang="en-US" dirty="0">
+                <a:solidFill>
+                  <a:schemeClr val="bg1"/>
+                </a:solidFill>
+                <a:latin typeface="Consolas" panose="020B0609020204030204" pitchFamily="49" charset="0"/>
+              </a:rPr>
+              <a:t>]</a:t>
+            </a:r>
+          </a:p>
+          <a:p>
+            <a:pPr>
+              <a:lnSpc>
+                <a:spcPct val="100000"/>
+              </a:lnSpc>
+              <a:spcBef>
+                <a:spcPts val="0"/>
+              </a:spcBef>
+            </a:pPr>
+            <a:r>
+              <a:rPr lang="en-US" dirty="0">
+                <a:solidFill>
+                  <a:schemeClr val="bg1"/>
+                </a:solidFill>
+                <a:latin typeface="Consolas" panose="020B0609020204030204" pitchFamily="49" charset="0"/>
+              </a:rPr>
+              <a:t>public void Post([</a:t>
+            </a:r>
+            <a:r>
+              <a:rPr lang="en-US" dirty="0" err="1">
+                <a:solidFill>
+                  <a:schemeClr val="bg1"/>
+                </a:solidFill>
+                <a:latin typeface="Consolas" panose="020B0609020204030204" pitchFamily="49" charset="0"/>
+              </a:rPr>
+              <a:t>FromBody</a:t>
+            </a:r>
+            <a:r>
+              <a:rPr lang="en-US" dirty="0">
+                <a:solidFill>
+                  <a:schemeClr val="bg1"/>
+                </a:solidFill>
+                <a:latin typeface="Consolas" panose="020B0609020204030204" pitchFamily="49" charset="0"/>
+              </a:rPr>
+              <a:t>]</a:t>
+            </a:r>
+            <a:r>
+              <a:rPr lang="en-US" dirty="0" err="1">
+                <a:solidFill>
+                  <a:schemeClr val="bg1"/>
+                </a:solidFill>
+                <a:latin typeface="Consolas" panose="020B0609020204030204" pitchFamily="49" charset="0"/>
+              </a:rPr>
+              <a:t>AddValueCommand</a:t>
+            </a:r>
+            <a:r>
+              <a:rPr lang="en-US" dirty="0">
+                <a:solidFill>
+                  <a:schemeClr val="bg1"/>
+                </a:solidFill>
+                <a:latin typeface="Consolas" panose="020B0609020204030204" pitchFamily="49" charset="0"/>
+              </a:rPr>
+              <a:t> command)</a:t>
+            </a:r>
+          </a:p>
+          <a:p>
+            <a:pPr>
+              <a:lnSpc>
+                <a:spcPct val="100000"/>
+              </a:lnSpc>
+              <a:spcBef>
+                <a:spcPts val="0"/>
+              </a:spcBef>
+            </a:pPr>
+            <a:r>
+              <a:rPr lang="en-US" dirty="0">
+                <a:solidFill>
+                  <a:schemeClr val="bg1"/>
+                </a:solidFill>
+                <a:latin typeface="Consolas" panose="020B0609020204030204" pitchFamily="49" charset="0"/>
+              </a:rPr>
+              <a:t>{</a:t>
+            </a:r>
+          </a:p>
+          <a:p>
+            <a:pPr>
+              <a:lnSpc>
+                <a:spcPct val="100000"/>
+              </a:lnSpc>
+              <a:spcBef>
+                <a:spcPts val="0"/>
+              </a:spcBef>
+            </a:pPr>
+            <a:r>
+              <a:rPr lang="en-US" dirty="0">
+                <a:solidFill>
+                  <a:schemeClr val="bg1"/>
+                </a:solidFill>
+                <a:latin typeface="Consolas" panose="020B0609020204030204" pitchFamily="49" charset="0"/>
+              </a:rPr>
+              <a:t>}</a:t>
+            </a:r>
           </a:p>
         </p:txBody>
       </p:sp>
@@ -8271,20 +10891,425 @@
       </p:sp>
       <p:sp>
         <p:nvSpPr>
-          <p:cNvPr id="3" name="Content Placeholder 2"/>
-          <p:cNvSpPr>
+          <p:cNvPr id="5" name="Content Placeholder 2">
+            <a:extLst>
+              <a:ext uri="{FF2B5EF4-FFF2-40B4-BE49-F238E27FC236}">
+                <a16:creationId xmlns:a16="http://schemas.microsoft.com/office/drawing/2014/main" id="{F3340E2D-4C2B-4F2A-BA68-3EC0FA4ED40F}"/>
+              </a:ext>
+            </a:extLst>
+          </p:cNvPr>
+          <p:cNvSpPr txBox="1">
             <a:spLocks noGrp="1"/>
           </p:cNvSpPr>
           <p:nvPr>
             <p:ph idx="1"/>
           </p:nvPr>
         </p:nvSpPr>
-        <p:spPr/>
-        <p:txBody>
-          <a:bodyPr/>
-          <a:lstStyle/>
-          <a:p>
-            <a:endParaRPr lang="en-US"/>
+        <p:spPr>
+          <a:prstGeom prst="rect">
+            <a:avLst/>
+          </a:prstGeom>
+          <a:solidFill>
+            <a:schemeClr val="tx1"/>
+          </a:solidFill>
+        </p:spPr>
+        <p:txBody>
+          <a:bodyPr vert="horz" lIns="182880" tIns="182880" rIns="182880" bIns="182880" rtlCol="0">
+            <a:normAutofit/>
+          </a:bodyPr>
+          <a:lstStyle>
+            <a:lvl1pPr marL="91440" indent="-91440" algn="l" defTabSz="914400" rtl="0" eaLnBrk="1" latinLnBrk="0" hangingPunct="1">
+              <a:lnSpc>
+                <a:spcPct val="85000"/>
+              </a:lnSpc>
+              <a:spcBef>
+                <a:spcPts val="1300"/>
+              </a:spcBef>
+              <a:buFont typeface="Arial" pitchFamily="34" charset="0"/>
+              <a:buChar char=" "/>
+              <a:defRPr sz="2400" kern="1200">
+                <a:solidFill>
+                  <a:schemeClr val="tx1">
+                    <a:lumMod val="85000"/>
+                    <a:lumOff val="15000"/>
+                  </a:schemeClr>
+                </a:solidFill>
+                <a:latin typeface="Segoe UI" panose="020B0502040204020203" pitchFamily="34" charset="0"/>
+                <a:ea typeface="+mn-ea"/>
+                <a:cs typeface="Segoe UI" panose="020B0502040204020203" pitchFamily="34" charset="0"/>
+              </a:defRPr>
+            </a:lvl1pPr>
+            <a:lvl2pPr marL="347472" indent="-342900" algn="l" defTabSz="914400" rtl="0" eaLnBrk="1" latinLnBrk="0" hangingPunct="1">
+              <a:lnSpc>
+                <a:spcPct val="85000"/>
+              </a:lnSpc>
+              <a:spcBef>
+                <a:spcPts val="600"/>
+              </a:spcBef>
+              <a:buFont typeface="Arial" pitchFamily="34" charset="0"/>
+              <a:buChar char=" "/>
+              <a:defRPr sz="2400" kern="1200">
+                <a:solidFill>
+                  <a:schemeClr val="tx1">
+                    <a:lumMod val="85000"/>
+                    <a:lumOff val="15000"/>
+                  </a:schemeClr>
+                </a:solidFill>
+                <a:latin typeface="Segoe UI" panose="020B0502040204020203" pitchFamily="34" charset="0"/>
+                <a:ea typeface="+mn-ea"/>
+                <a:cs typeface="Segoe UI" panose="020B0502040204020203" pitchFamily="34" charset="0"/>
+              </a:defRPr>
+            </a:lvl2pPr>
+            <a:lvl3pPr marL="548640" indent="-548640" algn="l" defTabSz="914400" rtl="0" eaLnBrk="1" latinLnBrk="0" hangingPunct="1">
+              <a:lnSpc>
+                <a:spcPct val="85000"/>
+              </a:lnSpc>
+              <a:spcBef>
+                <a:spcPts val="600"/>
+              </a:spcBef>
+              <a:buFont typeface="Arial" pitchFamily="34" charset="0"/>
+              <a:buChar char=" "/>
+              <a:defRPr sz="2000" i="1" kern="1200">
+                <a:solidFill>
+                  <a:schemeClr val="tx1">
+                    <a:lumMod val="85000"/>
+                    <a:lumOff val="15000"/>
+                  </a:schemeClr>
+                </a:solidFill>
+                <a:latin typeface="Segoe UI" panose="020B0502040204020203" pitchFamily="34" charset="0"/>
+                <a:ea typeface="+mn-ea"/>
+                <a:cs typeface="Segoe UI" panose="020B0502040204020203" pitchFamily="34" charset="0"/>
+              </a:defRPr>
+            </a:lvl3pPr>
+            <a:lvl4pPr marL="822960" indent="-822960" algn="l" defTabSz="914400" rtl="0" eaLnBrk="1" latinLnBrk="0" hangingPunct="1">
+              <a:lnSpc>
+                <a:spcPct val="85000"/>
+              </a:lnSpc>
+              <a:spcBef>
+                <a:spcPts val="600"/>
+              </a:spcBef>
+              <a:buFont typeface="Arial" pitchFamily="34" charset="0"/>
+              <a:buChar char=" "/>
+              <a:defRPr sz="1800" kern="1200">
+                <a:solidFill>
+                  <a:schemeClr val="tx1">
+                    <a:lumMod val="85000"/>
+                    <a:lumOff val="15000"/>
+                  </a:schemeClr>
+                </a:solidFill>
+                <a:latin typeface="Segoe UI" panose="020B0502040204020203" pitchFamily="34" charset="0"/>
+                <a:ea typeface="+mn-ea"/>
+                <a:cs typeface="Segoe UI" panose="020B0502040204020203" pitchFamily="34" charset="0"/>
+              </a:defRPr>
+            </a:lvl4pPr>
+            <a:lvl5pPr marL="1097280" indent="-1097280" algn="l" defTabSz="914400" rtl="0" eaLnBrk="1" latinLnBrk="0" hangingPunct="1">
+              <a:lnSpc>
+                <a:spcPct val="85000"/>
+              </a:lnSpc>
+              <a:spcBef>
+                <a:spcPts val="600"/>
+              </a:spcBef>
+              <a:buFont typeface="Arial" pitchFamily="34" charset="0"/>
+              <a:buChar char=" "/>
+              <a:defRPr sz="1800" kern="1200">
+                <a:solidFill>
+                  <a:schemeClr val="tx1">
+                    <a:lumMod val="85000"/>
+                    <a:lumOff val="15000"/>
+                  </a:schemeClr>
+                </a:solidFill>
+                <a:latin typeface="Segoe UI" panose="020B0502040204020203" pitchFamily="34" charset="0"/>
+                <a:ea typeface="+mn-ea"/>
+                <a:cs typeface="Segoe UI" panose="020B0502040204020203" pitchFamily="34" charset="0"/>
+              </a:defRPr>
+            </a:lvl5pPr>
+            <a:lvl6pPr marL="1200000" indent="-228600" algn="l" defTabSz="914400" rtl="0" eaLnBrk="1" latinLnBrk="0" hangingPunct="1">
+              <a:lnSpc>
+                <a:spcPct val="85000"/>
+              </a:lnSpc>
+              <a:spcBef>
+                <a:spcPts val="600"/>
+              </a:spcBef>
+              <a:buFont typeface="Arial" pitchFamily="34" charset="0"/>
+              <a:buChar char=" "/>
+              <a:defRPr sz="1800" kern="1200">
+                <a:solidFill>
+                  <a:schemeClr val="tx1">
+                    <a:lumMod val="85000"/>
+                    <a:lumOff val="15000"/>
+                  </a:schemeClr>
+                </a:solidFill>
+                <a:latin typeface="+mn-lt"/>
+                <a:ea typeface="+mn-ea"/>
+                <a:cs typeface="+mn-cs"/>
+              </a:defRPr>
+            </a:lvl6pPr>
+            <a:lvl7pPr marL="1400000" indent="-228600" algn="l" defTabSz="914400" rtl="0" eaLnBrk="1" latinLnBrk="0" hangingPunct="1">
+              <a:lnSpc>
+                <a:spcPct val="85000"/>
+              </a:lnSpc>
+              <a:spcBef>
+                <a:spcPts val="600"/>
+              </a:spcBef>
+              <a:buFont typeface="Arial" pitchFamily="34" charset="0"/>
+              <a:buChar char=" "/>
+              <a:defRPr sz="1800" kern="1200">
+                <a:solidFill>
+                  <a:schemeClr val="tx1">
+                    <a:lumMod val="85000"/>
+                    <a:lumOff val="15000"/>
+                  </a:schemeClr>
+                </a:solidFill>
+                <a:latin typeface="+mn-lt"/>
+                <a:ea typeface="+mn-ea"/>
+                <a:cs typeface="+mn-cs"/>
+              </a:defRPr>
+            </a:lvl7pPr>
+            <a:lvl8pPr marL="1600000" indent="-228600" algn="l" defTabSz="914400" rtl="0" eaLnBrk="1" latinLnBrk="0" hangingPunct="1">
+              <a:lnSpc>
+                <a:spcPct val="85000"/>
+              </a:lnSpc>
+              <a:spcBef>
+                <a:spcPts val="600"/>
+              </a:spcBef>
+              <a:buFont typeface="Arial" pitchFamily="34" charset="0"/>
+              <a:buChar char=" "/>
+              <a:defRPr sz="1800" kern="1200">
+                <a:solidFill>
+                  <a:schemeClr val="tx1">
+                    <a:lumMod val="85000"/>
+                    <a:lumOff val="15000"/>
+                  </a:schemeClr>
+                </a:solidFill>
+                <a:latin typeface="+mn-lt"/>
+                <a:ea typeface="+mn-ea"/>
+                <a:cs typeface="+mn-cs"/>
+              </a:defRPr>
+            </a:lvl8pPr>
+            <a:lvl9pPr marL="1800000" indent="-228600" algn="l" defTabSz="914400" rtl="0" eaLnBrk="1" latinLnBrk="0" hangingPunct="1">
+              <a:lnSpc>
+                <a:spcPct val="85000"/>
+              </a:lnSpc>
+              <a:spcBef>
+                <a:spcPts val="600"/>
+              </a:spcBef>
+              <a:buFont typeface="Arial" pitchFamily="34" charset="0"/>
+              <a:buChar char=" "/>
+              <a:defRPr sz="1800" kern="1200">
+                <a:solidFill>
+                  <a:schemeClr val="tx1">
+                    <a:lumMod val="85000"/>
+                    <a:lumOff val="15000"/>
+                  </a:schemeClr>
+                </a:solidFill>
+                <a:latin typeface="+mn-lt"/>
+                <a:ea typeface="+mn-ea"/>
+                <a:cs typeface="+mn-cs"/>
+              </a:defRPr>
+            </a:lvl9pPr>
+          </a:lstStyle>
+          <a:p>
+            <a:pPr>
+              <a:lnSpc>
+                <a:spcPct val="100000"/>
+              </a:lnSpc>
+              <a:spcBef>
+                <a:spcPts val="0"/>
+              </a:spcBef>
+            </a:pPr>
+            <a:r>
+              <a:rPr lang="en-US" sz="2000" dirty="0">
+                <a:solidFill>
+                  <a:schemeClr val="bg1"/>
+                </a:solidFill>
+                <a:latin typeface="Consolas" panose="020B0609020204030204" pitchFamily="49" charset="0"/>
+              </a:rPr>
+              <a:t>public </a:t>
+            </a:r>
+            <a:r>
+              <a:rPr lang="en-US" sz="2000" dirty="0" err="1">
+                <a:solidFill>
+                  <a:schemeClr val="bg1"/>
+                </a:solidFill>
+                <a:latin typeface="Consolas" panose="020B0609020204030204" pitchFamily="49" charset="0"/>
+              </a:rPr>
+              <a:t>ValuesController</a:t>
+            </a:r>
+            <a:r>
+              <a:rPr lang="en-US" sz="2000" dirty="0">
+                <a:solidFill>
+                  <a:schemeClr val="bg1"/>
+                </a:solidFill>
+                <a:latin typeface="Consolas" panose="020B0609020204030204" pitchFamily="49" charset="0"/>
+              </a:rPr>
+              <a:t> : Controller</a:t>
+            </a:r>
+          </a:p>
+          <a:p>
+            <a:pPr>
+              <a:lnSpc>
+                <a:spcPct val="100000"/>
+              </a:lnSpc>
+              <a:spcBef>
+                <a:spcPts val="0"/>
+              </a:spcBef>
+            </a:pPr>
+            <a:r>
+              <a:rPr lang="en-US" sz="2000" dirty="0">
+                <a:solidFill>
+                  <a:schemeClr val="bg1"/>
+                </a:solidFill>
+                <a:latin typeface="Consolas" panose="020B0609020204030204" pitchFamily="49" charset="0"/>
+              </a:rPr>
+              <a:t>{</a:t>
+            </a:r>
+          </a:p>
+          <a:p>
+            <a:pPr>
+              <a:lnSpc>
+                <a:spcPct val="100000"/>
+              </a:lnSpc>
+              <a:spcBef>
+                <a:spcPts val="0"/>
+              </a:spcBef>
+            </a:pPr>
+            <a:r>
+              <a:rPr lang="en-US" sz="2000" dirty="0">
+                <a:solidFill>
+                  <a:schemeClr val="bg1"/>
+                </a:solidFill>
+                <a:latin typeface="Consolas" panose="020B0609020204030204" pitchFamily="49" charset="0"/>
+              </a:rPr>
+              <a:t>    public </a:t>
+            </a:r>
+            <a:r>
+              <a:rPr lang="en-US" sz="2000" dirty="0" err="1">
+                <a:solidFill>
+                  <a:schemeClr val="bg1"/>
+                </a:solidFill>
+                <a:latin typeface="Consolas" panose="020B0609020204030204" pitchFamily="49" charset="0"/>
+              </a:rPr>
+              <a:t>IActionResults</a:t>
+            </a:r>
+            <a:r>
+              <a:rPr lang="en-US" sz="2000" dirty="0">
+                <a:solidFill>
+                  <a:schemeClr val="bg1"/>
+                </a:solidFill>
+                <a:latin typeface="Consolas" panose="020B0609020204030204" pitchFamily="49" charset="0"/>
+              </a:rPr>
+              <a:t> Get([</a:t>
+            </a:r>
+            <a:r>
+              <a:rPr lang="en-US" sz="2000" dirty="0" err="1">
+                <a:solidFill>
+                  <a:schemeClr val="bg1"/>
+                </a:solidFill>
+                <a:latin typeface="Consolas" panose="020B0609020204030204" pitchFamily="49" charset="0"/>
+              </a:rPr>
+              <a:t>FromUri</a:t>
+            </a:r>
+            <a:r>
+              <a:rPr lang="en-US" sz="2000" dirty="0">
+                <a:solidFill>
+                  <a:schemeClr val="bg1"/>
+                </a:solidFill>
+                <a:latin typeface="Consolas" panose="020B0609020204030204" pitchFamily="49" charset="0"/>
+              </a:rPr>
+              <a:t>]</a:t>
+            </a:r>
+            <a:r>
+              <a:rPr lang="en-US" sz="2000" dirty="0" err="1">
+                <a:solidFill>
+                  <a:schemeClr val="bg1"/>
+                </a:solidFill>
+                <a:latin typeface="Consolas" panose="020B0609020204030204" pitchFamily="49" charset="0"/>
+              </a:rPr>
+              <a:t>GeoPoint</a:t>
+            </a:r>
+            <a:r>
+              <a:rPr lang="en-US" sz="2000" dirty="0">
+                <a:solidFill>
+                  <a:schemeClr val="bg1"/>
+                </a:solidFill>
+                <a:latin typeface="Consolas" panose="020B0609020204030204" pitchFamily="49" charset="0"/>
+              </a:rPr>
+              <a:t> </a:t>
+            </a:r>
+            <a:r>
+              <a:rPr lang="en-US" sz="2000" dirty="0" err="1">
+                <a:solidFill>
+                  <a:schemeClr val="bg1"/>
+                </a:solidFill>
+                <a:latin typeface="Consolas" panose="020B0609020204030204" pitchFamily="49" charset="0"/>
+              </a:rPr>
+              <a:t>loc</a:t>
+            </a:r>
+            <a:r>
+              <a:rPr lang="en-US" sz="2000" dirty="0">
+                <a:solidFill>
+                  <a:schemeClr val="bg1"/>
+                </a:solidFill>
+                <a:latin typeface="Consolas" panose="020B0609020204030204" pitchFamily="49" charset="0"/>
+              </a:rPr>
+              <a:t>) { ... }</a:t>
+            </a:r>
+          </a:p>
+          <a:p>
+            <a:pPr>
+              <a:lnSpc>
+                <a:spcPct val="100000"/>
+              </a:lnSpc>
+              <a:spcBef>
+                <a:spcPts val="0"/>
+              </a:spcBef>
+            </a:pPr>
+            <a:r>
+              <a:rPr lang="en-US" sz="2000" dirty="0">
+                <a:solidFill>
+                  <a:schemeClr val="bg1"/>
+                </a:solidFill>
+                <a:latin typeface="Consolas" panose="020B0609020204030204" pitchFamily="49" charset="0"/>
+              </a:rPr>
+              <a:t>}</a:t>
+            </a:r>
+          </a:p>
+          <a:p>
+            <a:pPr>
+              <a:lnSpc>
+                <a:spcPct val="100000"/>
+              </a:lnSpc>
+              <a:spcBef>
+                <a:spcPts val="0"/>
+              </a:spcBef>
+            </a:pPr>
+            <a:endParaRPr lang="en-US" sz="2000" dirty="0">
+              <a:solidFill>
+                <a:schemeClr val="bg1"/>
+              </a:solidFill>
+              <a:latin typeface="Consolas" panose="020B0609020204030204" pitchFamily="49" charset="0"/>
+            </a:endParaRPr>
+          </a:p>
+          <a:p>
+            <a:pPr>
+              <a:lnSpc>
+                <a:spcPct val="100000"/>
+              </a:lnSpc>
+              <a:spcBef>
+                <a:spcPts val="0"/>
+              </a:spcBef>
+            </a:pPr>
+            <a:r>
+              <a:rPr lang="en-US" sz="2000" dirty="0">
+                <a:solidFill>
+                  <a:schemeClr val="bg2">
+                    <a:lumMod val="50000"/>
+                  </a:schemeClr>
+                </a:solidFill>
+                <a:latin typeface="Consolas" panose="020B0609020204030204" pitchFamily="49" charset="0"/>
+              </a:rPr>
+              <a:t>// http://localhost/api/values/?Latitude=47.678558&amp;Longitude=-122.130989</a:t>
+            </a:r>
           </a:p>
         </p:txBody>
       </p:sp>
@@ -8320,7 +11345,13 @@
       </p:grpSpPr>
       <p:sp>
         <p:nvSpPr>
-          <p:cNvPr id="2" name="Title 1"/>
+          <p:cNvPr id="2" name="Title 1">
+            <a:extLst>
+              <a:ext uri="{FF2B5EF4-FFF2-40B4-BE49-F238E27FC236}">
+                <a16:creationId xmlns:a16="http://schemas.microsoft.com/office/drawing/2014/main" id="{40390812-6CB7-4117-B7B4-6C66F64392B0}"/>
+              </a:ext>
+            </a:extLst>
+          </p:cNvPr>
           <p:cNvSpPr>
             <a:spLocks noGrp="1"/>
           </p:cNvSpPr>
@@ -8330,50 +11361,752 @@
         </p:nvSpPr>
         <p:spPr/>
         <p:txBody>
-          <a:bodyPr>
-            <a:normAutofit fontScale="90000"/>
-          </a:bodyPr>
+          <a:bodyPr/>
           <a:lstStyle/>
           <a:p>
             <a:r>
-              <a:rPr lang="en-US" dirty="0" err="1"/>
-              <a:t>TypeConverters</a:t>
-            </a:r>
-            <a:r>
               <a:rPr lang="en-US" dirty="0"/>
-              <a:t>, Model Binders, Value Providers, &amp; </a:t>
-            </a:r>
-            <a:r>
-              <a:rPr lang="en-US" dirty="0" err="1"/>
-              <a:t>HttpParameterBinding</a:t>
-            </a:r>
-            <a:endParaRPr lang="en-US" dirty="0"/>
-          </a:p>
-        </p:txBody>
-      </p:sp>
-      <p:sp>
-        <p:nvSpPr>
-          <p:cNvPr id="3" name="Content Placeholder 2"/>
-          <p:cNvSpPr>
+              <a:t>Override Convention</a:t>
+            </a:r>
+          </a:p>
+        </p:txBody>
+      </p:sp>
+      <p:sp>
+        <p:nvSpPr>
+          <p:cNvPr id="4" name="Content Placeholder 2">
+            <a:extLst>
+              <a:ext uri="{FF2B5EF4-FFF2-40B4-BE49-F238E27FC236}">
+                <a16:creationId xmlns:a16="http://schemas.microsoft.com/office/drawing/2014/main" id="{F0982E98-E6BC-4D80-82F8-1967D23331B0}"/>
+              </a:ext>
+            </a:extLst>
+          </p:cNvPr>
+          <p:cNvSpPr txBox="1">
             <a:spLocks noGrp="1"/>
           </p:cNvSpPr>
           <p:nvPr>
             <p:ph idx="1"/>
           </p:nvPr>
         </p:nvSpPr>
-        <p:spPr/>
-        <p:txBody>
-          <a:bodyPr/>
-          <a:lstStyle/>
-          <a:p>
-            <a:endParaRPr lang="en-US"/>
+        <p:spPr>
+          <a:prstGeom prst="rect">
+            <a:avLst/>
+          </a:prstGeom>
+          <a:solidFill>
+            <a:schemeClr val="tx1"/>
+          </a:solidFill>
+        </p:spPr>
+        <p:txBody>
+          <a:bodyPr vert="horz" lIns="182880" tIns="182880" rIns="182880" bIns="182880" rtlCol="0">
+            <a:normAutofit fontScale="70000" lnSpcReduction="20000"/>
+          </a:bodyPr>
+          <a:lstStyle>
+            <a:lvl1pPr marL="91440" indent="-91440" algn="l" defTabSz="914400" rtl="0" eaLnBrk="1" latinLnBrk="0" hangingPunct="1">
+              <a:lnSpc>
+                <a:spcPct val="85000"/>
+              </a:lnSpc>
+              <a:spcBef>
+                <a:spcPts val="1300"/>
+              </a:spcBef>
+              <a:buFont typeface="Arial" pitchFamily="34" charset="0"/>
+              <a:buChar char=" "/>
+              <a:defRPr sz="2400" kern="1200">
+                <a:solidFill>
+                  <a:schemeClr val="tx1">
+                    <a:lumMod val="85000"/>
+                    <a:lumOff val="15000"/>
+                  </a:schemeClr>
+                </a:solidFill>
+                <a:latin typeface="Segoe UI" panose="020B0502040204020203" pitchFamily="34" charset="0"/>
+                <a:ea typeface="+mn-ea"/>
+                <a:cs typeface="Segoe UI" panose="020B0502040204020203" pitchFamily="34" charset="0"/>
+              </a:defRPr>
+            </a:lvl1pPr>
+            <a:lvl2pPr marL="347472" indent="-342900" algn="l" defTabSz="914400" rtl="0" eaLnBrk="1" latinLnBrk="0" hangingPunct="1">
+              <a:lnSpc>
+                <a:spcPct val="85000"/>
+              </a:lnSpc>
+              <a:spcBef>
+                <a:spcPts val="600"/>
+              </a:spcBef>
+              <a:buFont typeface="Arial" pitchFamily="34" charset="0"/>
+              <a:buChar char=" "/>
+              <a:defRPr sz="2400" kern="1200">
+                <a:solidFill>
+                  <a:schemeClr val="tx1">
+                    <a:lumMod val="85000"/>
+                    <a:lumOff val="15000"/>
+                  </a:schemeClr>
+                </a:solidFill>
+                <a:latin typeface="Segoe UI" panose="020B0502040204020203" pitchFamily="34" charset="0"/>
+                <a:ea typeface="+mn-ea"/>
+                <a:cs typeface="Segoe UI" panose="020B0502040204020203" pitchFamily="34" charset="0"/>
+              </a:defRPr>
+            </a:lvl2pPr>
+            <a:lvl3pPr marL="548640" indent="-548640" algn="l" defTabSz="914400" rtl="0" eaLnBrk="1" latinLnBrk="0" hangingPunct="1">
+              <a:lnSpc>
+                <a:spcPct val="85000"/>
+              </a:lnSpc>
+              <a:spcBef>
+                <a:spcPts val="600"/>
+              </a:spcBef>
+              <a:buFont typeface="Arial" pitchFamily="34" charset="0"/>
+              <a:buChar char=" "/>
+              <a:defRPr sz="2000" i="1" kern="1200">
+                <a:solidFill>
+                  <a:schemeClr val="tx1">
+                    <a:lumMod val="85000"/>
+                    <a:lumOff val="15000"/>
+                  </a:schemeClr>
+                </a:solidFill>
+                <a:latin typeface="Segoe UI" panose="020B0502040204020203" pitchFamily="34" charset="0"/>
+                <a:ea typeface="+mn-ea"/>
+                <a:cs typeface="Segoe UI" panose="020B0502040204020203" pitchFamily="34" charset="0"/>
+              </a:defRPr>
+            </a:lvl3pPr>
+            <a:lvl4pPr marL="822960" indent="-822960" algn="l" defTabSz="914400" rtl="0" eaLnBrk="1" latinLnBrk="0" hangingPunct="1">
+              <a:lnSpc>
+                <a:spcPct val="85000"/>
+              </a:lnSpc>
+              <a:spcBef>
+                <a:spcPts val="600"/>
+              </a:spcBef>
+              <a:buFont typeface="Arial" pitchFamily="34" charset="0"/>
+              <a:buChar char=" "/>
+              <a:defRPr sz="1800" kern="1200">
+                <a:solidFill>
+                  <a:schemeClr val="tx1">
+                    <a:lumMod val="85000"/>
+                    <a:lumOff val="15000"/>
+                  </a:schemeClr>
+                </a:solidFill>
+                <a:latin typeface="Segoe UI" panose="020B0502040204020203" pitchFamily="34" charset="0"/>
+                <a:ea typeface="+mn-ea"/>
+                <a:cs typeface="Segoe UI" panose="020B0502040204020203" pitchFamily="34" charset="0"/>
+              </a:defRPr>
+            </a:lvl4pPr>
+            <a:lvl5pPr marL="1097280" indent="-1097280" algn="l" defTabSz="914400" rtl="0" eaLnBrk="1" latinLnBrk="0" hangingPunct="1">
+              <a:lnSpc>
+                <a:spcPct val="85000"/>
+              </a:lnSpc>
+              <a:spcBef>
+                <a:spcPts val="600"/>
+              </a:spcBef>
+              <a:buFont typeface="Arial" pitchFamily="34" charset="0"/>
+              <a:buChar char=" "/>
+              <a:defRPr sz="1800" kern="1200">
+                <a:solidFill>
+                  <a:schemeClr val="tx1">
+                    <a:lumMod val="85000"/>
+                    <a:lumOff val="15000"/>
+                  </a:schemeClr>
+                </a:solidFill>
+                <a:latin typeface="Segoe UI" panose="020B0502040204020203" pitchFamily="34" charset="0"/>
+                <a:ea typeface="+mn-ea"/>
+                <a:cs typeface="Segoe UI" panose="020B0502040204020203" pitchFamily="34" charset="0"/>
+              </a:defRPr>
+            </a:lvl5pPr>
+            <a:lvl6pPr marL="1200000" indent="-228600" algn="l" defTabSz="914400" rtl="0" eaLnBrk="1" latinLnBrk="0" hangingPunct="1">
+              <a:lnSpc>
+                <a:spcPct val="85000"/>
+              </a:lnSpc>
+              <a:spcBef>
+                <a:spcPts val="600"/>
+              </a:spcBef>
+              <a:buFont typeface="Arial" pitchFamily="34" charset="0"/>
+              <a:buChar char=" "/>
+              <a:defRPr sz="1800" kern="1200">
+                <a:solidFill>
+                  <a:schemeClr val="tx1">
+                    <a:lumMod val="85000"/>
+                    <a:lumOff val="15000"/>
+                  </a:schemeClr>
+                </a:solidFill>
+                <a:latin typeface="+mn-lt"/>
+                <a:ea typeface="+mn-ea"/>
+                <a:cs typeface="+mn-cs"/>
+              </a:defRPr>
+            </a:lvl6pPr>
+            <a:lvl7pPr marL="1400000" indent="-228600" algn="l" defTabSz="914400" rtl="0" eaLnBrk="1" latinLnBrk="0" hangingPunct="1">
+              <a:lnSpc>
+                <a:spcPct val="85000"/>
+              </a:lnSpc>
+              <a:spcBef>
+                <a:spcPts val="600"/>
+              </a:spcBef>
+              <a:buFont typeface="Arial" pitchFamily="34" charset="0"/>
+              <a:buChar char=" "/>
+              <a:defRPr sz="1800" kern="1200">
+                <a:solidFill>
+                  <a:schemeClr val="tx1">
+                    <a:lumMod val="85000"/>
+                    <a:lumOff val="15000"/>
+                  </a:schemeClr>
+                </a:solidFill>
+                <a:latin typeface="+mn-lt"/>
+                <a:ea typeface="+mn-ea"/>
+                <a:cs typeface="+mn-cs"/>
+              </a:defRPr>
+            </a:lvl7pPr>
+            <a:lvl8pPr marL="1600000" indent="-228600" algn="l" defTabSz="914400" rtl="0" eaLnBrk="1" latinLnBrk="0" hangingPunct="1">
+              <a:lnSpc>
+                <a:spcPct val="85000"/>
+              </a:lnSpc>
+              <a:spcBef>
+                <a:spcPts val="600"/>
+              </a:spcBef>
+              <a:buFont typeface="Arial" pitchFamily="34" charset="0"/>
+              <a:buChar char=" "/>
+              <a:defRPr sz="1800" kern="1200">
+                <a:solidFill>
+                  <a:schemeClr val="tx1">
+                    <a:lumMod val="85000"/>
+                    <a:lumOff val="15000"/>
+                  </a:schemeClr>
+                </a:solidFill>
+                <a:latin typeface="+mn-lt"/>
+                <a:ea typeface="+mn-ea"/>
+                <a:cs typeface="+mn-cs"/>
+              </a:defRPr>
+            </a:lvl8pPr>
+            <a:lvl9pPr marL="1800000" indent="-228600" algn="l" defTabSz="914400" rtl="0" eaLnBrk="1" latinLnBrk="0" hangingPunct="1">
+              <a:lnSpc>
+                <a:spcPct val="85000"/>
+              </a:lnSpc>
+              <a:spcBef>
+                <a:spcPts val="600"/>
+              </a:spcBef>
+              <a:buFont typeface="Arial" pitchFamily="34" charset="0"/>
+              <a:buChar char=" "/>
+              <a:defRPr sz="1800" kern="1200">
+                <a:solidFill>
+                  <a:schemeClr val="tx1">
+                    <a:lumMod val="85000"/>
+                    <a:lumOff val="15000"/>
+                  </a:schemeClr>
+                </a:solidFill>
+                <a:latin typeface="+mn-lt"/>
+                <a:ea typeface="+mn-ea"/>
+                <a:cs typeface="+mn-cs"/>
+              </a:defRPr>
+            </a:lvl9pPr>
+          </a:lstStyle>
+          <a:p>
+            <a:pPr>
+              <a:lnSpc>
+                <a:spcPct val="100000"/>
+              </a:lnSpc>
+              <a:spcBef>
+                <a:spcPts val="0"/>
+              </a:spcBef>
+            </a:pPr>
+            <a:r>
+              <a:rPr lang="en-US" dirty="0">
+                <a:solidFill>
+                  <a:schemeClr val="bg1"/>
+                </a:solidFill>
+                <a:latin typeface="Consolas" panose="020B0609020204030204" pitchFamily="49" charset="0"/>
+              </a:rPr>
+              <a:t>public class </a:t>
+            </a:r>
+            <a:r>
+              <a:rPr lang="en-US" dirty="0" err="1">
+                <a:solidFill>
+                  <a:schemeClr val="bg1"/>
+                </a:solidFill>
+                <a:latin typeface="Consolas" panose="020B0609020204030204" pitchFamily="49" charset="0"/>
+              </a:rPr>
+              <a:t>BodyParameterBindingConvention</a:t>
+            </a:r>
+            <a:r>
+              <a:rPr lang="en-US" dirty="0">
+                <a:solidFill>
+                  <a:schemeClr val="bg1"/>
+                </a:solidFill>
+                <a:latin typeface="Consolas" panose="020B0609020204030204" pitchFamily="49" charset="0"/>
+              </a:rPr>
+              <a:t> : </a:t>
+            </a:r>
+            <a:r>
+              <a:rPr lang="en-US" dirty="0" err="1">
+                <a:solidFill>
+                  <a:schemeClr val="bg1"/>
+                </a:solidFill>
+                <a:latin typeface="Consolas" panose="020B0609020204030204" pitchFamily="49" charset="0"/>
+              </a:rPr>
+              <a:t>IActionModelConvention</a:t>
+            </a:r>
+            <a:endParaRPr lang="en-US" dirty="0">
+              <a:solidFill>
+                <a:schemeClr val="bg1"/>
+              </a:solidFill>
+              <a:latin typeface="Consolas" panose="020B0609020204030204" pitchFamily="49" charset="0"/>
+            </a:endParaRPr>
+          </a:p>
+          <a:p>
+            <a:pPr>
+              <a:lnSpc>
+                <a:spcPct val="100000"/>
+              </a:lnSpc>
+              <a:spcBef>
+                <a:spcPts val="0"/>
+              </a:spcBef>
+            </a:pPr>
+            <a:r>
+              <a:rPr lang="en-US" dirty="0">
+                <a:solidFill>
+                  <a:schemeClr val="bg1"/>
+                </a:solidFill>
+                <a:latin typeface="Consolas" panose="020B0609020204030204" pitchFamily="49" charset="0"/>
+              </a:rPr>
+              <a:t>{</a:t>
+            </a:r>
+          </a:p>
+          <a:p>
+            <a:pPr>
+              <a:lnSpc>
+                <a:spcPct val="100000"/>
+              </a:lnSpc>
+              <a:spcBef>
+                <a:spcPts val="0"/>
+              </a:spcBef>
+            </a:pPr>
+            <a:r>
+              <a:rPr lang="en-US" dirty="0">
+                <a:solidFill>
+                  <a:schemeClr val="bg1"/>
+                </a:solidFill>
+                <a:latin typeface="Consolas" panose="020B0609020204030204" pitchFamily="49" charset="0"/>
+              </a:rPr>
+              <a:t>    public void Apply(</a:t>
+            </a:r>
+            <a:r>
+              <a:rPr lang="en-US" dirty="0" err="1">
+                <a:solidFill>
+                  <a:schemeClr val="bg1"/>
+                </a:solidFill>
+                <a:latin typeface="Consolas" panose="020B0609020204030204" pitchFamily="49" charset="0"/>
+              </a:rPr>
+              <a:t>ActionModel</a:t>
+            </a:r>
+            <a:r>
+              <a:rPr lang="en-US" dirty="0">
+                <a:solidFill>
+                  <a:schemeClr val="bg1"/>
+                </a:solidFill>
+                <a:latin typeface="Consolas" panose="020B0609020204030204" pitchFamily="49" charset="0"/>
+              </a:rPr>
+              <a:t> action)</a:t>
+            </a:r>
+          </a:p>
+          <a:p>
+            <a:pPr>
+              <a:lnSpc>
+                <a:spcPct val="100000"/>
+              </a:lnSpc>
+              <a:spcBef>
+                <a:spcPts val="0"/>
+              </a:spcBef>
+            </a:pPr>
+            <a:r>
+              <a:rPr lang="en-US" dirty="0">
+                <a:solidFill>
+                  <a:schemeClr val="bg1"/>
+                </a:solidFill>
+                <a:latin typeface="Consolas" panose="020B0609020204030204" pitchFamily="49" charset="0"/>
+              </a:rPr>
+              <a:t>    {</a:t>
+            </a:r>
+          </a:p>
+          <a:p>
+            <a:pPr>
+              <a:lnSpc>
+                <a:spcPct val="100000"/>
+              </a:lnSpc>
+              <a:spcBef>
+                <a:spcPts val="0"/>
+              </a:spcBef>
+            </a:pPr>
+            <a:r>
+              <a:rPr lang="en-US" dirty="0">
+                <a:solidFill>
+                  <a:schemeClr val="bg1"/>
+                </a:solidFill>
+                <a:latin typeface="Consolas" panose="020B0609020204030204" pitchFamily="49" charset="0"/>
+              </a:rPr>
+              <a:t>        if (action == null)</a:t>
+            </a:r>
+          </a:p>
+          <a:p>
+            <a:pPr>
+              <a:lnSpc>
+                <a:spcPct val="100000"/>
+              </a:lnSpc>
+              <a:spcBef>
+                <a:spcPts val="0"/>
+              </a:spcBef>
+            </a:pPr>
+            <a:r>
+              <a:rPr lang="en-US" dirty="0">
+                <a:solidFill>
+                  <a:schemeClr val="bg1"/>
+                </a:solidFill>
+                <a:latin typeface="Consolas" panose="020B0609020204030204" pitchFamily="49" charset="0"/>
+              </a:rPr>
+              <a:t>            throw new </a:t>
+            </a:r>
+            <a:r>
+              <a:rPr lang="en-US" dirty="0" err="1">
+                <a:solidFill>
+                  <a:schemeClr val="bg1"/>
+                </a:solidFill>
+                <a:latin typeface="Consolas" panose="020B0609020204030204" pitchFamily="49" charset="0"/>
+              </a:rPr>
+              <a:t>ArgumentNullException</a:t>
+            </a:r>
+            <a:r>
+              <a:rPr lang="en-US" dirty="0">
+                <a:solidFill>
+                  <a:schemeClr val="bg1"/>
+                </a:solidFill>
+                <a:latin typeface="Consolas" panose="020B0609020204030204" pitchFamily="49" charset="0"/>
+              </a:rPr>
+              <a:t>(</a:t>
+            </a:r>
+            <a:r>
+              <a:rPr lang="en-US" dirty="0" err="1">
+                <a:solidFill>
+                  <a:schemeClr val="bg1"/>
+                </a:solidFill>
+                <a:latin typeface="Consolas" panose="020B0609020204030204" pitchFamily="49" charset="0"/>
+              </a:rPr>
+              <a:t>nameof</a:t>
+            </a:r>
+            <a:r>
+              <a:rPr lang="en-US" dirty="0">
+                <a:solidFill>
+                  <a:schemeClr val="bg1"/>
+                </a:solidFill>
+                <a:latin typeface="Consolas" panose="020B0609020204030204" pitchFamily="49" charset="0"/>
+              </a:rPr>
+              <a:t>(action));</a:t>
+            </a:r>
+          </a:p>
+          <a:p>
+            <a:pPr>
+              <a:lnSpc>
+                <a:spcPct val="100000"/>
+              </a:lnSpc>
+              <a:spcBef>
+                <a:spcPts val="0"/>
+              </a:spcBef>
+            </a:pPr>
+            <a:endParaRPr lang="en-US" dirty="0">
+              <a:solidFill>
+                <a:schemeClr val="bg1"/>
+              </a:solidFill>
+              <a:latin typeface="Consolas" panose="020B0609020204030204" pitchFamily="49" charset="0"/>
+            </a:endParaRPr>
+          </a:p>
+          <a:p>
+            <a:pPr>
+              <a:lnSpc>
+                <a:spcPct val="100000"/>
+              </a:lnSpc>
+              <a:spcBef>
+                <a:spcPts val="0"/>
+              </a:spcBef>
+            </a:pPr>
+            <a:endParaRPr lang="en-US" dirty="0">
+              <a:solidFill>
+                <a:schemeClr val="bg1"/>
+              </a:solidFill>
+              <a:latin typeface="Consolas" panose="020B0609020204030204" pitchFamily="49" charset="0"/>
+            </a:endParaRPr>
+          </a:p>
+          <a:p>
+            <a:pPr>
+              <a:lnSpc>
+                <a:spcPct val="100000"/>
+              </a:lnSpc>
+              <a:spcBef>
+                <a:spcPts val="0"/>
+              </a:spcBef>
+            </a:pPr>
+            <a:r>
+              <a:rPr lang="en-US" dirty="0">
+                <a:solidFill>
+                  <a:schemeClr val="bg1"/>
+                </a:solidFill>
+                <a:latin typeface="Consolas" panose="020B0609020204030204" pitchFamily="49" charset="0"/>
+              </a:rPr>
+              <a:t>        </a:t>
+            </a:r>
+            <a:r>
+              <a:rPr lang="en-US" dirty="0" err="1">
+                <a:solidFill>
+                  <a:schemeClr val="bg1"/>
+                </a:solidFill>
+                <a:latin typeface="Consolas" panose="020B0609020204030204" pitchFamily="49" charset="0"/>
+              </a:rPr>
+              <a:t>foreach</a:t>
+            </a:r>
+            <a:r>
+              <a:rPr lang="en-US" dirty="0">
+                <a:solidFill>
+                  <a:schemeClr val="bg1"/>
+                </a:solidFill>
+                <a:latin typeface="Consolas" panose="020B0609020204030204" pitchFamily="49" charset="0"/>
+              </a:rPr>
+              <a:t> (</a:t>
+            </a:r>
+            <a:r>
+              <a:rPr lang="en-US" dirty="0" err="1">
+                <a:solidFill>
+                  <a:schemeClr val="bg1"/>
+                </a:solidFill>
+                <a:latin typeface="Consolas" panose="020B0609020204030204" pitchFamily="49" charset="0"/>
+              </a:rPr>
+              <a:t>var</a:t>
+            </a:r>
+            <a:r>
+              <a:rPr lang="en-US" dirty="0">
+                <a:solidFill>
+                  <a:schemeClr val="bg1"/>
+                </a:solidFill>
+                <a:latin typeface="Consolas" panose="020B0609020204030204" pitchFamily="49" charset="0"/>
+              </a:rPr>
+              <a:t> parameter in </a:t>
+            </a:r>
+            <a:r>
+              <a:rPr lang="en-US" dirty="0" err="1">
+                <a:solidFill>
+                  <a:schemeClr val="bg1"/>
+                </a:solidFill>
+                <a:latin typeface="Consolas" panose="020B0609020204030204" pitchFamily="49" charset="0"/>
+              </a:rPr>
+              <a:t>action.Parameters</a:t>
+            </a:r>
+            <a:r>
+              <a:rPr lang="en-US" dirty="0">
+                <a:solidFill>
+                  <a:schemeClr val="bg1"/>
+                </a:solidFill>
+                <a:latin typeface="Consolas" panose="020B0609020204030204" pitchFamily="49" charset="0"/>
+              </a:rPr>
+              <a:t>)</a:t>
+            </a:r>
+          </a:p>
+          <a:p>
+            <a:pPr>
+              <a:lnSpc>
+                <a:spcPct val="100000"/>
+              </a:lnSpc>
+              <a:spcBef>
+                <a:spcPts val="0"/>
+              </a:spcBef>
+            </a:pPr>
+            <a:r>
+              <a:rPr lang="en-US" dirty="0">
+                <a:solidFill>
+                  <a:schemeClr val="bg1"/>
+                </a:solidFill>
+                <a:latin typeface="Consolas" panose="020B0609020204030204" pitchFamily="49" charset="0"/>
+              </a:rPr>
+              <a:t>        {</a:t>
+            </a:r>
+          </a:p>
+          <a:p>
+            <a:pPr marL="0" indent="0">
+              <a:lnSpc>
+                <a:spcPct val="100000"/>
+              </a:lnSpc>
+              <a:spcBef>
+                <a:spcPts val="0"/>
+              </a:spcBef>
+              <a:buNone/>
+            </a:pPr>
+            <a:r>
+              <a:rPr lang="en-US" dirty="0">
+                <a:solidFill>
+                  <a:schemeClr val="bg1"/>
+                </a:solidFill>
+                <a:latin typeface="Consolas" panose="020B0609020204030204" pitchFamily="49" charset="0"/>
+              </a:rPr>
+              <a:t>             </a:t>
+            </a:r>
+            <a:r>
+              <a:rPr lang="en-US" dirty="0" err="1">
+                <a:solidFill>
+                  <a:schemeClr val="bg1"/>
+                </a:solidFill>
+                <a:latin typeface="Consolas" panose="020B0609020204030204" pitchFamily="49" charset="0"/>
+              </a:rPr>
+              <a:t>parameter.BindingInfo</a:t>
+            </a:r>
+            <a:r>
+              <a:rPr lang="en-US" dirty="0">
+                <a:solidFill>
+                  <a:schemeClr val="bg1"/>
+                </a:solidFill>
+                <a:latin typeface="Consolas" panose="020B0609020204030204" pitchFamily="49" charset="0"/>
+              </a:rPr>
+              <a:t> = </a:t>
+            </a:r>
+            <a:r>
+              <a:rPr lang="en-US" dirty="0" err="1">
+                <a:solidFill>
+                  <a:schemeClr val="bg1"/>
+                </a:solidFill>
+                <a:latin typeface="Consolas" panose="020B0609020204030204" pitchFamily="49" charset="0"/>
+              </a:rPr>
+              <a:t>parameter.BindingInfo</a:t>
+            </a:r>
+            <a:r>
+              <a:rPr lang="en-US" dirty="0">
+                <a:solidFill>
+                  <a:schemeClr val="bg1"/>
+                </a:solidFill>
+                <a:latin typeface="Consolas" panose="020B0609020204030204" pitchFamily="49" charset="0"/>
+              </a:rPr>
+              <a:t> ?? new </a:t>
+            </a:r>
+            <a:r>
+              <a:rPr lang="en-US" dirty="0" err="1">
+                <a:solidFill>
+                  <a:schemeClr val="bg1"/>
+                </a:solidFill>
+                <a:latin typeface="Consolas" panose="020B0609020204030204" pitchFamily="49" charset="0"/>
+              </a:rPr>
+              <a:t>BindingInfo</a:t>
+            </a:r>
+            <a:r>
+              <a:rPr lang="en-US" dirty="0">
+                <a:solidFill>
+                  <a:schemeClr val="bg1"/>
+                </a:solidFill>
+                <a:latin typeface="Consolas" panose="020B0609020204030204" pitchFamily="49" charset="0"/>
+              </a:rPr>
+              <a:t>();</a:t>
+            </a:r>
+          </a:p>
+          <a:p>
+            <a:pPr>
+              <a:lnSpc>
+                <a:spcPct val="100000"/>
+              </a:lnSpc>
+              <a:spcBef>
+                <a:spcPts val="0"/>
+              </a:spcBef>
+            </a:pPr>
+            <a:r>
+              <a:rPr lang="en-US" dirty="0">
+                <a:solidFill>
+                  <a:schemeClr val="bg1"/>
+                </a:solidFill>
+                <a:latin typeface="Consolas" panose="020B0609020204030204" pitchFamily="49" charset="0"/>
+              </a:rPr>
+              <a:t>            </a:t>
+            </a:r>
+            <a:r>
+              <a:rPr lang="en-US" dirty="0" err="1">
+                <a:solidFill>
+                  <a:schemeClr val="bg1"/>
+                </a:solidFill>
+                <a:latin typeface="Consolas" panose="020B0609020204030204" pitchFamily="49" charset="0"/>
+              </a:rPr>
+              <a:t>parameter.BindingInfo.BindingSource</a:t>
+            </a:r>
+            <a:r>
+              <a:rPr lang="en-US" dirty="0">
+                <a:solidFill>
+                  <a:schemeClr val="bg1"/>
+                </a:solidFill>
+                <a:latin typeface="Consolas" panose="020B0609020204030204" pitchFamily="49" charset="0"/>
+              </a:rPr>
+              <a:t> = </a:t>
+            </a:r>
+            <a:r>
+              <a:rPr lang="en-US" dirty="0" err="1">
+                <a:solidFill>
+                  <a:schemeClr val="bg1"/>
+                </a:solidFill>
+                <a:latin typeface="Consolas" panose="020B0609020204030204" pitchFamily="49" charset="0"/>
+              </a:rPr>
+              <a:t>BindingSource.Body</a:t>
+            </a:r>
+            <a:r>
+              <a:rPr lang="en-US" dirty="0">
+                <a:solidFill>
+                  <a:schemeClr val="bg1"/>
+                </a:solidFill>
+                <a:latin typeface="Consolas" panose="020B0609020204030204" pitchFamily="49" charset="0"/>
+              </a:rPr>
+              <a:t>;</a:t>
+            </a:r>
+          </a:p>
+          <a:p>
+            <a:pPr>
+              <a:lnSpc>
+                <a:spcPct val="100000"/>
+              </a:lnSpc>
+              <a:spcBef>
+                <a:spcPts val="0"/>
+              </a:spcBef>
+            </a:pPr>
+            <a:r>
+              <a:rPr lang="en-US" dirty="0">
+                <a:solidFill>
+                  <a:schemeClr val="bg1"/>
+                </a:solidFill>
+                <a:latin typeface="Consolas" panose="020B0609020204030204" pitchFamily="49" charset="0"/>
+              </a:rPr>
+              <a:t>        }</a:t>
+            </a:r>
+          </a:p>
+          <a:p>
+            <a:pPr>
+              <a:lnSpc>
+                <a:spcPct val="100000"/>
+              </a:lnSpc>
+              <a:spcBef>
+                <a:spcPts val="0"/>
+              </a:spcBef>
+            </a:pPr>
+            <a:r>
+              <a:rPr lang="en-US" dirty="0">
+                <a:solidFill>
+                  <a:schemeClr val="bg1"/>
+                </a:solidFill>
+                <a:latin typeface="Consolas" panose="020B0609020204030204" pitchFamily="49" charset="0"/>
+              </a:rPr>
+              <a:t>    }</a:t>
+            </a:r>
+          </a:p>
+          <a:p>
+            <a:pPr>
+              <a:lnSpc>
+                <a:spcPct val="100000"/>
+              </a:lnSpc>
+              <a:spcBef>
+                <a:spcPts val="0"/>
+              </a:spcBef>
+            </a:pPr>
+            <a:r>
+              <a:rPr lang="en-US" dirty="0">
+                <a:solidFill>
+                  <a:schemeClr val="bg1"/>
+                </a:solidFill>
+                <a:latin typeface="Consolas" panose="020B0609020204030204" pitchFamily="49" charset="0"/>
+              </a:rPr>
+              <a:t>}</a:t>
+            </a:r>
           </a:p>
         </p:txBody>
       </p:sp>
     </p:spTree>
     <p:extLst>
       <p:ext uri="{BB962C8B-B14F-4D97-AF65-F5344CB8AC3E}">
-        <p14:creationId xmlns:p14="http://schemas.microsoft.com/office/powerpoint/2010/main" val="1304264778"/>
+        <p14:creationId xmlns:p14="http://schemas.microsoft.com/office/powerpoint/2010/main" val="386907061"/>
       </p:ext>
     </p:extLst>
   </p:cSld>
@@ -8402,7 +12135,13 @@
       </p:grpSpPr>
       <p:sp>
         <p:nvSpPr>
-          <p:cNvPr id="2" name="Title 1"/>
+          <p:cNvPr id="2" name="Title 1">
+            <a:extLst>
+              <a:ext uri="{FF2B5EF4-FFF2-40B4-BE49-F238E27FC236}">
+                <a16:creationId xmlns:a16="http://schemas.microsoft.com/office/drawing/2014/main" id="{40390812-6CB7-4117-B7B4-6C66F64392B0}"/>
+              </a:ext>
+            </a:extLst>
+          </p:cNvPr>
           <p:cNvSpPr>
             <a:spLocks noGrp="1"/>
           </p:cNvSpPr>
@@ -8417,34 +12156,482 @@
           <a:p>
             <a:r>
               <a:rPr lang="en-US" dirty="0"/>
-              <a:t>Responses</a:t>
-            </a:r>
-          </a:p>
-        </p:txBody>
-      </p:sp>
-      <p:sp>
-        <p:nvSpPr>
-          <p:cNvPr id="3" name="Text Placeholder 2"/>
-          <p:cNvSpPr>
+              <a:t>Override Convention</a:t>
+            </a:r>
+          </a:p>
+        </p:txBody>
+      </p:sp>
+      <p:sp>
+        <p:nvSpPr>
+          <p:cNvPr id="4" name="Content Placeholder 2">
+            <a:extLst>
+              <a:ext uri="{FF2B5EF4-FFF2-40B4-BE49-F238E27FC236}">
+                <a16:creationId xmlns:a16="http://schemas.microsoft.com/office/drawing/2014/main" id="{F0982E98-E6BC-4D80-82F8-1967D23331B0}"/>
+              </a:ext>
+            </a:extLst>
+          </p:cNvPr>
+          <p:cNvSpPr txBox="1">
             <a:spLocks noGrp="1"/>
           </p:cNvSpPr>
           <p:nvPr>
-            <p:ph type="body" idx="1"/>
+            <p:ph idx="1"/>
           </p:nvPr>
         </p:nvSpPr>
-        <p:spPr/>
-        <p:txBody>
-          <a:bodyPr/>
-          <a:lstStyle/>
-          <a:p>
-            <a:endParaRPr lang="en-US"/>
+        <p:spPr>
+          <a:prstGeom prst="rect">
+            <a:avLst/>
+          </a:prstGeom>
+          <a:solidFill>
+            <a:schemeClr val="tx1"/>
+          </a:solidFill>
+        </p:spPr>
+        <p:txBody>
+          <a:bodyPr vert="horz" lIns="182880" tIns="182880" rIns="182880" bIns="182880" rtlCol="0">
+            <a:normAutofit/>
+          </a:bodyPr>
+          <a:lstStyle>
+            <a:lvl1pPr marL="91440" indent="-91440" algn="l" defTabSz="914400" rtl="0" eaLnBrk="1" latinLnBrk="0" hangingPunct="1">
+              <a:lnSpc>
+                <a:spcPct val="85000"/>
+              </a:lnSpc>
+              <a:spcBef>
+                <a:spcPts val="1300"/>
+              </a:spcBef>
+              <a:buFont typeface="Arial" pitchFamily="34" charset="0"/>
+              <a:buChar char=" "/>
+              <a:defRPr sz="2400" kern="1200">
+                <a:solidFill>
+                  <a:schemeClr val="tx1">
+                    <a:lumMod val="85000"/>
+                    <a:lumOff val="15000"/>
+                  </a:schemeClr>
+                </a:solidFill>
+                <a:latin typeface="Segoe UI" panose="020B0502040204020203" pitchFamily="34" charset="0"/>
+                <a:ea typeface="+mn-ea"/>
+                <a:cs typeface="Segoe UI" panose="020B0502040204020203" pitchFamily="34" charset="0"/>
+              </a:defRPr>
+            </a:lvl1pPr>
+            <a:lvl2pPr marL="347472" indent="-342900" algn="l" defTabSz="914400" rtl="0" eaLnBrk="1" latinLnBrk="0" hangingPunct="1">
+              <a:lnSpc>
+                <a:spcPct val="85000"/>
+              </a:lnSpc>
+              <a:spcBef>
+                <a:spcPts val="600"/>
+              </a:spcBef>
+              <a:buFont typeface="Arial" pitchFamily="34" charset="0"/>
+              <a:buChar char=" "/>
+              <a:defRPr sz="2400" kern="1200">
+                <a:solidFill>
+                  <a:schemeClr val="tx1">
+                    <a:lumMod val="85000"/>
+                    <a:lumOff val="15000"/>
+                  </a:schemeClr>
+                </a:solidFill>
+                <a:latin typeface="Segoe UI" panose="020B0502040204020203" pitchFamily="34" charset="0"/>
+                <a:ea typeface="+mn-ea"/>
+                <a:cs typeface="Segoe UI" panose="020B0502040204020203" pitchFamily="34" charset="0"/>
+              </a:defRPr>
+            </a:lvl2pPr>
+            <a:lvl3pPr marL="548640" indent="-548640" algn="l" defTabSz="914400" rtl="0" eaLnBrk="1" latinLnBrk="0" hangingPunct="1">
+              <a:lnSpc>
+                <a:spcPct val="85000"/>
+              </a:lnSpc>
+              <a:spcBef>
+                <a:spcPts val="600"/>
+              </a:spcBef>
+              <a:buFont typeface="Arial" pitchFamily="34" charset="0"/>
+              <a:buChar char=" "/>
+              <a:defRPr sz="2000" i="1" kern="1200">
+                <a:solidFill>
+                  <a:schemeClr val="tx1">
+                    <a:lumMod val="85000"/>
+                    <a:lumOff val="15000"/>
+                  </a:schemeClr>
+                </a:solidFill>
+                <a:latin typeface="Segoe UI" panose="020B0502040204020203" pitchFamily="34" charset="0"/>
+                <a:ea typeface="+mn-ea"/>
+                <a:cs typeface="Segoe UI" panose="020B0502040204020203" pitchFamily="34" charset="0"/>
+              </a:defRPr>
+            </a:lvl3pPr>
+            <a:lvl4pPr marL="822960" indent="-822960" algn="l" defTabSz="914400" rtl="0" eaLnBrk="1" latinLnBrk="0" hangingPunct="1">
+              <a:lnSpc>
+                <a:spcPct val="85000"/>
+              </a:lnSpc>
+              <a:spcBef>
+                <a:spcPts val="600"/>
+              </a:spcBef>
+              <a:buFont typeface="Arial" pitchFamily="34" charset="0"/>
+              <a:buChar char=" "/>
+              <a:defRPr sz="1800" kern="1200">
+                <a:solidFill>
+                  <a:schemeClr val="tx1">
+                    <a:lumMod val="85000"/>
+                    <a:lumOff val="15000"/>
+                  </a:schemeClr>
+                </a:solidFill>
+                <a:latin typeface="Segoe UI" panose="020B0502040204020203" pitchFamily="34" charset="0"/>
+                <a:ea typeface="+mn-ea"/>
+                <a:cs typeface="Segoe UI" panose="020B0502040204020203" pitchFamily="34" charset="0"/>
+              </a:defRPr>
+            </a:lvl4pPr>
+            <a:lvl5pPr marL="1097280" indent="-1097280" algn="l" defTabSz="914400" rtl="0" eaLnBrk="1" latinLnBrk="0" hangingPunct="1">
+              <a:lnSpc>
+                <a:spcPct val="85000"/>
+              </a:lnSpc>
+              <a:spcBef>
+                <a:spcPts val="600"/>
+              </a:spcBef>
+              <a:buFont typeface="Arial" pitchFamily="34" charset="0"/>
+              <a:buChar char=" "/>
+              <a:defRPr sz="1800" kern="1200">
+                <a:solidFill>
+                  <a:schemeClr val="tx1">
+                    <a:lumMod val="85000"/>
+                    <a:lumOff val="15000"/>
+                  </a:schemeClr>
+                </a:solidFill>
+                <a:latin typeface="Segoe UI" panose="020B0502040204020203" pitchFamily="34" charset="0"/>
+                <a:ea typeface="+mn-ea"/>
+                <a:cs typeface="Segoe UI" panose="020B0502040204020203" pitchFamily="34" charset="0"/>
+              </a:defRPr>
+            </a:lvl5pPr>
+            <a:lvl6pPr marL="1200000" indent="-228600" algn="l" defTabSz="914400" rtl="0" eaLnBrk="1" latinLnBrk="0" hangingPunct="1">
+              <a:lnSpc>
+                <a:spcPct val="85000"/>
+              </a:lnSpc>
+              <a:spcBef>
+                <a:spcPts val="600"/>
+              </a:spcBef>
+              <a:buFont typeface="Arial" pitchFamily="34" charset="0"/>
+              <a:buChar char=" "/>
+              <a:defRPr sz="1800" kern="1200">
+                <a:solidFill>
+                  <a:schemeClr val="tx1">
+                    <a:lumMod val="85000"/>
+                    <a:lumOff val="15000"/>
+                  </a:schemeClr>
+                </a:solidFill>
+                <a:latin typeface="+mn-lt"/>
+                <a:ea typeface="+mn-ea"/>
+                <a:cs typeface="+mn-cs"/>
+              </a:defRPr>
+            </a:lvl6pPr>
+            <a:lvl7pPr marL="1400000" indent="-228600" algn="l" defTabSz="914400" rtl="0" eaLnBrk="1" latinLnBrk="0" hangingPunct="1">
+              <a:lnSpc>
+                <a:spcPct val="85000"/>
+              </a:lnSpc>
+              <a:spcBef>
+                <a:spcPts val="600"/>
+              </a:spcBef>
+              <a:buFont typeface="Arial" pitchFamily="34" charset="0"/>
+              <a:buChar char=" "/>
+              <a:defRPr sz="1800" kern="1200">
+                <a:solidFill>
+                  <a:schemeClr val="tx1">
+                    <a:lumMod val="85000"/>
+                    <a:lumOff val="15000"/>
+                  </a:schemeClr>
+                </a:solidFill>
+                <a:latin typeface="+mn-lt"/>
+                <a:ea typeface="+mn-ea"/>
+                <a:cs typeface="+mn-cs"/>
+              </a:defRPr>
+            </a:lvl7pPr>
+            <a:lvl8pPr marL="1600000" indent="-228600" algn="l" defTabSz="914400" rtl="0" eaLnBrk="1" latinLnBrk="0" hangingPunct="1">
+              <a:lnSpc>
+                <a:spcPct val="85000"/>
+              </a:lnSpc>
+              <a:spcBef>
+                <a:spcPts val="600"/>
+              </a:spcBef>
+              <a:buFont typeface="Arial" pitchFamily="34" charset="0"/>
+              <a:buChar char=" "/>
+              <a:defRPr sz="1800" kern="1200">
+                <a:solidFill>
+                  <a:schemeClr val="tx1">
+                    <a:lumMod val="85000"/>
+                    <a:lumOff val="15000"/>
+                  </a:schemeClr>
+                </a:solidFill>
+                <a:latin typeface="+mn-lt"/>
+                <a:ea typeface="+mn-ea"/>
+                <a:cs typeface="+mn-cs"/>
+              </a:defRPr>
+            </a:lvl8pPr>
+            <a:lvl9pPr marL="1800000" indent="-228600" algn="l" defTabSz="914400" rtl="0" eaLnBrk="1" latinLnBrk="0" hangingPunct="1">
+              <a:lnSpc>
+                <a:spcPct val="85000"/>
+              </a:lnSpc>
+              <a:spcBef>
+                <a:spcPts val="600"/>
+              </a:spcBef>
+              <a:buFont typeface="Arial" pitchFamily="34" charset="0"/>
+              <a:buChar char=" "/>
+              <a:defRPr sz="1800" kern="1200">
+                <a:solidFill>
+                  <a:schemeClr val="tx1">
+                    <a:lumMod val="85000"/>
+                    <a:lumOff val="15000"/>
+                  </a:schemeClr>
+                </a:solidFill>
+                <a:latin typeface="+mn-lt"/>
+                <a:ea typeface="+mn-ea"/>
+                <a:cs typeface="+mn-cs"/>
+              </a:defRPr>
+            </a:lvl9pPr>
+          </a:lstStyle>
+          <a:p>
+            <a:pPr>
+              <a:lnSpc>
+                <a:spcPct val="100000"/>
+              </a:lnSpc>
+              <a:spcBef>
+                <a:spcPts val="0"/>
+              </a:spcBef>
+            </a:pPr>
+            <a:r>
+              <a:rPr lang="en-US" dirty="0">
+                <a:solidFill>
+                  <a:schemeClr val="bg1"/>
+                </a:solidFill>
+                <a:latin typeface="Consolas" panose="020B0609020204030204" pitchFamily="49" charset="0"/>
+              </a:rPr>
+              <a:t>public void </a:t>
+            </a:r>
+            <a:r>
+              <a:rPr lang="en-US" dirty="0" err="1">
+                <a:solidFill>
+                  <a:schemeClr val="bg1"/>
+                </a:solidFill>
+                <a:latin typeface="Consolas" panose="020B0609020204030204" pitchFamily="49" charset="0"/>
+              </a:rPr>
+              <a:t>ConfigureServices</a:t>
+            </a:r>
+            <a:r>
+              <a:rPr lang="en-US" dirty="0">
+                <a:solidFill>
+                  <a:schemeClr val="bg1"/>
+                </a:solidFill>
+                <a:latin typeface="Consolas" panose="020B0609020204030204" pitchFamily="49" charset="0"/>
+              </a:rPr>
+              <a:t>(</a:t>
+            </a:r>
+            <a:r>
+              <a:rPr lang="en-US" dirty="0" err="1">
+                <a:solidFill>
+                  <a:schemeClr val="bg1"/>
+                </a:solidFill>
+                <a:latin typeface="Consolas" panose="020B0609020204030204" pitchFamily="49" charset="0"/>
+              </a:rPr>
+              <a:t>IServiceCollection</a:t>
+            </a:r>
+            <a:r>
+              <a:rPr lang="en-US" dirty="0">
+                <a:solidFill>
+                  <a:schemeClr val="bg1"/>
+                </a:solidFill>
+                <a:latin typeface="Consolas" panose="020B0609020204030204" pitchFamily="49" charset="0"/>
+              </a:rPr>
+              <a:t> services)</a:t>
+            </a:r>
+          </a:p>
+          <a:p>
+            <a:pPr>
+              <a:lnSpc>
+                <a:spcPct val="100000"/>
+              </a:lnSpc>
+              <a:spcBef>
+                <a:spcPts val="0"/>
+              </a:spcBef>
+            </a:pPr>
+            <a:r>
+              <a:rPr lang="en-US" dirty="0">
+                <a:solidFill>
+                  <a:schemeClr val="bg1"/>
+                </a:solidFill>
+                <a:latin typeface="Consolas" panose="020B0609020204030204" pitchFamily="49" charset="0"/>
+              </a:rPr>
+              <a:t>{</a:t>
+            </a:r>
+          </a:p>
+          <a:p>
+            <a:pPr>
+              <a:lnSpc>
+                <a:spcPct val="100000"/>
+              </a:lnSpc>
+              <a:spcBef>
+                <a:spcPts val="0"/>
+              </a:spcBef>
+            </a:pPr>
+            <a:r>
+              <a:rPr lang="en-US" dirty="0">
+                <a:solidFill>
+                  <a:schemeClr val="bg1"/>
+                </a:solidFill>
+                <a:latin typeface="Consolas" panose="020B0609020204030204" pitchFamily="49" charset="0"/>
+              </a:rPr>
+              <a:t>    </a:t>
+            </a:r>
+            <a:r>
+              <a:rPr lang="en-US" dirty="0" err="1">
+                <a:solidFill>
+                  <a:schemeClr val="bg1"/>
+                </a:solidFill>
+                <a:latin typeface="Consolas" panose="020B0609020204030204" pitchFamily="49" charset="0"/>
+              </a:rPr>
+              <a:t>services.AddMvc</a:t>
+            </a:r>
+            <a:r>
+              <a:rPr lang="en-US" dirty="0">
+                <a:solidFill>
+                  <a:schemeClr val="bg1"/>
+                </a:solidFill>
+                <a:latin typeface="Consolas" panose="020B0609020204030204" pitchFamily="49" charset="0"/>
+              </a:rPr>
+              <a:t>(options =&gt;</a:t>
+            </a:r>
+          </a:p>
+          <a:p>
+            <a:pPr>
+              <a:lnSpc>
+                <a:spcPct val="100000"/>
+              </a:lnSpc>
+              <a:spcBef>
+                <a:spcPts val="0"/>
+              </a:spcBef>
+            </a:pPr>
+            <a:r>
+              <a:rPr lang="en-US" dirty="0">
+                <a:solidFill>
+                  <a:schemeClr val="bg1"/>
+                </a:solidFill>
+                <a:latin typeface="Consolas" panose="020B0609020204030204" pitchFamily="49" charset="0"/>
+              </a:rPr>
+              <a:t>    {</a:t>
+            </a:r>
+          </a:p>
+          <a:p>
+            <a:pPr>
+              <a:lnSpc>
+                <a:spcPct val="100000"/>
+              </a:lnSpc>
+              <a:spcBef>
+                <a:spcPts val="0"/>
+              </a:spcBef>
+            </a:pPr>
+            <a:r>
+              <a:rPr lang="en-US" dirty="0">
+                <a:solidFill>
+                  <a:schemeClr val="bg1"/>
+                </a:solidFill>
+                <a:latin typeface="Consolas" panose="020B0609020204030204" pitchFamily="49" charset="0"/>
+              </a:rPr>
+              <a:t>        </a:t>
+            </a:r>
+            <a:r>
+              <a:rPr lang="en-US" dirty="0" err="1">
+                <a:solidFill>
+                  <a:schemeClr val="bg1"/>
+                </a:solidFill>
+                <a:latin typeface="Consolas" panose="020B0609020204030204" pitchFamily="49" charset="0"/>
+              </a:rPr>
+              <a:t>options.Conventions.Add</a:t>
+            </a:r>
+            <a:r>
+              <a:rPr lang="en-US" dirty="0">
+                <a:solidFill>
+                  <a:schemeClr val="bg1"/>
+                </a:solidFill>
+                <a:latin typeface="Consolas" panose="020B0609020204030204" pitchFamily="49" charset="0"/>
+              </a:rPr>
+              <a:t>(</a:t>
+            </a:r>
+          </a:p>
+          <a:p>
+            <a:pPr>
+              <a:lnSpc>
+                <a:spcPct val="100000"/>
+              </a:lnSpc>
+              <a:spcBef>
+                <a:spcPts val="0"/>
+              </a:spcBef>
+            </a:pPr>
+            <a:r>
+              <a:rPr lang="en-US" dirty="0"/>
+              <a:t>		</a:t>
+            </a:r>
+            <a:r>
+              <a:rPr lang="en-US" dirty="0">
+                <a:solidFill>
+                  <a:schemeClr val="bg1"/>
+                </a:solidFill>
+                <a:latin typeface="Consolas" panose="020B0609020204030204" pitchFamily="49" charset="0"/>
+              </a:rPr>
+              <a:t>new </a:t>
+            </a:r>
+            <a:r>
+              <a:rPr lang="en-US" dirty="0" err="1">
+                <a:solidFill>
+                  <a:schemeClr val="bg1"/>
+                </a:solidFill>
+                <a:latin typeface="Consolas" panose="020B0609020204030204" pitchFamily="49" charset="0"/>
+              </a:rPr>
+              <a:t>BodyParameterBindingConvention</a:t>
+            </a:r>
+            <a:r>
+              <a:rPr lang="en-US" dirty="0">
+                <a:solidFill>
+                  <a:schemeClr val="bg1"/>
+                </a:solidFill>
+                <a:latin typeface="Consolas" panose="020B0609020204030204" pitchFamily="49" charset="0"/>
+              </a:rPr>
+              <a:t>());</a:t>
+            </a:r>
+          </a:p>
+          <a:p>
+            <a:pPr>
+              <a:lnSpc>
+                <a:spcPct val="100000"/>
+              </a:lnSpc>
+              <a:spcBef>
+                <a:spcPts val="0"/>
+              </a:spcBef>
+            </a:pPr>
+            <a:r>
+              <a:rPr lang="en-US" dirty="0">
+                <a:solidFill>
+                  <a:schemeClr val="bg1"/>
+                </a:solidFill>
+                <a:latin typeface="Consolas" panose="020B0609020204030204" pitchFamily="49" charset="0"/>
+              </a:rPr>
+              <a:t>    });</a:t>
+            </a:r>
+          </a:p>
+          <a:p>
+            <a:pPr>
+              <a:lnSpc>
+                <a:spcPct val="100000"/>
+              </a:lnSpc>
+              <a:spcBef>
+                <a:spcPts val="0"/>
+              </a:spcBef>
+            </a:pPr>
+            <a:r>
+              <a:rPr lang="en-US" dirty="0">
+                <a:solidFill>
+                  <a:schemeClr val="bg1"/>
+                </a:solidFill>
+                <a:latin typeface="Consolas" panose="020B0609020204030204" pitchFamily="49" charset="0"/>
+              </a:rPr>
+              <a:t>}</a:t>
+            </a:r>
           </a:p>
         </p:txBody>
       </p:sp>
     </p:spTree>
     <p:extLst>
       <p:ext uri="{BB962C8B-B14F-4D97-AF65-F5344CB8AC3E}">
-        <p14:creationId xmlns:p14="http://schemas.microsoft.com/office/powerpoint/2010/main" val="18867242"/>
+        <p14:creationId xmlns:p14="http://schemas.microsoft.com/office/powerpoint/2010/main" val="2503766413"/>
       </p:ext>
     </p:extLst>
   </p:cSld>
@@ -8473,7 +12660,7 @@
       </p:grpSpPr>
       <p:sp>
         <p:nvSpPr>
-          <p:cNvPr id="4" name="Title 3"/>
+          <p:cNvPr id="2" name="Title 1"/>
           <p:cNvSpPr>
             <a:spLocks noGrp="1"/>
           </p:cNvSpPr>
@@ -8488,19 +12675,19 @@
           <a:p>
             <a:r>
               <a:rPr lang="en-US" dirty="0"/>
-              <a:t>Types of Responses</a:t>
-            </a:r>
-          </a:p>
-        </p:txBody>
-      </p:sp>
-      <p:sp>
-        <p:nvSpPr>
-          <p:cNvPr id="5" name="Content Placeholder 4"/>
+              <a:t>Responses</a:t>
+            </a:r>
+          </a:p>
+        </p:txBody>
+      </p:sp>
+      <p:sp>
+        <p:nvSpPr>
+          <p:cNvPr id="3" name="Text Placeholder 2"/>
           <p:cNvSpPr>
             <a:spLocks noGrp="1"/>
           </p:cNvSpPr>
           <p:nvPr>
-            <p:ph idx="1"/>
+            <p:ph type="body" idx="1"/>
           </p:nvPr>
         </p:nvSpPr>
         <p:spPr/>
@@ -8508,69 +12695,14 @@
           <a:bodyPr/>
           <a:lstStyle/>
           <a:p>
-            <a:r>
-              <a:rPr lang="en-US" dirty="0"/>
-              <a:t>void</a:t>
-            </a:r>
-          </a:p>
-          <a:p>
-            <a:r>
-              <a:rPr lang="en-US" dirty="0"/>
-              <a:t>Single object</a:t>
-            </a:r>
-          </a:p>
-          <a:p>
-            <a:r>
-              <a:rPr lang="en-US" dirty="0"/>
-              <a:t>List of objects</a:t>
-            </a:r>
-          </a:p>
-          <a:p>
-            <a:r>
-              <a:rPr lang="en-US" dirty="0" err="1"/>
-              <a:t>HttpActionResult</a:t>
-            </a:r>
-            <a:r>
-              <a:rPr lang="en-US" dirty="0"/>
-              <a:t> (</a:t>
-            </a:r>
-            <a:r>
-              <a:rPr lang="en-US" dirty="0" err="1"/>
-              <a:t>ActionResult</a:t>
-            </a:r>
-            <a:r>
-              <a:rPr lang="en-US" dirty="0"/>
-              <a:t> in core)</a:t>
-            </a:r>
-          </a:p>
-          <a:p>
-            <a:r>
-              <a:rPr lang="en-US" dirty="0" err="1"/>
-              <a:t>HttpResponseMessage</a:t>
-            </a:r>
-            <a:endParaRPr lang="en-US" dirty="0"/>
-          </a:p>
-          <a:p>
-            <a:r>
-              <a:rPr lang="en-US" dirty="0"/>
-              <a:t>Exception</a:t>
-            </a:r>
-          </a:p>
-          <a:p>
-            <a:r>
-              <a:rPr lang="en-US" dirty="0"/>
-              <a:t>Helper methods in base class</a:t>
-            </a:r>
-          </a:p>
-          <a:p>
-            <a:endParaRPr lang="en-US" dirty="0"/>
+            <a:endParaRPr lang="en-US"/>
           </a:p>
         </p:txBody>
       </p:sp>
     </p:spTree>
     <p:extLst>
       <p:ext uri="{BB962C8B-B14F-4D97-AF65-F5344CB8AC3E}">
-        <p14:creationId xmlns:p14="http://schemas.microsoft.com/office/powerpoint/2010/main" val="4214787969"/>
+        <p14:creationId xmlns:p14="http://schemas.microsoft.com/office/powerpoint/2010/main" val="18867242"/>
       </p:ext>
     </p:extLst>
   </p:cSld>
@@ -8599,7 +12731,7 @@
       </p:grpSpPr>
       <p:sp>
         <p:nvSpPr>
-          <p:cNvPr id="2" name="Title 1"/>
+          <p:cNvPr id="4" name="Title 3"/>
           <p:cNvSpPr>
             <a:spLocks noGrp="1"/>
           </p:cNvSpPr>
@@ -8614,30 +12746,14 @@
           <a:p>
             <a:r>
               <a:rPr lang="en-US" dirty="0"/>
-              <a:t>Using </a:t>
-            </a:r>
-            <a:r>
-              <a:rPr lang="en-US" dirty="0" err="1"/>
-              <a:t>IHttpActionResult</a:t>
-            </a:r>
-            <a:r>
-              <a:rPr lang="en-US" dirty="0"/>
-              <a:t> (</a:t>
-            </a:r>
-            <a:r>
-              <a:rPr lang="en-US" dirty="0" err="1"/>
-              <a:t>IActionResult</a:t>
-            </a:r>
-            <a:r>
-              <a:rPr lang="en-US" dirty="0"/>
-              <a:t>)</a:t>
-            </a:r>
-          </a:p>
-        </p:txBody>
-      </p:sp>
-      <p:sp>
-        <p:nvSpPr>
-          <p:cNvPr id="3" name="Content Placeholder 2"/>
+              <a:t>Types of Responses</a:t>
+            </a:r>
+          </a:p>
+        </p:txBody>
+      </p:sp>
+      <p:sp>
+        <p:nvSpPr>
+          <p:cNvPr id="5" name="Content Placeholder 4"/>
           <p:cNvSpPr>
             <a:spLocks noGrp="1"/>
           </p:cNvSpPr>
@@ -8650,14 +12766,72 @@
           <a:bodyPr/>
           <a:lstStyle/>
           <a:p>
-            <a:endParaRPr lang="en-US"/>
+            <a:r>
+              <a:rPr lang="en-US" dirty="0"/>
+              <a:t>void</a:t>
+            </a:r>
+          </a:p>
+          <a:p>
+            <a:r>
+              <a:rPr lang="en-US" dirty="0"/>
+              <a:t>Single object</a:t>
+            </a:r>
+          </a:p>
+          <a:p>
+            <a:r>
+              <a:rPr lang="en-US" dirty="0"/>
+              <a:t>List of objects</a:t>
+            </a:r>
+          </a:p>
+          <a:p>
+            <a:r>
+              <a:rPr lang="en-US" dirty="0" err="1"/>
+              <a:t>HttpActionResult</a:t>
+            </a:r>
+            <a:r>
+              <a:rPr lang="en-US" dirty="0"/>
+              <a:t> (</a:t>
+            </a:r>
+            <a:r>
+              <a:rPr lang="en-US" dirty="0" err="1"/>
+              <a:t>ActionResult</a:t>
+            </a:r>
+            <a:r>
+              <a:rPr lang="en-US" dirty="0"/>
+              <a:t> in core)</a:t>
+            </a:r>
+          </a:p>
+          <a:p>
+            <a:r>
+              <a:rPr lang="en-US" dirty="0" err="1"/>
+              <a:t>HttpResponseMessage</a:t>
+            </a:r>
+            <a:r>
+              <a:rPr lang="en-US" dirty="0"/>
+              <a:t> – ASP.NET (not Core)</a:t>
+            </a:r>
+          </a:p>
+          <a:p>
+            <a:r>
+              <a:rPr lang="en-US" dirty="0"/>
+              <a:t>Exception</a:t>
+            </a:r>
+          </a:p>
+          <a:p>
+            <a:r>
+              <a:rPr lang="en-US" dirty="0"/>
+              <a:t>Helper methods in base class</a:t>
+            </a:r>
+          </a:p>
+          <a:p>
+            <a:endParaRPr lang="en-US" dirty="0"/>
           </a:p>
         </p:txBody>
       </p:sp>
     </p:spTree>
     <p:extLst>
       <p:ext uri="{BB962C8B-B14F-4D97-AF65-F5344CB8AC3E}">
-        <p14:creationId xmlns:p14="http://schemas.microsoft.com/office/powerpoint/2010/main" val="1098843802"/>
+        <p14:creationId xmlns:p14="http://schemas.microsoft.com/office/powerpoint/2010/main" val="4214787969"/>
       </p:ext>
     </p:extLst>
   </p:cSld>
@@ -8701,7 +12875,23 @@
           <a:p>
             <a:r>
               <a:rPr lang="en-US" dirty="0"/>
-              <a:t>Using Base Helper Methods</a:t>
+              <a:t>Using </a:t>
+            </a:r>
+            <a:r>
+              <a:rPr lang="en-US" dirty="0" err="1"/>
+              <a:t>IHttpActionResult</a:t>
+            </a:r>
+            <a:r>
+              <a:rPr lang="en-US" dirty="0"/>
+              <a:t> (</a:t>
+            </a:r>
+            <a:r>
+              <a:rPr lang="en-US" dirty="0" err="1"/>
+              <a:t>IActionResult</a:t>
+            </a:r>
+            <a:r>
+              <a:rPr lang="en-US" dirty="0"/>
+              <a:t>)</a:t>
             </a:r>
           </a:p>
         </p:txBody>
@@ -8721,14 +12911,46 @@
           <a:bodyPr/>
           <a:lstStyle/>
           <a:p>
-            <a:endParaRPr lang="en-US" dirty="0"/>
+            <a:r>
+              <a:rPr lang="en-US" dirty="0"/>
+              <a:t>Generic and allows for all kinds of different responses</a:t>
+            </a:r>
+          </a:p>
+          <a:p>
+            <a:pPr lvl="1"/>
+            <a:r>
+              <a:rPr lang="en-US" dirty="0"/>
+              <a:t>200 – object results</a:t>
+            </a:r>
+          </a:p>
+          <a:p>
+            <a:pPr lvl="1"/>
+            <a:r>
+              <a:rPr lang="en-US" dirty="0"/>
+              <a:t>401 – Unauthorized</a:t>
+            </a:r>
+          </a:p>
+          <a:p>
+            <a:pPr lvl="1"/>
+            <a:r>
+              <a:rPr lang="en-US" dirty="0"/>
+              <a:t>400 – </a:t>
+            </a:r>
+            <a:r>
+              <a:rPr lang="en-US" dirty="0" err="1"/>
+              <a:t>BadRequest</a:t>
+            </a:r>
+            <a:r>
+              <a:rPr lang="en-US" dirty="0"/>
+              <a:t> with validation errors</a:t>
+            </a:r>
           </a:p>
         </p:txBody>
       </p:sp>
     </p:spTree>
     <p:extLst>
       <p:ext uri="{BB962C8B-B14F-4D97-AF65-F5344CB8AC3E}">
-        <p14:creationId xmlns:p14="http://schemas.microsoft.com/office/powerpoint/2010/main" val="1257506453"/>
+        <p14:creationId xmlns:p14="http://schemas.microsoft.com/office/powerpoint/2010/main" val="1098843802"/>
       </p:ext>
     </p:extLst>
   </p:cSld>
@@ -9169,13 +13391,8 @@
           <a:p>
             <a:r>
               <a:rPr lang="en-US" dirty="0"/>
-              <a:t>Using </a:t>
-            </a:r>
-            <a:r>
-              <a:rPr lang="en-US" dirty="0" err="1"/>
-              <a:t>HttpReponseMessage</a:t>
-            </a:r>
-            <a:endParaRPr lang="en-US" dirty="0"/>
+              <a:t>Using Base Helper Methods</a:t>
+            </a:r>
           </a:p>
         </p:txBody>
       </p:sp>
@@ -9194,14 +13411,68 @@
           <a:bodyPr/>
           <a:lstStyle/>
           <a:p>
-            <a:endParaRPr lang="en-US"/>
+            <a:r>
+              <a:rPr lang="en-US" dirty="0" err="1"/>
+              <a:t>ViewResult</a:t>
+            </a:r>
+            <a:endParaRPr lang="en-US" dirty="0"/>
+          </a:p>
+          <a:p>
+            <a:r>
+              <a:rPr lang="en-US" dirty="0" err="1"/>
+              <a:t>JsonResult</a:t>
+            </a:r>
+            <a:endParaRPr lang="en-US" dirty="0"/>
+          </a:p>
+          <a:p>
+            <a:r>
+              <a:rPr lang="en-US" dirty="0"/>
+              <a:t>Ok</a:t>
+            </a:r>
+          </a:p>
+          <a:p>
+            <a:r>
+              <a:rPr lang="en-US" dirty="0" err="1"/>
+              <a:t>UnAuthroized</a:t>
+            </a:r>
+            <a:endParaRPr lang="en-US" dirty="0"/>
+          </a:p>
+          <a:p>
+            <a:r>
+              <a:rPr lang="en-US" dirty="0" err="1"/>
+              <a:t>BadRequest</a:t>
+            </a:r>
+            <a:endParaRPr lang="en-US" dirty="0"/>
+          </a:p>
+          <a:p>
+            <a:r>
+              <a:rPr lang="en-US" dirty="0" err="1"/>
+              <a:t>ContentResult</a:t>
+            </a:r>
+            <a:endParaRPr lang="en-US" dirty="0"/>
+          </a:p>
+          <a:p>
+            <a:r>
+              <a:rPr lang="en-US" dirty="0" err="1"/>
+              <a:t>FileResults</a:t>
+            </a:r>
+            <a:endParaRPr lang="en-US" dirty="0"/>
+          </a:p>
+          <a:p>
+            <a:r>
+              <a:rPr lang="en-US" dirty="0"/>
+              <a:t>…</a:t>
+            </a:r>
+          </a:p>
+          <a:p>
+            <a:endParaRPr lang="en-US" dirty="0"/>
           </a:p>
         </p:txBody>
       </p:sp>
     </p:spTree>
     <p:extLst>
       <p:ext uri="{BB962C8B-B14F-4D97-AF65-F5344CB8AC3E}">
-        <p14:creationId xmlns:p14="http://schemas.microsoft.com/office/powerpoint/2010/main" val="106087089"/>
+        <p14:creationId xmlns:p14="http://schemas.microsoft.com/office/powerpoint/2010/main" val="1257506453"/>
       </p:ext>
     </p:extLst>
   </p:cSld>
@@ -9265,7 +13536,21 @@
           <a:bodyPr/>
           <a:lstStyle/>
           <a:p>
-            <a:endParaRPr lang="en-US"/>
+            <a:r>
+              <a:rPr lang="en-US" dirty="0"/>
+              <a:t>ASP.NET </a:t>
+            </a:r>
+            <a:r>
+              <a:rPr lang="en-US" dirty="0" err="1"/>
+              <a:t>HttpReponseMessage</a:t>
+            </a:r>
+            <a:endParaRPr lang="en-US" dirty="0"/>
+          </a:p>
+          <a:p>
+            <a:r>
+              <a:rPr lang="en-US" dirty="0"/>
+              <a:t>ASP.NET Core – custom handler</a:t>
+            </a:r>
           </a:p>
         </p:txBody>
       </p:sp>
@@ -11430,12 +15715,6 @@
           <a:p>
             <a:r>
               <a:rPr lang="en-US" sz="3200" dirty="0"/>
-              <a:t>A useful pattern</a:t>
-            </a:r>
-          </a:p>
-          <a:p>
-            <a:r>
-              <a:rPr lang="en-US" sz="3200" dirty="0"/>
               <a:t>3</a:t>
             </a:r>
             <a:r>
@@ -11715,7 +15994,15 @@
           <a:p>
             <a:r>
               <a:rPr lang="en-US" dirty="0"/>
-              <a:t>A Useful Pattern</a:t>
+              <a:t>3</a:t>
+            </a:r>
+            <a:r>
+              <a:rPr lang="en-US" baseline="30000" dirty="0"/>
+              <a:t>rd</a:t>
+            </a:r>
+            <a:r>
+              <a:rPr lang="en-US" dirty="0"/>
+              <a:t> Party Tools</a:t>
             </a:r>
           </a:p>
         </p:txBody>
@@ -11742,7 +16029,7 @@
     </p:spTree>
     <p:extLst>
       <p:ext uri="{BB962C8B-B14F-4D97-AF65-F5344CB8AC3E}">
-        <p14:creationId xmlns:p14="http://schemas.microsoft.com/office/powerpoint/2010/main" val="1010269726"/>
+        <p14:creationId xmlns:p14="http://schemas.microsoft.com/office/powerpoint/2010/main" val="2348174921"/>
       </p:ext>
     </p:extLst>
   </p:cSld>
@@ -11781,50 +16068,254 @@
         </p:nvSpPr>
         <p:spPr/>
         <p:txBody>
-          <a:bodyPr/>
-          <a:lstStyle/>
-          <a:p>
-            <a:r>
-              <a:rPr lang="en-US" dirty="0"/>
-              <a:t>Two Pieces</a:t>
-            </a:r>
-          </a:p>
-        </p:txBody>
-      </p:sp>
-      <p:sp>
-        <p:nvSpPr>
-          <p:cNvPr id="5" name="Content Placeholder 4"/>
-          <p:cNvSpPr>
-            <a:spLocks noGrp="1"/>
-          </p:cNvSpPr>
-          <p:nvPr>
-            <p:ph idx="1"/>
-          </p:nvPr>
-        </p:nvSpPr>
-        <p:spPr/>
-        <p:txBody>
           <a:bodyPr>
             <a:normAutofit/>
           </a:bodyPr>
           <a:lstStyle/>
           <a:p>
             <a:r>
-              <a:rPr lang="en-US" sz="3200" dirty="0"/>
-              <a:t>Two Pieces:</a:t>
-            </a:r>
-          </a:p>
-          <a:p>
-            <a:pPr lvl="1"/>
-            <a:r>
-              <a:rPr lang="en-US" sz="3200" dirty="0"/>
-              <a:t>Dependency Inject</a:t>
-            </a:r>
-          </a:p>
-          <a:p>
-            <a:pPr lvl="1"/>
-            <a:r>
-              <a:rPr lang="en-US" sz="3200" dirty="0"/>
-              <a:t>Repositories</a:t>
+              <a:rPr lang="en-US" sz="4400" dirty="0" err="1"/>
+              <a:t>Microsoft.AspNet.WebApi.Versioning</a:t>
+            </a:r>
+            <a:r>
+              <a:rPr lang="en-US" sz="4400" dirty="0"/>
+              <a:t> &amp;</a:t>
+            </a:r>
+            <a:br>
+              <a:rPr lang="en-US" sz="4400" dirty="0"/>
+            </a:br>
+            <a:r>
+              <a:rPr lang="en-US" sz="4400" dirty="0" err="1"/>
+              <a:t>Microsoft.AspNetCore.Mvc.Versioning</a:t>
+            </a:r>
+            <a:endParaRPr lang="en-US" sz="4400" dirty="0"/>
+          </a:p>
+        </p:txBody>
+      </p:sp>
+      <p:sp>
+        <p:nvSpPr>
+          <p:cNvPr id="8" name="Content Placeholder 2"/>
+          <p:cNvSpPr>
+            <a:spLocks noGrp="1"/>
+          </p:cNvSpPr>
+          <p:nvPr>
+            <p:ph idx="1"/>
+          </p:nvPr>
+        </p:nvSpPr>
+        <p:spPr>
+          <a:xfrm>
+            <a:off x="676656" y="2011680"/>
+            <a:ext cx="10753725" cy="4179258"/>
+          </a:xfrm>
+          <a:solidFill>
+            <a:schemeClr val="tx1"/>
+          </a:solidFill>
+        </p:spPr>
+        <p:txBody>
+          <a:bodyPr lIns="182880" tIns="182880" rIns="182880" bIns="182880">
+            <a:normAutofit/>
+          </a:bodyPr>
+          <a:lstStyle/>
+          <a:p>
+            <a:pPr marL="0" indent="0">
+              <a:lnSpc>
+                <a:spcPct val="100000"/>
+              </a:lnSpc>
+              <a:spcBef>
+                <a:spcPts val="0"/>
+              </a:spcBef>
+              <a:buNone/>
+            </a:pPr>
+            <a:r>
+              <a:rPr lang="en-US" sz="2000" dirty="0">
+                <a:solidFill>
+                  <a:schemeClr val="bg1"/>
+                </a:solidFill>
+                <a:latin typeface="Consolas" panose="020B0609020204030204" pitchFamily="49" charset="0"/>
+              </a:rPr>
+              <a:t>[</a:t>
+            </a:r>
+            <a:r>
+              <a:rPr lang="en-US" sz="2000" dirty="0" err="1">
+                <a:solidFill>
+                  <a:schemeClr val="bg1"/>
+                </a:solidFill>
+                <a:latin typeface="Consolas" panose="020B0609020204030204" pitchFamily="49" charset="0"/>
+              </a:rPr>
+              <a:t>ApiVersion</a:t>
+            </a:r>
+            <a:r>
+              <a:rPr lang="en-US" sz="2000" dirty="0">
+                <a:solidFill>
+                  <a:schemeClr val="bg1"/>
+                </a:solidFill>
+                <a:latin typeface="Consolas" panose="020B0609020204030204" pitchFamily="49" charset="0"/>
+              </a:rPr>
+              <a:t>( "1.0" )]</a:t>
+            </a:r>
+            <a:br>
+              <a:rPr lang="en-US" sz="2000" dirty="0">
+                <a:solidFill>
+                  <a:schemeClr val="bg1"/>
+                </a:solidFill>
+                <a:latin typeface="Consolas" panose="020B0609020204030204" pitchFamily="49" charset="0"/>
+              </a:rPr>
+            </a:br>
+            <a:r>
+              <a:rPr lang="en-US" sz="2000" dirty="0">
+                <a:solidFill>
+                  <a:schemeClr val="bg1"/>
+                </a:solidFill>
+                <a:latin typeface="Consolas" panose="020B0609020204030204" pitchFamily="49" charset="0"/>
+              </a:rPr>
+              <a:t>[Route( "api/v{</a:t>
+            </a:r>
+            <a:r>
+              <a:rPr lang="en-US" sz="2000" dirty="0" err="1">
+                <a:solidFill>
+                  <a:schemeClr val="bg1"/>
+                </a:solidFill>
+                <a:latin typeface="Consolas" panose="020B0609020204030204" pitchFamily="49" charset="0"/>
+              </a:rPr>
+              <a:t>version:apiVersion</a:t>
+            </a:r>
+            <a:r>
+              <a:rPr lang="en-US" sz="2000" dirty="0">
+                <a:solidFill>
+                  <a:schemeClr val="bg1"/>
+                </a:solidFill>
+                <a:latin typeface="Consolas" panose="020B0609020204030204" pitchFamily="49" charset="0"/>
+              </a:rPr>
+              <a:t>}/</a:t>
+            </a:r>
+            <a:r>
+              <a:rPr lang="en-US" sz="2000" dirty="0" err="1">
+                <a:solidFill>
+                  <a:schemeClr val="bg1"/>
+                </a:solidFill>
+                <a:latin typeface="Consolas" panose="020B0609020204030204" pitchFamily="49" charset="0"/>
+              </a:rPr>
+              <a:t>helloworld</a:t>
+            </a:r>
+            <a:r>
+              <a:rPr lang="en-US" sz="2000" dirty="0">
+                <a:solidFill>
+                  <a:schemeClr val="bg1"/>
+                </a:solidFill>
+                <a:latin typeface="Consolas" panose="020B0609020204030204" pitchFamily="49" charset="0"/>
+              </a:rPr>
+              <a:t>" )]</a:t>
+            </a:r>
+            <a:br>
+              <a:rPr lang="en-US" sz="2000" dirty="0">
+                <a:solidFill>
+                  <a:schemeClr val="bg1"/>
+                </a:solidFill>
+                <a:latin typeface="Consolas" panose="020B0609020204030204" pitchFamily="49" charset="0"/>
+              </a:rPr>
+            </a:br>
+            <a:r>
+              <a:rPr lang="en-US" sz="2000" dirty="0">
+                <a:solidFill>
+                  <a:schemeClr val="bg1"/>
+                </a:solidFill>
+                <a:latin typeface="Consolas" panose="020B0609020204030204" pitchFamily="49" charset="0"/>
+              </a:rPr>
+              <a:t>public class </a:t>
+            </a:r>
+            <a:r>
+              <a:rPr lang="en-US" sz="2000" dirty="0" err="1">
+                <a:solidFill>
+                  <a:schemeClr val="bg1"/>
+                </a:solidFill>
+                <a:latin typeface="Consolas" panose="020B0609020204030204" pitchFamily="49" charset="0"/>
+              </a:rPr>
+              <a:t>PeopleController</a:t>
+            </a:r>
+            <a:r>
+              <a:rPr lang="en-US" sz="2000" dirty="0">
+                <a:solidFill>
+                  <a:schemeClr val="bg1"/>
+                </a:solidFill>
+                <a:latin typeface="Consolas" panose="020B0609020204030204" pitchFamily="49" charset="0"/>
+              </a:rPr>
+              <a:t> : </a:t>
+            </a:r>
+            <a:r>
+              <a:rPr lang="en-US" sz="2000" dirty="0" err="1">
+                <a:solidFill>
+                  <a:schemeClr val="bg1"/>
+                </a:solidFill>
+                <a:latin typeface="Consolas" panose="020B0609020204030204" pitchFamily="49" charset="0"/>
+              </a:rPr>
+              <a:t>ApiController</a:t>
+            </a:r>
+            <a:endParaRPr lang="en-US" sz="2000" dirty="0">
+              <a:solidFill>
+                <a:schemeClr val="bg1"/>
+              </a:solidFill>
+              <a:latin typeface="Consolas" panose="020B0609020204030204" pitchFamily="49" charset="0"/>
+            </a:endParaRPr>
+          </a:p>
+          <a:p>
+            <a:pPr marL="0" indent="0">
+              <a:lnSpc>
+                <a:spcPct val="100000"/>
+              </a:lnSpc>
+              <a:spcBef>
+                <a:spcPts val="0"/>
+              </a:spcBef>
+              <a:buNone/>
+            </a:pPr>
+            <a:endParaRPr lang="en-US" sz="2000" dirty="0">
+              <a:solidFill>
+                <a:schemeClr val="bg1"/>
+              </a:solidFill>
+              <a:latin typeface="Consolas" panose="020B0609020204030204" pitchFamily="49" charset="0"/>
+            </a:endParaRPr>
+          </a:p>
+          <a:p>
+            <a:pPr marL="0" indent="0">
+              <a:lnSpc>
+                <a:spcPct val="100000"/>
+              </a:lnSpc>
+              <a:spcBef>
+                <a:spcPts val="0"/>
+              </a:spcBef>
+              <a:buNone/>
+            </a:pPr>
+            <a:r>
+              <a:rPr lang="en-US" sz="2000" dirty="0">
+                <a:solidFill>
+                  <a:schemeClr val="bg2">
+                    <a:lumMod val="50000"/>
+                  </a:schemeClr>
+                </a:solidFill>
+                <a:latin typeface="Consolas" panose="020B0609020204030204" pitchFamily="49" charset="0"/>
+              </a:rPr>
+              <a:t>// api/</a:t>
+            </a:r>
+            <a:r>
+              <a:rPr lang="en-US" sz="2000" dirty="0" err="1">
+                <a:solidFill>
+                  <a:schemeClr val="bg2">
+                    <a:lumMod val="50000"/>
+                  </a:schemeClr>
+                </a:solidFill>
+                <a:latin typeface="Consolas" panose="020B0609020204030204" pitchFamily="49" charset="0"/>
+              </a:rPr>
+              <a:t>helloworld?api-version</a:t>
+            </a:r>
+            <a:r>
+              <a:rPr lang="en-US" sz="2000" dirty="0">
+                <a:solidFill>
+                  <a:schemeClr val="bg2">
+                    <a:lumMod val="50000"/>
+                  </a:schemeClr>
+                </a:solidFill>
+                <a:latin typeface="Consolas" panose="020B0609020204030204" pitchFamily="49" charset="0"/>
+              </a:rPr>
+              <a:t>=1.0</a:t>
             </a:r>
           </a:p>
         </p:txBody>
@@ -11832,7 +16323,7 @@
     </p:spTree>
     <p:extLst>
       <p:ext uri="{BB962C8B-B14F-4D97-AF65-F5344CB8AC3E}">
-        <p14:creationId xmlns:p14="http://schemas.microsoft.com/office/powerpoint/2010/main" val="2109819787"/>
+        <p14:creationId xmlns:p14="http://schemas.microsoft.com/office/powerpoint/2010/main" val="446006494"/>
       </p:ext>
     </p:extLst>
   </p:cSld>
@@ -11861,7 +16352,7 @@
       </p:grpSpPr>
       <p:sp>
         <p:nvSpPr>
-          <p:cNvPr id="2" name="Title 1"/>
+          <p:cNvPr id="4" name="Title 3"/>
           <p:cNvSpPr>
             <a:spLocks noGrp="1"/>
           </p:cNvSpPr>
@@ -11875,15 +16366,16 @@
           <a:lstStyle/>
           <a:p>
             <a:r>
-              <a:rPr lang="en-US" dirty="0"/>
-              <a:t>DEMO: Repository Pattern + DI</a:t>
-            </a:r>
-          </a:p>
-        </p:txBody>
-      </p:sp>
-      <p:sp>
-        <p:nvSpPr>
-          <p:cNvPr id="3" name="Content Placeholder 2"/>
+              <a:rPr lang="en-US" dirty="0" err="1"/>
+              <a:t>SDammann.WebApi.Versioning</a:t>
+            </a:r>
+            <a:endParaRPr lang="en-US" dirty="0"/>
+          </a:p>
+        </p:txBody>
+      </p:sp>
+      <p:sp>
+        <p:nvSpPr>
+          <p:cNvPr id="8" name="Content Placeholder 2"/>
           <p:cNvSpPr>
             <a:spLocks noGrp="1"/>
           </p:cNvSpPr>
@@ -11891,19 +16383,276 @@
             <p:ph idx="1"/>
           </p:nvPr>
         </p:nvSpPr>
-        <p:spPr/>
-        <p:txBody>
-          <a:bodyPr/>
+        <p:spPr>
+          <a:xfrm>
+            <a:off x="676656" y="2011680"/>
+            <a:ext cx="10753725" cy="4179258"/>
+          </a:xfrm>
+          <a:solidFill>
+            <a:schemeClr val="tx1"/>
+          </a:solidFill>
+        </p:spPr>
+        <p:txBody>
+          <a:bodyPr lIns="182880" tIns="182880" rIns="182880" bIns="182880">
+            <a:normAutofit/>
+          </a:bodyPr>
           <a:lstStyle/>
           <a:p>
-            <a:endParaRPr lang="en-US"/>
+            <a:pPr marL="0" indent="0">
+              <a:lnSpc>
+                <a:spcPct val="100000"/>
+              </a:lnSpc>
+              <a:spcBef>
+                <a:spcPts val="0"/>
+              </a:spcBef>
+              <a:buNone/>
+            </a:pPr>
+            <a:r>
+              <a:rPr lang="en-US" sz="2000" dirty="0">
+                <a:solidFill>
+                  <a:schemeClr val="bg1"/>
+                </a:solidFill>
+                <a:latin typeface="Consolas" panose="020B0609020204030204" pitchFamily="49" charset="0"/>
+              </a:rPr>
+              <a:t>config.Routes.MapHttpRoute(</a:t>
+            </a:r>
+          </a:p>
+          <a:p>
+            <a:pPr marL="0" indent="0">
+              <a:lnSpc>
+                <a:spcPct val="100000"/>
+              </a:lnSpc>
+              <a:spcBef>
+                <a:spcPts val="0"/>
+              </a:spcBef>
+              <a:buNone/>
+            </a:pPr>
+            <a:r>
+              <a:rPr lang="en-US" sz="2000" dirty="0">
+                <a:solidFill>
+                  <a:schemeClr val="bg1"/>
+                </a:solidFill>
+                <a:latin typeface="Consolas" panose="020B0609020204030204" pitchFamily="49" charset="0"/>
+              </a:rPr>
+              <a:t>	name: "DefaultApi",</a:t>
+            </a:r>
+          </a:p>
+          <a:p>
+            <a:pPr marL="0" indent="0">
+              <a:lnSpc>
+                <a:spcPct val="100000"/>
+              </a:lnSpc>
+              <a:spcBef>
+                <a:spcPts val="0"/>
+              </a:spcBef>
+              <a:buNone/>
+            </a:pPr>
+            <a:r>
+              <a:rPr lang="en-US" sz="2000" dirty="0">
+                <a:solidFill>
+                  <a:schemeClr val="bg1"/>
+                </a:solidFill>
+                <a:latin typeface="Consolas" panose="020B0609020204030204" pitchFamily="49" charset="0"/>
+              </a:rPr>
+              <a:t>	routeTemplate: "api/v{version}/{controller}/{id}",</a:t>
+            </a:r>
+          </a:p>
+          <a:p>
+            <a:pPr marL="0" indent="0">
+              <a:lnSpc>
+                <a:spcPct val="100000"/>
+              </a:lnSpc>
+              <a:spcBef>
+                <a:spcPts val="0"/>
+              </a:spcBef>
+              <a:buNone/>
+            </a:pPr>
+            <a:r>
+              <a:rPr lang="en-US" sz="2000" dirty="0">
+                <a:solidFill>
+                  <a:schemeClr val="bg1"/>
+                </a:solidFill>
+                <a:latin typeface="Consolas" panose="020B0609020204030204" pitchFamily="49" charset="0"/>
+              </a:rPr>
+              <a:t>	defaults: new { id = </a:t>
+            </a:r>
+            <a:r>
+              <a:rPr lang="en-US" sz="2000" dirty="0" err="1">
+                <a:solidFill>
+                  <a:schemeClr val="bg1"/>
+                </a:solidFill>
+                <a:latin typeface="Consolas" panose="020B0609020204030204" pitchFamily="49" charset="0"/>
+              </a:rPr>
+              <a:t>RouteParameter.Optional</a:t>
+            </a:r>
+            <a:r>
+              <a:rPr lang="en-US" sz="2000" dirty="0">
+                <a:solidFill>
+                  <a:schemeClr val="bg1"/>
+                </a:solidFill>
+                <a:latin typeface="Consolas" panose="020B0609020204030204" pitchFamily="49" charset="0"/>
+              </a:rPr>
+              <a:t> }</a:t>
+            </a:r>
+          </a:p>
+          <a:p>
+            <a:pPr marL="0" indent="0">
+              <a:lnSpc>
+                <a:spcPct val="100000"/>
+              </a:lnSpc>
+              <a:spcBef>
+                <a:spcPts val="0"/>
+              </a:spcBef>
+              <a:buNone/>
+            </a:pPr>
+            <a:r>
+              <a:rPr lang="en-US" sz="2000" dirty="0">
+                <a:solidFill>
+                  <a:schemeClr val="bg1"/>
+                </a:solidFill>
+                <a:latin typeface="Consolas" panose="020B0609020204030204" pitchFamily="49" charset="0"/>
+              </a:rPr>
+              <a:t>);</a:t>
+            </a:r>
+          </a:p>
+          <a:p>
+            <a:pPr marL="0" indent="0">
+              <a:lnSpc>
+                <a:spcPct val="100000"/>
+              </a:lnSpc>
+              <a:spcBef>
+                <a:spcPts val="0"/>
+              </a:spcBef>
+              <a:buNone/>
+            </a:pPr>
+            <a:endParaRPr lang="en-US" sz="2000" dirty="0">
+              <a:solidFill>
+                <a:schemeClr val="bg1"/>
+              </a:solidFill>
+              <a:latin typeface="Consolas" panose="020B0609020204030204" pitchFamily="49" charset="0"/>
+            </a:endParaRPr>
+          </a:p>
+          <a:p>
+            <a:pPr marL="0" indent="0">
+              <a:lnSpc>
+                <a:spcPct val="100000"/>
+              </a:lnSpc>
+              <a:spcBef>
+                <a:spcPts val="0"/>
+              </a:spcBef>
+              <a:buNone/>
+            </a:pPr>
+            <a:r>
+              <a:rPr lang="en-US" sz="2000" dirty="0">
+                <a:solidFill>
+                  <a:schemeClr val="bg1"/>
+                </a:solidFill>
+                <a:latin typeface="Consolas" panose="020B0609020204030204" pitchFamily="49" charset="0"/>
+              </a:rPr>
+              <a:t>ApiVersioning.Configure(config)</a:t>
+            </a:r>
+          </a:p>
+          <a:p>
+            <a:pPr marL="0" indent="0">
+              <a:lnSpc>
+                <a:spcPct val="100000"/>
+              </a:lnSpc>
+              <a:spcBef>
+                <a:spcPts val="0"/>
+              </a:spcBef>
+              <a:buNone/>
+            </a:pPr>
+            <a:r>
+              <a:rPr lang="en-US" sz="2000" dirty="0">
+                <a:solidFill>
+                  <a:schemeClr val="bg1"/>
+                </a:solidFill>
+                <a:latin typeface="Consolas" panose="020B0609020204030204" pitchFamily="49" charset="0"/>
+              </a:rPr>
+              <a:t>	.</a:t>
+            </a:r>
+            <a:r>
+              <a:rPr lang="en-US" sz="2000" dirty="0" err="1">
+                <a:solidFill>
+                  <a:schemeClr val="bg1"/>
+                </a:solidFill>
+                <a:latin typeface="Consolas" panose="020B0609020204030204" pitchFamily="49" charset="0"/>
+              </a:rPr>
+              <a:t>ConfigureRequestVersionDetector</a:t>
+            </a:r>
+            <a:r>
+              <a:rPr lang="en-US" sz="2000" dirty="0">
+                <a:solidFill>
+                  <a:schemeClr val="bg1"/>
+                </a:solidFill>
+                <a:latin typeface="Consolas" panose="020B0609020204030204" pitchFamily="49" charset="0"/>
+              </a:rPr>
+              <a:t>&lt;</a:t>
+            </a:r>
+            <a:r>
+              <a:rPr lang="en-US" sz="2000" dirty="0" err="1">
+                <a:solidFill>
+                  <a:schemeClr val="bg1"/>
+                </a:solidFill>
+                <a:latin typeface="Consolas" panose="020B0609020204030204" pitchFamily="49" charset="0"/>
+              </a:rPr>
+              <a:t>DefaultRouteKeyVersionDetector</a:t>
+            </a:r>
+            <a:r>
+              <a:rPr lang="en-US" sz="2000" dirty="0">
+                <a:solidFill>
+                  <a:schemeClr val="bg1"/>
+                </a:solidFill>
+                <a:latin typeface="Consolas" panose="020B0609020204030204" pitchFamily="49" charset="0"/>
+              </a:rPr>
+              <a:t>&gt;();</a:t>
+            </a:r>
+          </a:p>
+          <a:p>
+            <a:pPr marL="0" indent="0">
+              <a:lnSpc>
+                <a:spcPct val="100000"/>
+              </a:lnSpc>
+              <a:spcBef>
+                <a:spcPts val="0"/>
+              </a:spcBef>
+              <a:buNone/>
+            </a:pPr>
+            <a:endParaRPr lang="en-US" sz="2000" dirty="0">
+              <a:solidFill>
+                <a:schemeClr val="bg1"/>
+              </a:solidFill>
+              <a:latin typeface="Consolas" panose="020B0609020204030204" pitchFamily="49" charset="0"/>
+            </a:endParaRPr>
+          </a:p>
+          <a:p>
+            <a:pPr marL="0" indent="0">
+              <a:lnSpc>
+                <a:spcPct val="100000"/>
+              </a:lnSpc>
+              <a:spcBef>
+                <a:spcPts val="0"/>
+              </a:spcBef>
+              <a:buNone/>
+            </a:pPr>
+            <a:r>
+              <a:rPr lang="en-US" sz="2000" dirty="0">
+                <a:solidFill>
+                  <a:schemeClr val="bg2">
+                    <a:lumMod val="50000"/>
+                  </a:schemeClr>
+                </a:solidFill>
+                <a:latin typeface="Consolas" panose="020B0609020204030204" pitchFamily="49" charset="0"/>
+              </a:rPr>
+              <a:t>// Namespace MyApi.Version1_1</a:t>
+            </a:r>
           </a:p>
         </p:txBody>
       </p:sp>
     </p:spTree>
     <p:extLst>
       <p:ext uri="{BB962C8B-B14F-4D97-AF65-F5344CB8AC3E}">
-        <p14:creationId xmlns:p14="http://schemas.microsoft.com/office/powerpoint/2010/main" val="3237815168"/>
+        <p14:creationId xmlns:p14="http://schemas.microsoft.com/office/powerpoint/2010/main" val="2388929456"/>
       </p:ext>
     </p:extLst>
   </p:cSld>
@@ -11946,708 +16695,6 @@
           <a:lstStyle/>
           <a:p>
             <a:r>
-              <a:rPr lang="en-US" dirty="0"/>
-              <a:t>3</a:t>
-            </a:r>
-            <a:r>
-              <a:rPr lang="en-US" baseline="30000" dirty="0"/>
-              <a:t>rd</a:t>
-            </a:r>
-            <a:r>
-              <a:rPr lang="en-US" dirty="0"/>
-              <a:t> Party Tools</a:t>
-            </a:r>
-          </a:p>
-        </p:txBody>
-      </p:sp>
-      <p:sp>
-        <p:nvSpPr>
-          <p:cNvPr id="5" name="Text Placeholder 4"/>
-          <p:cNvSpPr>
-            <a:spLocks noGrp="1"/>
-          </p:cNvSpPr>
-          <p:nvPr>
-            <p:ph type="body" idx="1"/>
-          </p:nvPr>
-        </p:nvSpPr>
-        <p:spPr/>
-        <p:txBody>
-          <a:bodyPr/>
-          <a:lstStyle/>
-          <a:p>
-            <a:endParaRPr lang="en-US"/>
-          </a:p>
-        </p:txBody>
-      </p:sp>
-    </p:spTree>
-    <p:extLst>
-      <p:ext uri="{BB962C8B-B14F-4D97-AF65-F5344CB8AC3E}">
-        <p14:creationId xmlns:p14="http://schemas.microsoft.com/office/powerpoint/2010/main" val="2348174921"/>
-      </p:ext>
-    </p:extLst>
-  </p:cSld>
-  <p:clrMapOvr>
-    <a:masterClrMapping/>
-  </p:clrMapOvr>
-</p:sld>
-</file>
-
-<file path=ppt/slides/slide47.xml><?xml version="1.0" encoding="utf-8"?>
-<p:sld xmlns:a="http://schemas.openxmlformats.org/drawingml/2006/main" xmlns:r="http://schemas.openxmlformats.org/officeDocument/2006/relationships" xmlns:p="http://schemas.openxmlformats.org/presentationml/2006/main">
-  <p:cSld>
-    <p:spTree>
-      <p:nvGrpSpPr>
-        <p:cNvPr id="1" name=""/>
-        <p:cNvGrpSpPr/>
-        <p:nvPr/>
-      </p:nvGrpSpPr>
-      <p:grpSpPr>
-        <a:xfrm>
-          <a:off x="0" y="0"/>
-          <a:ext cx="0" cy="0"/>
-          <a:chOff x="0" y="0"/>
-          <a:chExt cx="0" cy="0"/>
-        </a:xfrm>
-      </p:grpSpPr>
-      <p:sp>
-        <p:nvSpPr>
-          <p:cNvPr id="4" name="Title 3"/>
-          <p:cNvSpPr>
-            <a:spLocks noGrp="1"/>
-          </p:cNvSpPr>
-          <p:nvPr>
-            <p:ph type="title"/>
-          </p:nvPr>
-        </p:nvSpPr>
-        <p:spPr/>
-        <p:txBody>
-          <a:bodyPr>
-            <a:normAutofit/>
-          </a:bodyPr>
-          <a:lstStyle/>
-          <a:p>
-            <a:r>
-              <a:rPr lang="en-US" sz="4400" dirty="0" err="1"/>
-              <a:t>Microsoft.AspNet.WebApi.Versioning</a:t>
-            </a:r>
-            <a:r>
-              <a:rPr lang="en-US" sz="4400" dirty="0"/>
-              <a:t> &amp;</a:t>
-            </a:r>
-            <a:br>
-              <a:rPr lang="en-US" sz="4400" dirty="0"/>
-            </a:br>
-            <a:r>
-              <a:rPr lang="en-US" sz="4400" dirty="0" err="1"/>
-              <a:t>Microsoft.AspNetCore.Mvc.Versioning</a:t>
-            </a:r>
-            <a:endParaRPr lang="en-US" sz="4400" dirty="0"/>
-          </a:p>
-        </p:txBody>
-      </p:sp>
-      <p:sp>
-        <p:nvSpPr>
-          <p:cNvPr id="8" name="Content Placeholder 2"/>
-          <p:cNvSpPr>
-            <a:spLocks noGrp="1"/>
-          </p:cNvSpPr>
-          <p:nvPr>
-            <p:ph idx="1"/>
-          </p:nvPr>
-        </p:nvSpPr>
-        <p:spPr>
-          <a:xfrm>
-            <a:off x="676656" y="2011680"/>
-            <a:ext cx="10753725" cy="4179258"/>
-          </a:xfrm>
-          <a:solidFill>
-            <a:schemeClr val="tx1"/>
-          </a:solidFill>
-        </p:spPr>
-        <p:txBody>
-          <a:bodyPr lIns="182880" tIns="182880" rIns="182880" bIns="182880">
-            <a:normAutofit/>
-          </a:bodyPr>
-          <a:lstStyle/>
-          <a:p>
-            <a:pPr marL="0" indent="0">
-              <a:lnSpc>
-                <a:spcPct val="100000"/>
-              </a:lnSpc>
-              <a:spcBef>
-                <a:spcPts val="0"/>
-              </a:spcBef>
-              <a:buNone/>
-            </a:pPr>
-            <a:r>
-              <a:rPr lang="en-US" sz="2000" dirty="0">
-                <a:solidFill>
-                  <a:schemeClr val="bg1"/>
-                </a:solidFill>
-                <a:latin typeface="Consolas" panose="020B0609020204030204" pitchFamily="49" charset="0"/>
-              </a:rPr>
-              <a:t>[</a:t>
-            </a:r>
-            <a:r>
-              <a:rPr lang="en-US" sz="2000" dirty="0" err="1">
-                <a:solidFill>
-                  <a:schemeClr val="bg1"/>
-                </a:solidFill>
-                <a:latin typeface="Consolas" panose="020B0609020204030204" pitchFamily="49" charset="0"/>
-              </a:rPr>
-              <a:t>ApiVersion</a:t>
-            </a:r>
-            <a:r>
-              <a:rPr lang="en-US" sz="2000" dirty="0">
-                <a:solidFill>
-                  <a:schemeClr val="bg1"/>
-                </a:solidFill>
-                <a:latin typeface="Consolas" panose="020B0609020204030204" pitchFamily="49" charset="0"/>
-              </a:rPr>
-              <a:t>( "1.0" )]</a:t>
-            </a:r>
-            <a:br>
-              <a:rPr lang="en-US" sz="2000" dirty="0">
-                <a:solidFill>
-                  <a:schemeClr val="bg1"/>
-                </a:solidFill>
-                <a:latin typeface="Consolas" panose="020B0609020204030204" pitchFamily="49" charset="0"/>
-              </a:rPr>
-            </a:br>
-            <a:r>
-              <a:rPr lang="en-US" sz="2000" dirty="0">
-                <a:solidFill>
-                  <a:schemeClr val="bg1"/>
-                </a:solidFill>
-                <a:latin typeface="Consolas" panose="020B0609020204030204" pitchFamily="49" charset="0"/>
-              </a:rPr>
-              <a:t>[Route( "api/v{</a:t>
-            </a:r>
-            <a:r>
-              <a:rPr lang="en-US" sz="2000" dirty="0" err="1">
-                <a:solidFill>
-                  <a:schemeClr val="bg1"/>
-                </a:solidFill>
-                <a:latin typeface="Consolas" panose="020B0609020204030204" pitchFamily="49" charset="0"/>
-              </a:rPr>
-              <a:t>version:apiVersion</a:t>
-            </a:r>
-            <a:r>
-              <a:rPr lang="en-US" sz="2000" dirty="0">
-                <a:solidFill>
-                  <a:schemeClr val="bg1"/>
-                </a:solidFill>
-                <a:latin typeface="Consolas" panose="020B0609020204030204" pitchFamily="49" charset="0"/>
-              </a:rPr>
-              <a:t>}/</a:t>
-            </a:r>
-            <a:r>
-              <a:rPr lang="en-US" sz="2000" dirty="0" err="1">
-                <a:solidFill>
-                  <a:schemeClr val="bg1"/>
-                </a:solidFill>
-                <a:latin typeface="Consolas" panose="020B0609020204030204" pitchFamily="49" charset="0"/>
-              </a:rPr>
-              <a:t>helloworld</a:t>
-            </a:r>
-            <a:r>
-              <a:rPr lang="en-US" sz="2000" dirty="0">
-                <a:solidFill>
-                  <a:schemeClr val="bg1"/>
-                </a:solidFill>
-                <a:latin typeface="Consolas" panose="020B0609020204030204" pitchFamily="49" charset="0"/>
-              </a:rPr>
-              <a:t>" )]</a:t>
-            </a:r>
-            <a:br>
-              <a:rPr lang="en-US" sz="2000" dirty="0">
-                <a:solidFill>
-                  <a:schemeClr val="bg1"/>
-                </a:solidFill>
-                <a:latin typeface="Consolas" panose="020B0609020204030204" pitchFamily="49" charset="0"/>
-              </a:rPr>
-            </a:br>
-            <a:r>
-              <a:rPr lang="en-US" sz="2000" dirty="0">
-                <a:solidFill>
-                  <a:schemeClr val="bg1"/>
-                </a:solidFill>
-                <a:latin typeface="Consolas" panose="020B0609020204030204" pitchFamily="49" charset="0"/>
-              </a:rPr>
-              <a:t>public class </a:t>
-            </a:r>
-            <a:r>
-              <a:rPr lang="en-US" sz="2000" dirty="0" err="1">
-                <a:solidFill>
-                  <a:schemeClr val="bg1"/>
-                </a:solidFill>
-                <a:latin typeface="Consolas" panose="020B0609020204030204" pitchFamily="49" charset="0"/>
-              </a:rPr>
-              <a:t>PeopleController</a:t>
-            </a:r>
-            <a:r>
-              <a:rPr lang="en-US" sz="2000" dirty="0">
-                <a:solidFill>
-                  <a:schemeClr val="bg1"/>
-                </a:solidFill>
-                <a:latin typeface="Consolas" panose="020B0609020204030204" pitchFamily="49" charset="0"/>
-              </a:rPr>
-              <a:t> : </a:t>
-            </a:r>
-            <a:r>
-              <a:rPr lang="en-US" sz="2000" dirty="0" err="1">
-                <a:solidFill>
-                  <a:schemeClr val="bg1"/>
-                </a:solidFill>
-                <a:latin typeface="Consolas" panose="020B0609020204030204" pitchFamily="49" charset="0"/>
-              </a:rPr>
-              <a:t>ApiController</a:t>
-            </a:r>
-            <a:endParaRPr lang="en-US" sz="2000" dirty="0">
-              <a:solidFill>
-                <a:schemeClr val="bg1"/>
-              </a:solidFill>
-              <a:latin typeface="Consolas" panose="020B0609020204030204" pitchFamily="49" charset="0"/>
-            </a:endParaRPr>
-          </a:p>
-          <a:p>
-            <a:pPr marL="0" indent="0">
-              <a:lnSpc>
-                <a:spcPct val="100000"/>
-              </a:lnSpc>
-              <a:spcBef>
-                <a:spcPts val="0"/>
-              </a:spcBef>
-              <a:buNone/>
-            </a:pPr>
-            <a:endParaRPr lang="en-US" sz="2000" dirty="0">
-              <a:solidFill>
-                <a:schemeClr val="bg1"/>
-              </a:solidFill>
-              <a:latin typeface="Consolas" panose="020B0609020204030204" pitchFamily="49" charset="0"/>
-            </a:endParaRPr>
-          </a:p>
-          <a:p>
-            <a:pPr marL="0" indent="0">
-              <a:lnSpc>
-                <a:spcPct val="100000"/>
-              </a:lnSpc>
-              <a:spcBef>
-                <a:spcPts val="0"/>
-              </a:spcBef>
-              <a:buNone/>
-            </a:pPr>
-            <a:r>
-              <a:rPr lang="en-US" sz="2000" dirty="0">
-                <a:solidFill>
-                  <a:schemeClr val="bg2">
-                    <a:lumMod val="50000"/>
-                  </a:schemeClr>
-                </a:solidFill>
-                <a:latin typeface="Consolas" panose="020B0609020204030204" pitchFamily="49" charset="0"/>
-              </a:rPr>
-              <a:t>// api/</a:t>
-            </a:r>
-            <a:r>
-              <a:rPr lang="en-US" sz="2000" dirty="0" err="1">
-                <a:solidFill>
-                  <a:schemeClr val="bg2">
-                    <a:lumMod val="50000"/>
-                  </a:schemeClr>
-                </a:solidFill>
-                <a:latin typeface="Consolas" panose="020B0609020204030204" pitchFamily="49" charset="0"/>
-              </a:rPr>
-              <a:t>helloworld?api-version</a:t>
-            </a:r>
-            <a:r>
-              <a:rPr lang="en-US" sz="2000" dirty="0">
-                <a:solidFill>
-                  <a:schemeClr val="bg2">
-                    <a:lumMod val="50000"/>
-                  </a:schemeClr>
-                </a:solidFill>
-                <a:latin typeface="Consolas" panose="020B0609020204030204" pitchFamily="49" charset="0"/>
-              </a:rPr>
-              <a:t>=1.0</a:t>
-            </a:r>
-          </a:p>
-        </p:txBody>
-      </p:sp>
-    </p:spTree>
-    <p:extLst>
-      <p:ext uri="{BB962C8B-B14F-4D97-AF65-F5344CB8AC3E}">
-        <p14:creationId xmlns:p14="http://schemas.microsoft.com/office/powerpoint/2010/main" val="446006494"/>
-      </p:ext>
-    </p:extLst>
-  </p:cSld>
-  <p:clrMapOvr>
-    <a:masterClrMapping/>
-  </p:clrMapOvr>
-</p:sld>
-</file>
-
-<file path=ppt/slides/slide48.xml><?xml version="1.0" encoding="utf-8"?>
-<p:sld xmlns:a="http://schemas.openxmlformats.org/drawingml/2006/main" xmlns:r="http://schemas.openxmlformats.org/officeDocument/2006/relationships" xmlns:p="http://schemas.openxmlformats.org/presentationml/2006/main">
-  <p:cSld>
-    <p:spTree>
-      <p:nvGrpSpPr>
-        <p:cNvPr id="1" name=""/>
-        <p:cNvGrpSpPr/>
-        <p:nvPr/>
-      </p:nvGrpSpPr>
-      <p:grpSpPr>
-        <a:xfrm>
-          <a:off x="0" y="0"/>
-          <a:ext cx="0" cy="0"/>
-          <a:chOff x="0" y="0"/>
-          <a:chExt cx="0" cy="0"/>
-        </a:xfrm>
-      </p:grpSpPr>
-      <p:sp>
-        <p:nvSpPr>
-          <p:cNvPr id="4" name="Title 3"/>
-          <p:cNvSpPr>
-            <a:spLocks noGrp="1"/>
-          </p:cNvSpPr>
-          <p:nvPr>
-            <p:ph type="title"/>
-          </p:nvPr>
-        </p:nvSpPr>
-        <p:spPr/>
-        <p:txBody>
-          <a:bodyPr/>
-          <a:lstStyle/>
-          <a:p>
-            <a:r>
-              <a:rPr lang="en-US" dirty="0" err="1"/>
-              <a:t>SDammann.WebApi.Versioning</a:t>
-            </a:r>
-            <a:endParaRPr lang="en-US" dirty="0"/>
-          </a:p>
-        </p:txBody>
-      </p:sp>
-      <p:sp>
-        <p:nvSpPr>
-          <p:cNvPr id="8" name="Content Placeholder 2"/>
-          <p:cNvSpPr>
-            <a:spLocks noGrp="1"/>
-          </p:cNvSpPr>
-          <p:nvPr>
-            <p:ph idx="1"/>
-          </p:nvPr>
-        </p:nvSpPr>
-        <p:spPr>
-          <a:xfrm>
-            <a:off x="676656" y="2011680"/>
-            <a:ext cx="10753725" cy="4179258"/>
-          </a:xfrm>
-          <a:solidFill>
-            <a:schemeClr val="tx1"/>
-          </a:solidFill>
-        </p:spPr>
-        <p:txBody>
-          <a:bodyPr lIns="182880" tIns="182880" rIns="182880" bIns="182880">
-            <a:normAutofit/>
-          </a:bodyPr>
-          <a:lstStyle/>
-          <a:p>
-            <a:pPr marL="0" indent="0">
-              <a:lnSpc>
-                <a:spcPct val="100000"/>
-              </a:lnSpc>
-              <a:spcBef>
-                <a:spcPts val="0"/>
-              </a:spcBef>
-              <a:buNone/>
-            </a:pPr>
-            <a:r>
-              <a:rPr lang="en-US" sz="2000" dirty="0">
-                <a:solidFill>
-                  <a:schemeClr val="bg1"/>
-                </a:solidFill>
-                <a:latin typeface="Consolas" panose="020B0609020204030204" pitchFamily="49" charset="0"/>
-              </a:rPr>
-              <a:t>config.Routes.MapHttpRoute(</a:t>
-            </a:r>
-          </a:p>
-          <a:p>
-            <a:pPr marL="0" indent="0">
-              <a:lnSpc>
-                <a:spcPct val="100000"/>
-              </a:lnSpc>
-              <a:spcBef>
-                <a:spcPts val="0"/>
-              </a:spcBef>
-              <a:buNone/>
-            </a:pPr>
-            <a:r>
-              <a:rPr lang="en-US" sz="2000" dirty="0">
-                <a:solidFill>
-                  <a:schemeClr val="bg1"/>
-                </a:solidFill>
-                <a:latin typeface="Consolas" panose="020B0609020204030204" pitchFamily="49" charset="0"/>
-              </a:rPr>
-              <a:t>	name: "DefaultApi",</a:t>
-            </a:r>
-          </a:p>
-          <a:p>
-            <a:pPr marL="0" indent="0">
-              <a:lnSpc>
-                <a:spcPct val="100000"/>
-              </a:lnSpc>
-              <a:spcBef>
-                <a:spcPts val="0"/>
-              </a:spcBef>
-              <a:buNone/>
-            </a:pPr>
-            <a:r>
-              <a:rPr lang="en-US" sz="2000" dirty="0">
-                <a:solidFill>
-                  <a:schemeClr val="bg1"/>
-                </a:solidFill>
-                <a:latin typeface="Consolas" panose="020B0609020204030204" pitchFamily="49" charset="0"/>
-              </a:rPr>
-              <a:t>	routeTemplate: "api/v{version}/{controller}/{id}",</a:t>
-            </a:r>
-          </a:p>
-          <a:p>
-            <a:pPr marL="0" indent="0">
-              <a:lnSpc>
-                <a:spcPct val="100000"/>
-              </a:lnSpc>
-              <a:spcBef>
-                <a:spcPts val="0"/>
-              </a:spcBef>
-              <a:buNone/>
-            </a:pPr>
-            <a:r>
-              <a:rPr lang="en-US" sz="2000" dirty="0">
-                <a:solidFill>
-                  <a:schemeClr val="bg1"/>
-                </a:solidFill>
-                <a:latin typeface="Consolas" panose="020B0609020204030204" pitchFamily="49" charset="0"/>
-              </a:rPr>
-              <a:t>	defaults: new { id = </a:t>
-            </a:r>
-            <a:r>
-              <a:rPr lang="en-US" sz="2000" dirty="0" err="1">
-                <a:solidFill>
-                  <a:schemeClr val="bg1"/>
-                </a:solidFill>
-                <a:latin typeface="Consolas" panose="020B0609020204030204" pitchFamily="49" charset="0"/>
-              </a:rPr>
-              <a:t>RouteParameter.Optional</a:t>
-            </a:r>
-            <a:r>
-              <a:rPr lang="en-US" sz="2000" dirty="0">
-                <a:solidFill>
-                  <a:schemeClr val="bg1"/>
-                </a:solidFill>
-                <a:latin typeface="Consolas" panose="020B0609020204030204" pitchFamily="49" charset="0"/>
-              </a:rPr>
-              <a:t> }</a:t>
-            </a:r>
-          </a:p>
-          <a:p>
-            <a:pPr marL="0" indent="0">
-              <a:lnSpc>
-                <a:spcPct val="100000"/>
-              </a:lnSpc>
-              <a:spcBef>
-                <a:spcPts val="0"/>
-              </a:spcBef>
-              <a:buNone/>
-            </a:pPr>
-            <a:r>
-              <a:rPr lang="en-US" sz="2000" dirty="0">
-                <a:solidFill>
-                  <a:schemeClr val="bg1"/>
-                </a:solidFill>
-                <a:latin typeface="Consolas" panose="020B0609020204030204" pitchFamily="49" charset="0"/>
-              </a:rPr>
-              <a:t>);</a:t>
-            </a:r>
-          </a:p>
-          <a:p>
-            <a:pPr marL="0" indent="0">
-              <a:lnSpc>
-                <a:spcPct val="100000"/>
-              </a:lnSpc>
-              <a:spcBef>
-                <a:spcPts val="0"/>
-              </a:spcBef>
-              <a:buNone/>
-            </a:pPr>
-            <a:endParaRPr lang="en-US" sz="2000" dirty="0">
-              <a:solidFill>
-                <a:schemeClr val="bg1"/>
-              </a:solidFill>
-              <a:latin typeface="Consolas" panose="020B0609020204030204" pitchFamily="49" charset="0"/>
-            </a:endParaRPr>
-          </a:p>
-          <a:p>
-            <a:pPr marL="0" indent="0">
-              <a:lnSpc>
-                <a:spcPct val="100000"/>
-              </a:lnSpc>
-              <a:spcBef>
-                <a:spcPts val="0"/>
-              </a:spcBef>
-              <a:buNone/>
-            </a:pPr>
-            <a:r>
-              <a:rPr lang="en-US" sz="2000" dirty="0">
-                <a:solidFill>
-                  <a:schemeClr val="bg1"/>
-                </a:solidFill>
-                <a:latin typeface="Consolas" panose="020B0609020204030204" pitchFamily="49" charset="0"/>
-              </a:rPr>
-              <a:t>ApiVersioning.Configure(config)</a:t>
-            </a:r>
-          </a:p>
-          <a:p>
-            <a:pPr marL="0" indent="0">
-              <a:lnSpc>
-                <a:spcPct val="100000"/>
-              </a:lnSpc>
-              <a:spcBef>
-                <a:spcPts val="0"/>
-              </a:spcBef>
-              <a:buNone/>
-            </a:pPr>
-            <a:r>
-              <a:rPr lang="en-US" sz="2000" dirty="0">
-                <a:solidFill>
-                  <a:schemeClr val="bg1"/>
-                </a:solidFill>
-                <a:latin typeface="Consolas" panose="020B0609020204030204" pitchFamily="49" charset="0"/>
-              </a:rPr>
-              <a:t>	.</a:t>
-            </a:r>
-            <a:r>
-              <a:rPr lang="en-US" sz="2000" dirty="0" err="1">
-                <a:solidFill>
-                  <a:schemeClr val="bg1"/>
-                </a:solidFill>
-                <a:latin typeface="Consolas" panose="020B0609020204030204" pitchFamily="49" charset="0"/>
-              </a:rPr>
-              <a:t>ConfigureRequestVersionDetector</a:t>
-            </a:r>
-            <a:r>
-              <a:rPr lang="en-US" sz="2000" dirty="0">
-                <a:solidFill>
-                  <a:schemeClr val="bg1"/>
-                </a:solidFill>
-                <a:latin typeface="Consolas" panose="020B0609020204030204" pitchFamily="49" charset="0"/>
-              </a:rPr>
-              <a:t>&lt;</a:t>
-            </a:r>
-            <a:r>
-              <a:rPr lang="en-US" sz="2000" dirty="0" err="1">
-                <a:solidFill>
-                  <a:schemeClr val="bg1"/>
-                </a:solidFill>
-                <a:latin typeface="Consolas" panose="020B0609020204030204" pitchFamily="49" charset="0"/>
-              </a:rPr>
-              <a:t>DefaultRouteKeyVersionDetector</a:t>
-            </a:r>
-            <a:r>
-              <a:rPr lang="en-US" sz="2000" dirty="0">
-                <a:solidFill>
-                  <a:schemeClr val="bg1"/>
-                </a:solidFill>
-                <a:latin typeface="Consolas" panose="020B0609020204030204" pitchFamily="49" charset="0"/>
-              </a:rPr>
-              <a:t>&gt;();</a:t>
-            </a:r>
-          </a:p>
-          <a:p>
-            <a:pPr marL="0" indent="0">
-              <a:lnSpc>
-                <a:spcPct val="100000"/>
-              </a:lnSpc>
-              <a:spcBef>
-                <a:spcPts val="0"/>
-              </a:spcBef>
-              <a:buNone/>
-            </a:pPr>
-            <a:endParaRPr lang="en-US" sz="2000" dirty="0">
-              <a:solidFill>
-                <a:schemeClr val="bg1"/>
-              </a:solidFill>
-              <a:latin typeface="Consolas" panose="020B0609020204030204" pitchFamily="49" charset="0"/>
-            </a:endParaRPr>
-          </a:p>
-          <a:p>
-            <a:pPr marL="0" indent="0">
-              <a:lnSpc>
-                <a:spcPct val="100000"/>
-              </a:lnSpc>
-              <a:spcBef>
-                <a:spcPts val="0"/>
-              </a:spcBef>
-              <a:buNone/>
-            </a:pPr>
-            <a:r>
-              <a:rPr lang="en-US" sz="2000" dirty="0">
-                <a:solidFill>
-                  <a:schemeClr val="bg2">
-                    <a:lumMod val="50000"/>
-                  </a:schemeClr>
-                </a:solidFill>
-                <a:latin typeface="Consolas" panose="020B0609020204030204" pitchFamily="49" charset="0"/>
-              </a:rPr>
-              <a:t>// Namespace MyApi.Version1_1</a:t>
-            </a:r>
-          </a:p>
-        </p:txBody>
-      </p:sp>
-    </p:spTree>
-    <p:extLst>
-      <p:ext uri="{BB962C8B-B14F-4D97-AF65-F5344CB8AC3E}">
-        <p14:creationId xmlns:p14="http://schemas.microsoft.com/office/powerpoint/2010/main" val="2388929456"/>
-      </p:ext>
-    </p:extLst>
-  </p:cSld>
-  <p:clrMapOvr>
-    <a:masterClrMapping/>
-  </p:clrMapOvr>
-</p:sld>
-</file>
-
-<file path=ppt/slides/slide49.xml><?xml version="1.0" encoding="utf-8"?>
-<p:sld xmlns:a="http://schemas.openxmlformats.org/drawingml/2006/main" xmlns:r="http://schemas.openxmlformats.org/officeDocument/2006/relationships" xmlns:p="http://schemas.openxmlformats.org/presentationml/2006/main">
-  <p:cSld>
-    <p:spTree>
-      <p:nvGrpSpPr>
-        <p:cNvPr id="1" name=""/>
-        <p:cNvGrpSpPr/>
-        <p:nvPr/>
-      </p:nvGrpSpPr>
-      <p:grpSpPr>
-        <a:xfrm>
-          <a:off x="0" y="0"/>
-          <a:ext cx="0" cy="0"/>
-          <a:chOff x="0" y="0"/>
-          <a:chExt cx="0" cy="0"/>
-        </a:xfrm>
-      </p:grpSpPr>
-      <p:sp>
-        <p:nvSpPr>
-          <p:cNvPr id="4" name="Title 3"/>
-          <p:cNvSpPr>
-            <a:spLocks noGrp="1"/>
-          </p:cNvSpPr>
-          <p:nvPr>
-            <p:ph type="title"/>
-          </p:nvPr>
-        </p:nvSpPr>
-        <p:spPr/>
-        <p:txBody>
-          <a:bodyPr/>
-          <a:lstStyle/>
-          <a:p>
-            <a:r>
               <a:rPr lang="en-US" dirty="0" err="1"/>
               <a:t>Swashbuckle</a:t>
             </a:r>
@@ -13007,154 +17054,7 @@
 </p:sld>
 </file>
 
-<file path=ppt/slides/slide5.xml><?xml version="1.0" encoding="utf-8"?>
-<p:sld xmlns:a="http://schemas.openxmlformats.org/drawingml/2006/main" xmlns:r="http://schemas.openxmlformats.org/officeDocument/2006/relationships" xmlns:p="http://schemas.openxmlformats.org/presentationml/2006/main">
-  <p:cSld>
-    <p:spTree>
-      <p:nvGrpSpPr>
-        <p:cNvPr id="1" name=""/>
-        <p:cNvGrpSpPr/>
-        <p:nvPr/>
-      </p:nvGrpSpPr>
-      <p:grpSpPr>
-        <a:xfrm>
-          <a:off x="0" y="0"/>
-          <a:ext cx="0" cy="0"/>
-          <a:chOff x="0" y="0"/>
-          <a:chExt cx="0" cy="0"/>
-        </a:xfrm>
-      </p:grpSpPr>
-      <p:sp>
-        <p:nvSpPr>
-          <p:cNvPr id="2" name="Title 1"/>
-          <p:cNvSpPr>
-            <a:spLocks noGrp="1"/>
-          </p:cNvSpPr>
-          <p:nvPr>
-            <p:ph type="title"/>
-          </p:nvPr>
-        </p:nvSpPr>
-        <p:spPr/>
-        <p:txBody>
-          <a:bodyPr/>
-          <a:lstStyle/>
-          <a:p>
-            <a:r>
-              <a:rPr lang="en-US" dirty="0"/>
-              <a:t>A Note about .NET Core…</a:t>
-            </a:r>
-          </a:p>
-        </p:txBody>
-      </p:sp>
-      <p:sp>
-        <p:nvSpPr>
-          <p:cNvPr id="3" name="Content Placeholder 2"/>
-          <p:cNvSpPr>
-            <a:spLocks noGrp="1"/>
-          </p:cNvSpPr>
-          <p:nvPr>
-            <p:ph idx="1"/>
-          </p:nvPr>
-        </p:nvSpPr>
-        <p:spPr>
-          <a:xfrm>
-            <a:off x="4766872" y="2011680"/>
-            <a:ext cx="6663509" cy="3766185"/>
-          </a:xfrm>
-        </p:spPr>
-        <p:txBody>
-          <a:bodyPr/>
-          <a:lstStyle/>
-          <a:p>
-            <a:r>
-              <a:rPr lang="en-US" sz="3200" dirty="0"/>
-              <a:t>ASP.NET </a:t>
-            </a:r>
-            <a:r>
-              <a:rPr lang="en-US" sz="3200" i="1" dirty="0"/>
-              <a:t>and</a:t>
-            </a:r>
-            <a:r>
-              <a:rPr lang="en-US" sz="3200" dirty="0"/>
-              <a:t> ASP.NET Core</a:t>
-            </a:r>
-          </a:p>
-          <a:p>
-            <a:endParaRPr lang="en-US" sz="3200" dirty="0"/>
-          </a:p>
-          <a:p>
-            <a:r>
-              <a:rPr lang="en-US" sz="3200" dirty="0"/>
-              <a:t>Where is Web API in .NET Core?</a:t>
-            </a:r>
-          </a:p>
-          <a:p>
-            <a:pPr lvl="1"/>
-            <a:r>
-              <a:rPr lang="en-US" sz="3200" b="1" dirty="0"/>
-              <a:t>Web API is dead; long live Web API!</a:t>
-            </a:r>
-          </a:p>
-          <a:p>
-            <a:endParaRPr lang="en-US" dirty="0"/>
-          </a:p>
-        </p:txBody>
-      </p:sp>
-      <p:pic>
-        <p:nvPicPr>
-          <p:cNvPr id="2050" name="Picture 2" descr="https://cdn.dribbble.com/users/42044/screenshots/3005802/net-core-logo-proposal.jpg"/>
-          <p:cNvPicPr>
-            <a:picLocks noChangeAspect="1" noChangeArrowheads="1"/>
-          </p:cNvPicPr>
-          <p:nvPr/>
-        </p:nvPicPr>
-        <p:blipFill>
-          <a:blip r:embed="rId2">
-            <a:extLst>
-              <a:ext uri="{28A0092B-C50C-407E-A947-70E740481C1C}">
-                <a14:useLocalDpi xmlns:a14="http://schemas.microsoft.com/office/drawing/2010/main" val="0"/>
-              </a:ext>
-            </a:extLst>
-          </a:blip>
-          <a:srcRect/>
-          <a:stretch>
-            <a:fillRect/>
-          </a:stretch>
-        </p:blipFill>
-        <p:spPr bwMode="auto">
-          <a:xfrm>
-            <a:off x="676656" y="2011680"/>
-            <a:ext cx="3810000" cy="2857500"/>
-          </a:xfrm>
-          <a:prstGeom prst="rect">
-            <a:avLst/>
-          </a:prstGeom>
-          <a:noFill/>
-          <a:extLst>
-            <a:ext uri="{909E8E84-426E-40DD-AFC4-6F175D3DCCD1}">
-              <a14:hiddenFill xmlns:a14="http://schemas.microsoft.com/office/drawing/2010/main">
-                <a:solidFill>
-                  <a:srgbClr val="FFFFFF"/>
-                </a:solidFill>
-              </a14:hiddenFill>
-            </a:ext>
-          </a:extLst>
-        </p:spPr>
-      </p:pic>
-    </p:spTree>
-    <p:extLst>
-      <p:ext uri="{BB962C8B-B14F-4D97-AF65-F5344CB8AC3E}">
-        <p14:creationId xmlns:p14="http://schemas.microsoft.com/office/powerpoint/2010/main" val="1671854691"/>
-      </p:ext>
-    </p:extLst>
-  </p:cSld>
-  <p:clrMapOvr>
-    <a:masterClrMapping/>
-  </p:clrMapOvr>
-</p:sld>
-</file>
-
-<file path=ppt/slides/slide50.xml><?xml version="1.0" encoding="utf-8"?>
+<file path=ppt/slides/slide47.xml><?xml version="1.0" encoding="utf-8"?>
 <p:sld xmlns:a="http://schemas.openxmlformats.org/drawingml/2006/main" xmlns:r="http://schemas.openxmlformats.org/officeDocument/2006/relationships" xmlns:p="http://schemas.openxmlformats.org/presentationml/2006/main">
   <p:cSld>
     <p:spTree>
@@ -13208,7 +17108,7 @@
 </p:sld>
 </file>
 
-<file path=ppt/slides/slide51.xml><?xml version="1.0" encoding="utf-8"?>
+<file path=ppt/slides/slide48.xml><?xml version="1.0" encoding="utf-8"?>
 <p:sld xmlns:a="http://schemas.openxmlformats.org/drawingml/2006/main" xmlns:r="http://schemas.openxmlformats.org/officeDocument/2006/relationships" xmlns:p="http://schemas.openxmlformats.org/presentationml/2006/main">
   <p:cSld>
     <p:spTree>
@@ -13262,7 +17162,7 @@
 </p:sld>
 </file>
 
-<file path=ppt/slides/slide52.xml><?xml version="1.0" encoding="utf-8"?>
+<file path=ppt/slides/slide49.xml><?xml version="1.0" encoding="utf-8"?>
 <p:sld xmlns:a="http://schemas.openxmlformats.org/drawingml/2006/main" xmlns:r="http://schemas.openxmlformats.org/officeDocument/2006/relationships" xmlns:p="http://schemas.openxmlformats.org/presentationml/2006/main">
   <p:cSld>
     <p:spTree>
@@ -13333,7 +17233,154 @@
 </p:sld>
 </file>
 
-<file path=ppt/slides/slide53.xml><?xml version="1.0" encoding="utf-8"?>
+<file path=ppt/slides/slide5.xml><?xml version="1.0" encoding="utf-8"?>
+<p:sld xmlns:a="http://schemas.openxmlformats.org/drawingml/2006/main" xmlns:r="http://schemas.openxmlformats.org/officeDocument/2006/relationships" xmlns:p="http://schemas.openxmlformats.org/presentationml/2006/main">
+  <p:cSld>
+    <p:spTree>
+      <p:nvGrpSpPr>
+        <p:cNvPr id="1" name=""/>
+        <p:cNvGrpSpPr/>
+        <p:nvPr/>
+      </p:nvGrpSpPr>
+      <p:grpSpPr>
+        <a:xfrm>
+          <a:off x="0" y="0"/>
+          <a:ext cx="0" cy="0"/>
+          <a:chOff x="0" y="0"/>
+          <a:chExt cx="0" cy="0"/>
+        </a:xfrm>
+      </p:grpSpPr>
+      <p:sp>
+        <p:nvSpPr>
+          <p:cNvPr id="2" name="Title 1"/>
+          <p:cNvSpPr>
+            <a:spLocks noGrp="1"/>
+          </p:cNvSpPr>
+          <p:nvPr>
+            <p:ph type="title"/>
+          </p:nvPr>
+        </p:nvSpPr>
+        <p:spPr/>
+        <p:txBody>
+          <a:bodyPr/>
+          <a:lstStyle/>
+          <a:p>
+            <a:r>
+              <a:rPr lang="en-US" dirty="0"/>
+              <a:t>A Note about .NET Core…</a:t>
+            </a:r>
+          </a:p>
+        </p:txBody>
+      </p:sp>
+      <p:sp>
+        <p:nvSpPr>
+          <p:cNvPr id="3" name="Content Placeholder 2"/>
+          <p:cNvSpPr>
+            <a:spLocks noGrp="1"/>
+          </p:cNvSpPr>
+          <p:nvPr>
+            <p:ph idx="1"/>
+          </p:nvPr>
+        </p:nvSpPr>
+        <p:spPr>
+          <a:xfrm>
+            <a:off x="4766872" y="2011680"/>
+            <a:ext cx="6663509" cy="3766185"/>
+          </a:xfrm>
+        </p:spPr>
+        <p:txBody>
+          <a:bodyPr/>
+          <a:lstStyle/>
+          <a:p>
+            <a:r>
+              <a:rPr lang="en-US" sz="3200" dirty="0"/>
+              <a:t>ASP.NET </a:t>
+            </a:r>
+            <a:r>
+              <a:rPr lang="en-US" sz="3200" i="1" dirty="0"/>
+              <a:t>and</a:t>
+            </a:r>
+            <a:r>
+              <a:rPr lang="en-US" sz="3200" dirty="0"/>
+              <a:t> ASP.NET Core</a:t>
+            </a:r>
+          </a:p>
+          <a:p>
+            <a:endParaRPr lang="en-US" sz="3200" dirty="0"/>
+          </a:p>
+          <a:p>
+            <a:r>
+              <a:rPr lang="en-US" sz="3200" dirty="0"/>
+              <a:t>Where is Web API in .NET Core?</a:t>
+            </a:r>
+          </a:p>
+          <a:p>
+            <a:pPr lvl="1"/>
+            <a:r>
+              <a:rPr lang="en-US" sz="3200" b="1" dirty="0"/>
+              <a:t>Web API is dead; long live Web API!</a:t>
+            </a:r>
+          </a:p>
+          <a:p>
+            <a:endParaRPr lang="en-US" dirty="0"/>
+          </a:p>
+        </p:txBody>
+      </p:sp>
+      <p:pic>
+        <p:nvPicPr>
+          <p:cNvPr id="2050" name="Picture 2" descr="https://cdn.dribbble.com/users/42044/screenshots/3005802/net-core-logo-proposal.jpg"/>
+          <p:cNvPicPr>
+            <a:picLocks noChangeAspect="1" noChangeArrowheads="1"/>
+          </p:cNvPicPr>
+          <p:nvPr/>
+        </p:nvPicPr>
+        <p:blipFill>
+          <a:blip r:embed="rId2">
+            <a:extLst>
+              <a:ext uri="{28A0092B-C50C-407E-A947-70E740481C1C}">
+                <a14:useLocalDpi xmlns:a14="http://schemas.microsoft.com/office/drawing/2010/main" val="0"/>
+              </a:ext>
+            </a:extLst>
+          </a:blip>
+          <a:srcRect/>
+          <a:stretch>
+            <a:fillRect/>
+          </a:stretch>
+        </p:blipFill>
+        <p:spPr bwMode="auto">
+          <a:xfrm>
+            <a:off x="676656" y="2011680"/>
+            <a:ext cx="3810000" cy="2857500"/>
+          </a:xfrm>
+          <a:prstGeom prst="rect">
+            <a:avLst/>
+          </a:prstGeom>
+          <a:noFill/>
+          <a:extLst>
+            <a:ext uri="{909E8E84-426E-40DD-AFC4-6F175D3DCCD1}">
+              <a14:hiddenFill xmlns:a14="http://schemas.microsoft.com/office/drawing/2010/main">
+                <a:solidFill>
+                  <a:srgbClr val="FFFFFF"/>
+                </a:solidFill>
+              </a14:hiddenFill>
+            </a:ext>
+          </a:extLst>
+        </p:spPr>
+      </p:pic>
+    </p:spTree>
+    <p:extLst>
+      <p:ext uri="{BB962C8B-B14F-4D97-AF65-F5344CB8AC3E}">
+        <p14:creationId xmlns:p14="http://schemas.microsoft.com/office/powerpoint/2010/main" val="1671854691"/>
+      </p:ext>
+    </p:extLst>
+  </p:cSld>
+  <p:clrMapOvr>
+    <a:masterClrMapping/>
+  </p:clrMapOvr>
+</p:sld>
+</file>
+
+<file path=ppt/slides/slide50.xml><?xml version="1.0" encoding="utf-8"?>
 <p:sld xmlns:a="http://schemas.openxmlformats.org/drawingml/2006/main" xmlns:r="http://schemas.openxmlformats.org/officeDocument/2006/relationships" xmlns:p="http://schemas.openxmlformats.org/presentationml/2006/main">
   <p:cSld>
     <p:spTree>
@@ -13432,7 +17479,7 @@
 </p:sld>
 </file>
 
-<file path=ppt/slides/slide54.xml><?xml version="1.0" encoding="utf-8"?>
+<file path=ppt/slides/slide51.xml><?xml version="1.0" encoding="utf-8"?>
 <p:sld xmlns:a="http://schemas.openxmlformats.org/drawingml/2006/main" xmlns:r="http://schemas.openxmlformats.org/officeDocument/2006/relationships" xmlns:p="http://schemas.openxmlformats.org/presentationml/2006/main">
   <p:cSld>
     <p:spTree>
@@ -13524,7 +17571,7 @@
 </p:sld>
 </file>
 
-<file path=ppt/slides/slide55.xml><?xml version="1.0" encoding="utf-8"?>
+<file path=ppt/slides/slide52.xml><?xml version="1.0" encoding="utf-8"?>
 <p:sld xmlns:a="http://schemas.openxmlformats.org/drawingml/2006/main" xmlns:r="http://schemas.openxmlformats.org/officeDocument/2006/relationships" xmlns:p="http://schemas.openxmlformats.org/presentationml/2006/main">
   <p:cSld>
     <p:spTree>
@@ -13977,7 +18024,7 @@
 </p:sld>
 </file>
 
-<file path=ppt/slides/slide56.xml><?xml version="1.0" encoding="utf-8"?>
+<file path=ppt/slides/slide53.xml><?xml version="1.0" encoding="utf-8"?>
 <p:sld xmlns:a="http://schemas.openxmlformats.org/drawingml/2006/main" xmlns:r="http://schemas.openxmlformats.org/officeDocument/2006/relationships" xmlns:p="http://schemas.openxmlformats.org/presentationml/2006/main">
   <p:cSld>
     <p:spTree>
@@ -14307,66 +18354,59 @@
           </a:lstStyle>
           <a:p>
             <a:r>
-              <a:rPr lang="en-US" sz="3200"/>
+              <a:rPr lang="en-US" sz="3200" dirty="0"/>
               <a:t>Quick Refresher on RESTful</a:t>
             </a:r>
           </a:p>
           <a:p>
             <a:r>
-              <a:rPr lang="en-US" sz="3200"/>
+              <a:rPr lang="en-US" sz="3200" dirty="0"/>
               <a:t>Routing</a:t>
             </a:r>
           </a:p>
           <a:p>
             <a:r>
-              <a:rPr lang="en-US" sz="3200"/>
+              <a:rPr lang="en-US" sz="3200" dirty="0"/>
               <a:t>Inputs and Outputs</a:t>
             </a:r>
           </a:p>
           <a:p>
             <a:r>
-              <a:rPr lang="en-US" sz="3200"/>
+              <a:rPr lang="en-US" sz="3200" dirty="0"/>
               <a:t>Validation</a:t>
             </a:r>
           </a:p>
           <a:p>
             <a:r>
-              <a:rPr lang="en-US" sz="3200"/>
+              <a:rPr lang="en-US" sz="3200" dirty="0"/>
               <a:t>Error Handling</a:t>
             </a:r>
           </a:p>
           <a:p>
             <a:r>
-              <a:rPr lang="en-US" sz="3200"/>
+              <a:rPr lang="en-US" sz="3200" dirty="0"/>
               <a:t>Authentication</a:t>
             </a:r>
           </a:p>
           <a:p>
             <a:r>
-              <a:rPr lang="en-US" sz="3200"/>
-              <a:t>A useful pattern</a:t>
-            </a:r>
-          </a:p>
-          <a:p>
-            <a:r>
-              <a:rPr lang="en-US" sz="3200"/>
+              <a:rPr lang="en-US" sz="3200" dirty="0"/>
               <a:t>3</a:t>
             </a:r>
             <a:r>
-              <a:rPr lang="en-US" sz="3200" baseline="30000"/>
+              <a:rPr lang="en-US" sz="3200" baseline="30000" dirty="0"/>
               <a:t>rd</a:t>
             </a:r>
             <a:r>
-              <a:rPr lang="en-US" sz="3200"/>
+              <a:rPr lang="en-US" sz="3200" dirty="0"/>
               <a:t> Party tools</a:t>
             </a:r>
           </a:p>
           <a:p>
             <a:r>
-              <a:rPr lang="en-US" sz="3200"/>
+              <a:rPr lang="en-US" sz="3200" dirty="0"/>
               <a:t>Performance tips</a:t>
             </a:r>
-            <a:endParaRPr lang="en-US" sz="3200" dirty="0"/>
           </a:p>
         </p:txBody>
       </p:sp>
@@ -14383,7 +18423,7 @@
 </p:sld>
 </file>
 
-<file path=ppt/slides/slide57.xml><?xml version="1.0" encoding="utf-8"?>
+<file path=ppt/slides/slide54.xml><?xml version="1.0" encoding="utf-8"?>
 <p:sld xmlns:a="http://schemas.openxmlformats.org/drawingml/2006/main" xmlns:r="http://schemas.openxmlformats.org/officeDocument/2006/relationships" xmlns:p="http://schemas.openxmlformats.org/presentationml/2006/main">
   <p:cSld>
     <p:spTree>
@@ -15207,7 +19247,7 @@
 </p:sld>
 </file>
 
-<file path=ppt/slides/slide58.xml><?xml version="1.0" encoding="utf-8"?>
+<file path=ppt/slides/slide55.xml><?xml version="1.0" encoding="utf-8"?>
 <p:sld xmlns:a="http://schemas.openxmlformats.org/drawingml/2006/main" xmlns:r="http://schemas.openxmlformats.org/officeDocument/2006/relationships" xmlns:p="http://schemas.openxmlformats.org/presentationml/2006/main">
   <p:cSld>
     <p:spTree>
